--- a/Projekt/Präsentation/Cookie Clicker.pptx
+++ b/Projekt/Präsentation/Cookie Clicker.pptx
@@ -12,6 +12,8 @@
     <p:sldId id="259" r:id="rId6"/>
     <p:sldId id="260" r:id="rId7"/>
     <p:sldId id="261" r:id="rId8"/>
+    <p:sldId id="263" r:id="rId9"/>
+    <p:sldId id="264" r:id="rId10"/>
   </p:sldIdLst>
   <p:sldSz cx="12192000" cy="6858000"/>
   <p:notesSz cx="6858000" cy="9144000"/>
@@ -234,7 +236,7 @@
           <a:effectLst/>
           <a:extLst>
             <a:ext uri="{91240B29-F687-4f45-9708-019B960494DF}">
-              <a14:hiddenLine xmlns="" xmlns:a14="http://schemas.microsoft.com/office/drawing/2010/main" w="9525">
+              <a14:hiddenLine xmlns:a14="http://schemas.microsoft.com/office/drawing/2010/main" xmlns="" w="9525">
                 <a:solidFill>
                   <a:srgbClr val="000000"/>
                 </a:solidFill>
@@ -427,7 +429,7 @@
             <a:fld id="{08B9EBBA-996F-894A-B54A-D6246ED52CEA}" type="datetimeFigureOut">
               <a:rPr lang="en-US" dirty="0"/>
               <a:pPr/>
-              <a:t>5/31/2018</a:t>
+              <a:t>6/16/18</a:t>
             </a:fld>
             <a:endParaRPr lang="en-US" dirty="0"/>
           </a:p>
@@ -470,7 +472,7 @@
             <a:fld id="{D57F1E4F-1CFF-5643-939E-217C01CDF565}" type="slidenum">
               <a:rPr lang="en-US" dirty="0"/>
               <a:pPr/>
-              <a:t>‹Nr.›</a:t>
+              <a:t>‹#›</a:t>
             </a:fld>
             <a:endParaRPr lang="en-US" dirty="0"/>
           </a:p>
@@ -742,7 +744,7 @@
             <a:fld id="{18C79C5D-2A6F-F04D-97DA-BEF2467B64E4}" type="datetimeFigureOut">
               <a:rPr lang="en-US" dirty="0"/>
               <a:pPr/>
-              <a:t>5/31/2018</a:t>
+              <a:t>6/16/18</a:t>
             </a:fld>
             <a:endParaRPr lang="en-US" dirty="0"/>
           </a:p>
@@ -785,7 +787,7 @@
             <a:fld id="{D57F1E4F-1CFF-5643-939E-217C01CDF565}" type="slidenum">
               <a:rPr lang="en-US" dirty="0"/>
               <a:pPr/>
-              <a:t>‹Nr.›</a:t>
+              <a:t>‹#›</a:t>
             </a:fld>
             <a:endParaRPr lang="en-US" dirty="0"/>
           </a:p>
@@ -1227,7 +1229,7 @@
             <a:fld id="{8DFA1846-DA80-1C48-A609-854EA85C59AD}" type="datetimeFigureOut">
               <a:rPr lang="en-US" dirty="0"/>
               <a:pPr/>
-              <a:t>5/31/2018</a:t>
+              <a:t>6/16/18</a:t>
             </a:fld>
             <a:endParaRPr lang="en-US" dirty="0"/>
           </a:p>
@@ -1270,7 +1272,7 @@
             <a:fld id="{D57F1E4F-1CFF-5643-939E-217C01CDF565}" type="slidenum">
               <a:rPr lang="en-US" dirty="0"/>
               <a:pPr/>
-              <a:t>‹Nr.›</a:t>
+              <a:t>‹#›</a:t>
             </a:fld>
             <a:endParaRPr lang="en-US" dirty="0"/>
           </a:p>
@@ -1593,7 +1595,7 @@
             <a:fld id="{FBF54567-0DE4-3F47-BF90-CB84690072F9}" type="datetimeFigureOut">
               <a:rPr lang="en-US" dirty="0"/>
               <a:pPr/>
-              <a:t>5/31/2018</a:t>
+              <a:t>6/16/18</a:t>
             </a:fld>
             <a:endParaRPr lang="en-US" dirty="0"/>
           </a:p>
@@ -1636,7 +1638,7 @@
             <a:fld id="{D57F1E4F-1CFF-5643-939E-217C01CDF565}" type="slidenum">
               <a:rPr lang="en-US" dirty="0"/>
               <a:pPr/>
-              <a:t>‹Nr.›</a:t>
+              <a:t>‹#›</a:t>
             </a:fld>
             <a:endParaRPr lang="en-US" dirty="0"/>
           </a:p>
@@ -1744,7 +1746,7 @@
           <a:ln/>
           <a:extLst>
             <a:ext uri="{91240B29-F687-4f45-9708-019B960494DF}">
-              <a14:hiddenLine xmlns="" xmlns:a14="http://schemas.microsoft.com/office/drawing/2010/main" w="9525">
+              <a14:hiddenLine xmlns:a14="http://schemas.microsoft.com/office/drawing/2010/main" xmlns="" w="9525">
                 <a:solidFill>
                   <a:srgbClr val="000000"/>
                 </a:solidFill>
@@ -1863,7 +1865,7 @@
             <a:fld id="{C6C52C72-DE31-F449-A4ED-4C594FD91407}" type="datetimeFigureOut">
               <a:rPr lang="en-US" dirty="0"/>
               <a:pPr/>
-              <a:t>5/31/2018</a:t>
+              <a:t>6/16/18</a:t>
             </a:fld>
             <a:endParaRPr lang="en-US" dirty="0"/>
           </a:p>
@@ -1906,7 +1908,7 @@
             <a:fld id="{D57F1E4F-1CFF-5643-939E-217C01CDF565}" type="slidenum">
               <a:rPr lang="en-US" dirty="0"/>
               <a:pPr/>
-              <a:t>‹Nr.›</a:t>
+              <a:t>‹#›</a:t>
             </a:fld>
             <a:endParaRPr lang="en-US" dirty="0"/>
           </a:p>
@@ -2016,7 +2018,7 @@
           <a:ln/>
           <a:extLst>
             <a:ext uri="{91240B29-F687-4f45-9708-019B960494DF}">
-              <a14:hiddenLine xmlns="" xmlns:a14="http://schemas.microsoft.com/office/drawing/2010/main" w="9525">
+              <a14:hiddenLine xmlns:a14="http://schemas.microsoft.com/office/drawing/2010/main" xmlns="" w="9525">
                 <a:solidFill>
                   <a:srgbClr val="000000"/>
                 </a:solidFill>
@@ -2145,7 +2147,7 @@
             <a:fld id="{ED62726E-379B-B349-9EED-81ED093FA806}" type="datetimeFigureOut">
               <a:rPr lang="en-US" dirty="0"/>
               <a:pPr/>
-              <a:t>5/31/2018</a:t>
+              <a:t>6/16/18</a:t>
             </a:fld>
             <a:endParaRPr lang="en-US" dirty="0"/>
           </a:p>
@@ -2188,7 +2190,7 @@
             <a:fld id="{D57F1E4F-1CFF-5643-939E-217C01CDF565}" type="slidenum">
               <a:rPr lang="en-US" dirty="0"/>
               <a:pPr/>
-              <a:t>‹Nr.›</a:t>
+              <a:t>‹#›</a:t>
             </a:fld>
             <a:endParaRPr lang="en-US" dirty="0"/>
           </a:p>
@@ -2296,7 +2298,7 @@
           <a:ln/>
           <a:extLst>
             <a:ext uri="{91240B29-F687-4f45-9708-019B960494DF}">
-              <a14:hiddenLine xmlns="" xmlns:a14="http://schemas.microsoft.com/office/drawing/2010/main" w="9525">
+              <a14:hiddenLine xmlns:a14="http://schemas.microsoft.com/office/drawing/2010/main" xmlns="" w="9525">
                 <a:solidFill>
                   <a:srgbClr val="000000"/>
                 </a:solidFill>
@@ -2425,7 +2427,7 @@
             <a:fld id="{9B3A1323-8D79-1946-B0D7-40001CF92E9D}" type="datetimeFigureOut">
               <a:rPr lang="en-US" dirty="0"/>
               <a:pPr/>
-              <a:t>5/31/2018</a:t>
+              <a:t>6/16/18</a:t>
             </a:fld>
             <a:endParaRPr lang="en-US" dirty="0"/>
           </a:p>
@@ -2468,7 +2470,7 @@
             <a:fld id="{D57F1E4F-1CFF-5643-939E-217C01CDF565}" type="slidenum">
               <a:rPr lang="en-US" dirty="0"/>
               <a:pPr/>
-              <a:t>‹Nr.›</a:t>
+              <a:t>‹#›</a:t>
             </a:fld>
             <a:endParaRPr lang="en-US" dirty="0"/>
           </a:p>
@@ -2765,7 +2767,7 @@
             <a:fld id="{8DFA1846-DA80-1C48-A609-854EA85C59AD}" type="datetimeFigureOut">
               <a:rPr lang="en-US" dirty="0"/>
               <a:pPr/>
-              <a:t>5/31/2018</a:t>
+              <a:t>6/16/18</a:t>
             </a:fld>
             <a:endParaRPr lang="en-US" dirty="0"/>
           </a:p>
@@ -2808,7 +2810,7 @@
             <a:fld id="{D57F1E4F-1CFF-5643-939E-217C01CDF565}" type="slidenum">
               <a:rPr lang="en-US" dirty="0"/>
               <a:pPr/>
-              <a:t>‹Nr.›</a:t>
+              <a:t>‹#›</a:t>
             </a:fld>
             <a:endParaRPr lang="en-US" dirty="0"/>
           </a:p>
@@ -2916,7 +2918,7 @@
           <a:ln/>
           <a:extLst>
             <a:ext uri="{91240B29-F687-4f45-9708-019B960494DF}">
-              <a14:hiddenLine xmlns="" xmlns:a14="http://schemas.microsoft.com/office/drawing/2010/main" w="9525">
+              <a14:hiddenLine xmlns:a14="http://schemas.microsoft.com/office/drawing/2010/main" xmlns="" w="9525">
                 <a:solidFill>
                   <a:srgbClr val="000000"/>
                 </a:solidFill>
@@ -3101,7 +3103,7 @@
             <a:fld id="{57302355-E14B-8545-A8F8-0FE83CC9D524}" type="datetimeFigureOut">
               <a:rPr lang="en-US" dirty="0"/>
               <a:pPr/>
-              <a:t>5/31/2018</a:t>
+              <a:t>6/16/18</a:t>
             </a:fld>
             <a:endParaRPr lang="en-US" dirty="0"/>
           </a:p>
@@ -3144,7 +3146,7 @@
             <a:fld id="{D57F1E4F-1CFF-5643-939E-217C01CDF565}" type="slidenum">
               <a:rPr lang="en-US" dirty="0"/>
               <a:pPr/>
-              <a:t>‹Nr.›</a:t>
+              <a:t>‹#›</a:t>
             </a:fld>
             <a:endParaRPr lang="en-US" dirty="0"/>
           </a:p>
@@ -3252,7 +3254,7 @@
           <a:ln/>
           <a:extLst>
             <a:ext uri="{91240B29-F687-4f45-9708-019B960494DF}">
-              <a14:hiddenLine xmlns="" xmlns:a14="http://schemas.microsoft.com/office/drawing/2010/main" w="9525">
+              <a14:hiddenLine xmlns:a14="http://schemas.microsoft.com/office/drawing/2010/main" xmlns="" w="9525">
                 <a:solidFill>
                   <a:srgbClr val="000000"/>
                 </a:solidFill>
@@ -3575,7 +3577,7 @@
             <a:fld id="{02640F58-564D-2B4F-AE67-E407BA4FCF45}" type="datetimeFigureOut">
               <a:rPr lang="en-US" dirty="0"/>
               <a:pPr/>
-              <a:t>5/31/2018</a:t>
+              <a:t>6/16/18</a:t>
             </a:fld>
             <a:endParaRPr lang="en-US" dirty="0"/>
           </a:p>
@@ -3618,7 +3620,7 @@
             <a:fld id="{D57F1E4F-1CFF-5643-939E-217C01CDF565}" type="slidenum">
               <a:rPr lang="en-US" dirty="0"/>
               <a:pPr/>
-              <a:t>‹Nr.›</a:t>
+              <a:t>‹#›</a:t>
             </a:fld>
             <a:endParaRPr lang="en-US" dirty="0"/>
           </a:p>
@@ -3726,7 +3728,7 @@
           <a:ln/>
           <a:extLst>
             <a:ext uri="{91240B29-F687-4f45-9708-019B960494DF}">
-              <a14:hiddenLine xmlns="" xmlns:a14="http://schemas.microsoft.com/office/drawing/2010/main" w="9525">
+              <a14:hiddenLine xmlns:a14="http://schemas.microsoft.com/office/drawing/2010/main" xmlns="" w="9525">
                 <a:solidFill>
                   <a:srgbClr val="000000"/>
                 </a:solidFill>
@@ -3793,7 +3795,7 @@
             <a:fld id="{F13A34C8-038E-2045-AF43-DF7DBB8E0E9E}" type="datetimeFigureOut">
               <a:rPr lang="en-US" dirty="0"/>
               <a:pPr/>
-              <a:t>5/31/2018</a:t>
+              <a:t>6/16/18</a:t>
             </a:fld>
             <a:endParaRPr lang="en-US" dirty="0"/>
           </a:p>
@@ -3836,7 +3838,7 @@
             <a:fld id="{D57F1E4F-1CFF-5643-939E-217C01CDF565}" type="slidenum">
               <a:rPr lang="en-US" dirty="0"/>
               <a:pPr/>
-              <a:t>‹Nr.›</a:t>
+              <a:t>‹#›</a:t>
             </a:fld>
             <a:endParaRPr lang="en-US" dirty="0"/>
           </a:p>
@@ -3885,7 +3887,7 @@
             <a:fld id="{8818C68F-D26B-8F47-958C-23B49CF8A634}" type="datetimeFigureOut">
               <a:rPr lang="en-US" dirty="0"/>
               <a:pPr/>
-              <a:t>5/31/2018</a:t>
+              <a:t>6/16/18</a:t>
             </a:fld>
             <a:endParaRPr lang="en-US" dirty="0"/>
           </a:p>
@@ -3928,7 +3930,7 @@
             <a:fld id="{D57F1E4F-1CFF-5643-939E-217C01CDF565}" type="slidenum">
               <a:rPr lang="en-US" dirty="0"/>
               <a:pPr/>
-              <a:t>‹Nr.›</a:t>
+              <a:t>‹#›</a:t>
             </a:fld>
             <a:endParaRPr lang="en-US" dirty="0"/>
           </a:p>
@@ -4149,7 +4151,7 @@
           <a:ln/>
           <a:extLst>
             <a:ext uri="{91240B29-F687-4f45-9708-019B960494DF}">
-              <a14:hiddenLine xmlns="" xmlns:a14="http://schemas.microsoft.com/office/drawing/2010/main" w="9525">
+              <a14:hiddenLine xmlns:a14="http://schemas.microsoft.com/office/drawing/2010/main" xmlns="" w="9525">
                 <a:solidFill>
                   <a:srgbClr val="000000"/>
                 </a:solidFill>
@@ -4349,7 +4351,7 @@
             <a:fld id="{D0DF5E60-9974-AC48-9591-99C2BB44B7CF}" type="datetimeFigureOut">
               <a:rPr lang="en-US" dirty="0"/>
               <a:pPr/>
-              <a:t>5/31/2018</a:t>
+              <a:t>6/16/18</a:t>
             </a:fld>
             <a:endParaRPr lang="en-US" dirty="0"/>
           </a:p>
@@ -4392,7 +4394,7 @@
             <a:fld id="{D57F1E4F-1CFF-5643-939E-217C01CDF565}" type="slidenum">
               <a:rPr lang="en-US" dirty="0"/>
               <a:pPr/>
-              <a:t>‹Nr.›</a:t>
+              <a:t>‹#›</a:t>
             </a:fld>
             <a:endParaRPr lang="en-US" dirty="0"/>
           </a:p>
@@ -4659,7 +4661,7 @@
             <a:fld id="{18C79C5D-2A6F-F04D-97DA-BEF2467B64E4}" type="datetimeFigureOut">
               <a:rPr lang="en-US" dirty="0"/>
               <a:pPr/>
-              <a:t>5/31/2018</a:t>
+              <a:t>6/16/18</a:t>
             </a:fld>
             <a:endParaRPr lang="en-US" dirty="0"/>
           </a:p>
@@ -4712,7 +4714,7 @@
             <a:fld id="{D57F1E4F-1CFF-5643-939E-217C01CDF565}" type="slidenum">
               <a:rPr lang="en-US" dirty="0"/>
               <a:pPr/>
-              <a:t>‹Nr.›</a:t>
+              <a:t>‹#›</a:t>
             </a:fld>
             <a:endParaRPr lang="en-US" dirty="0"/>
           </a:p>
@@ -4926,7 +4928,7 @@
             <a:fld id="{09B482E8-6E0E-1B4F-B1FD-C69DB9E858D9}" type="datetimeFigureOut">
               <a:rPr lang="en-US" dirty="0"/>
               <a:pPr/>
-              <a:t>5/31/2018</a:t>
+              <a:t>6/16/18</a:t>
             </a:fld>
             <a:endParaRPr lang="en-US" dirty="0"/>
           </a:p>
@@ -4966,7 +4968,7 @@
             <a:fld id="{D57F1E4F-1CFF-5643-939E-217C01CDF565}" type="slidenum">
               <a:rPr lang="en-US" dirty="0"/>
               <a:pPr/>
-              <a:t>‹Nr.›</a:t>
+              <a:t>‹#›</a:t>
             </a:fld>
             <a:endParaRPr lang="en-US" dirty="0"/>
           </a:p>
@@ -6165,6 +6167,301 @@
 </p:sld>
 </file>
 
+<file path=ppt/slides/slide8.xml><?xml version="1.0" encoding="utf-8"?>
+<p:sld xmlns:a="http://schemas.openxmlformats.org/drawingml/2006/main" xmlns:r="http://schemas.openxmlformats.org/officeDocument/2006/relationships" xmlns:p="http://schemas.openxmlformats.org/presentationml/2006/main">
+  <p:cSld>
+    <p:spTree>
+      <p:nvGrpSpPr>
+        <p:cNvPr id="1" name=""/>
+        <p:cNvGrpSpPr/>
+        <p:nvPr/>
+      </p:nvGrpSpPr>
+      <p:grpSpPr>
+        <a:xfrm>
+          <a:off x="0" y="0"/>
+          <a:ext cx="0" cy="0"/>
+          <a:chOff x="0" y="0"/>
+          <a:chExt cx="0" cy="0"/>
+        </a:xfrm>
+      </p:grpSpPr>
+      <p:sp>
+        <p:nvSpPr>
+          <p:cNvPr id="2" name="Title 1">
+            <a:extLst>
+              <a:ext uri="{FF2B5EF4-FFF2-40B4-BE49-F238E27FC236}">
+                <a16:creationId xmlns:a16="http://schemas.microsoft.com/office/drawing/2014/main" id="{A2C93448-3742-C745-A1EA-2A4F915A55C9}"/>
+              </a:ext>
+            </a:extLst>
+          </p:cNvPr>
+          <p:cNvSpPr>
+            <a:spLocks noGrp="1"/>
+          </p:cNvSpPr>
+          <p:nvPr>
+            <p:ph type="title"/>
+          </p:nvPr>
+        </p:nvSpPr>
+        <p:spPr/>
+        <p:txBody>
+          <a:bodyPr/>
+          <a:lstStyle/>
+          <a:p>
+            <a:r>
+              <a:rPr lang="de-DE" dirty="0"/>
+              <a:t>Container/Service –</a:t>
+            </a:r>
+            <a:r>
+              <a:rPr lang="de-DE" dirty="0" err="1"/>
+              <a:t>modell</a:t>
+            </a:r>
+            <a:r>
+              <a:rPr lang="de-DE" dirty="0"/>
+              <a:t> (1)</a:t>
+            </a:r>
+          </a:p>
+        </p:txBody>
+      </p:sp>
+      <p:sp>
+        <p:nvSpPr>
+          <p:cNvPr id="3" name="Content Placeholder 2">
+            <a:extLst>
+              <a:ext uri="{FF2B5EF4-FFF2-40B4-BE49-F238E27FC236}">
+                <a16:creationId xmlns:a16="http://schemas.microsoft.com/office/drawing/2014/main" id="{A3B604BD-E745-574C-857C-07D071B49CB4}"/>
+              </a:ext>
+            </a:extLst>
+          </p:cNvPr>
+          <p:cNvSpPr>
+            <a:spLocks noGrp="1"/>
+          </p:cNvSpPr>
+          <p:nvPr>
+            <p:ph idx="1"/>
+          </p:nvPr>
+        </p:nvSpPr>
+        <p:spPr/>
+        <p:txBody>
+          <a:bodyPr/>
+          <a:lstStyle/>
+          <a:p>
+            <a:r>
+              <a:rPr lang="de-DE" dirty="0"/>
+              <a:t>Frameworks besitzen meist nativen Container</a:t>
+            </a:r>
+          </a:p>
+          <a:p>
+            <a:r>
+              <a:rPr lang="de-DE" dirty="0"/>
+              <a:t>Sinn:</a:t>
+            </a:r>
+          </a:p>
+          <a:p>
+            <a:pPr lvl="1"/>
+            <a:r>
+              <a:rPr lang="de-DE" dirty="0"/>
+              <a:t>Optimierung der Applikationsarchitektur erfordert verteilte Klassen</a:t>
+            </a:r>
+          </a:p>
+          <a:p>
+            <a:pPr lvl="1"/>
+            <a:r>
+              <a:rPr lang="de-DE" dirty="0"/>
+              <a:t>Laden vom </a:t>
+            </a:r>
+            <a:r>
+              <a:rPr lang="de-DE" dirty="0" err="1"/>
+              <a:t>FileSystem</a:t>
+            </a:r>
+            <a:r>
+              <a:rPr lang="de-DE" dirty="0"/>
+              <a:t> verbraucht viele Ressourcen</a:t>
+            </a:r>
+          </a:p>
+          <a:p>
+            <a:pPr lvl="1"/>
+            <a:r>
+              <a:rPr lang="de-DE" dirty="0"/>
+              <a:t>Services müssen zur Laufzeit verfügbar sein</a:t>
+            </a:r>
+          </a:p>
+          <a:p>
+            <a:pPr lvl="1"/>
+            <a:r>
+              <a:rPr lang="de-DE" dirty="0"/>
+              <a:t>Services sollten „</a:t>
+            </a:r>
+            <a:r>
+              <a:rPr lang="de-DE" dirty="0" err="1"/>
+              <a:t>unique</a:t>
+            </a:r>
+            <a:r>
+              <a:rPr lang="de-DE" dirty="0"/>
+              <a:t>“ sein</a:t>
+            </a:r>
+          </a:p>
+        </p:txBody>
+      </p:sp>
+    </p:spTree>
+    <p:extLst>
+      <p:ext uri="{BB962C8B-B14F-4D97-AF65-F5344CB8AC3E}">
+        <p14:creationId xmlns:p14="http://schemas.microsoft.com/office/powerpoint/2010/main" val="1348959206"/>
+      </p:ext>
+    </p:extLst>
+  </p:cSld>
+  <p:clrMapOvr>
+    <a:masterClrMapping/>
+  </p:clrMapOvr>
+</p:sld>
+</file>
+
+<file path=ppt/slides/slide9.xml><?xml version="1.0" encoding="utf-8"?>
+<p:sld xmlns:a="http://schemas.openxmlformats.org/drawingml/2006/main" xmlns:r="http://schemas.openxmlformats.org/officeDocument/2006/relationships" xmlns:p="http://schemas.openxmlformats.org/presentationml/2006/main">
+  <p:cSld>
+    <p:spTree>
+      <p:nvGrpSpPr>
+        <p:cNvPr id="1" name=""/>
+        <p:cNvGrpSpPr/>
+        <p:nvPr/>
+      </p:nvGrpSpPr>
+      <p:grpSpPr>
+        <a:xfrm>
+          <a:off x="0" y="0"/>
+          <a:ext cx="0" cy="0"/>
+          <a:chOff x="0" y="0"/>
+          <a:chExt cx="0" cy="0"/>
+        </a:xfrm>
+      </p:grpSpPr>
+      <p:sp>
+        <p:nvSpPr>
+          <p:cNvPr id="2" name="Title 1">
+            <a:extLst>
+              <a:ext uri="{FF2B5EF4-FFF2-40B4-BE49-F238E27FC236}">
+                <a16:creationId xmlns:a16="http://schemas.microsoft.com/office/drawing/2014/main" id="{A2C93448-3742-C745-A1EA-2A4F915A55C9}"/>
+              </a:ext>
+            </a:extLst>
+          </p:cNvPr>
+          <p:cNvSpPr>
+            <a:spLocks noGrp="1"/>
+          </p:cNvSpPr>
+          <p:nvPr>
+            <p:ph type="title"/>
+          </p:nvPr>
+        </p:nvSpPr>
+        <p:spPr/>
+        <p:txBody>
+          <a:bodyPr/>
+          <a:lstStyle/>
+          <a:p>
+            <a:r>
+              <a:rPr lang="de-DE" dirty="0"/>
+              <a:t>Container/Service –</a:t>
+            </a:r>
+            <a:r>
+              <a:rPr lang="de-DE" dirty="0" err="1"/>
+              <a:t>modell</a:t>
+            </a:r>
+            <a:r>
+              <a:rPr lang="de-DE" dirty="0"/>
+              <a:t> (2)</a:t>
+            </a:r>
+          </a:p>
+        </p:txBody>
+      </p:sp>
+      <p:sp>
+        <p:nvSpPr>
+          <p:cNvPr id="3" name="Content Placeholder 2">
+            <a:extLst>
+              <a:ext uri="{FF2B5EF4-FFF2-40B4-BE49-F238E27FC236}">
+                <a16:creationId xmlns:a16="http://schemas.microsoft.com/office/drawing/2014/main" id="{A3B604BD-E745-574C-857C-07D071B49CB4}"/>
+              </a:ext>
+            </a:extLst>
+          </p:cNvPr>
+          <p:cNvSpPr>
+            <a:spLocks noGrp="1"/>
+          </p:cNvSpPr>
+          <p:nvPr>
+            <p:ph idx="1"/>
+          </p:nvPr>
+        </p:nvSpPr>
+        <p:spPr/>
+        <p:txBody>
+          <a:bodyPr/>
+          <a:lstStyle/>
+          <a:p>
+            <a:r>
+              <a:rPr lang="de-DE" dirty="0"/>
+              <a:t>Implementation:</a:t>
+            </a:r>
+          </a:p>
+          <a:p>
+            <a:pPr lvl="1"/>
+            <a:r>
+              <a:rPr lang="de-DE" dirty="0"/>
+              <a:t>Simplifiziert:</a:t>
+            </a:r>
+          </a:p>
+          <a:p>
+            <a:pPr lvl="2"/>
+            <a:r>
+              <a:rPr lang="de-DE" dirty="0"/>
+              <a:t>Registry für Objekte</a:t>
+            </a:r>
+          </a:p>
+          <a:p>
+            <a:pPr lvl="1"/>
+            <a:r>
+              <a:rPr lang="de-DE" dirty="0"/>
+              <a:t>Produktive Implementationen:</a:t>
+            </a:r>
+          </a:p>
+          <a:p>
+            <a:pPr lvl="2"/>
+            <a:r>
+              <a:rPr lang="de-DE" dirty="0" err="1"/>
+              <a:t>Symfony</a:t>
+            </a:r>
+            <a:r>
+              <a:rPr lang="de-DE" dirty="0"/>
+              <a:t>, </a:t>
+            </a:r>
+            <a:r>
+              <a:rPr lang="de-DE" dirty="0" err="1"/>
+              <a:t>EntityFrameWork</a:t>
+            </a:r>
+            <a:r>
+              <a:rPr lang="de-DE" dirty="0"/>
+              <a:t>, </a:t>
+            </a:r>
+            <a:r>
+              <a:rPr lang="de-DE" dirty="0" err="1"/>
+              <a:t>Laravel</a:t>
+            </a:r>
+            <a:endParaRPr lang="de-DE" dirty="0"/>
+          </a:p>
+          <a:p>
+            <a:pPr lvl="2"/>
+            <a:endParaRPr lang="de-DE" dirty="0"/>
+          </a:p>
+          <a:p>
+            <a:pPr lvl="2"/>
+            <a:endParaRPr lang="de-DE" dirty="0"/>
+          </a:p>
+          <a:p>
+            <a:pPr lvl="1"/>
+            <a:endParaRPr lang="de-DE" dirty="0"/>
+          </a:p>
+        </p:txBody>
+      </p:sp>
+    </p:spTree>
+    <p:extLst>
+      <p:ext uri="{BB962C8B-B14F-4D97-AF65-F5344CB8AC3E}">
+        <p14:creationId xmlns:p14="http://schemas.microsoft.com/office/powerpoint/2010/main" val="66315171"/>
+      </p:ext>
+    </p:extLst>
+  </p:cSld>
+  <p:clrMapOvr>
+    <a:masterClrMapping/>
+  </p:clrMapOvr>
+</p:sld>
+</file>
+
 <file path=ppt/theme/theme1.xml><?xml version="1.0" encoding="utf-8"?>
 <a:theme xmlns:a="http://schemas.openxmlformats.org/drawingml/2006/main" name="Zitierfähig">
   <a:themeElements>

--- a/Projekt/Präsentation/Cookie Clicker.pptx
+++ b/Projekt/Präsentation/Cookie Clicker.pptx
@@ -12,8 +12,20 @@
     <p:sldId id="259" r:id="rId6"/>
     <p:sldId id="260" r:id="rId7"/>
     <p:sldId id="261" r:id="rId8"/>
-    <p:sldId id="263" r:id="rId9"/>
-    <p:sldId id="264" r:id="rId10"/>
+    <p:sldId id="265" r:id="rId9"/>
+    <p:sldId id="266" r:id="rId10"/>
+    <p:sldId id="267" r:id="rId11"/>
+    <p:sldId id="268" r:id="rId12"/>
+    <p:sldId id="269" r:id="rId13"/>
+    <p:sldId id="270" r:id="rId14"/>
+    <p:sldId id="271" r:id="rId15"/>
+    <p:sldId id="272" r:id="rId16"/>
+    <p:sldId id="273" r:id="rId17"/>
+    <p:sldId id="275" r:id="rId18"/>
+    <p:sldId id="263" r:id="rId19"/>
+    <p:sldId id="264" r:id="rId20"/>
+    <p:sldId id="277" r:id="rId21"/>
+    <p:sldId id="276" r:id="rId22"/>
   </p:sldIdLst>
   <p:sldSz cx="12192000" cy="6858000"/>
   <p:notesSz cx="6858000" cy="9144000"/>
@@ -120,8 +132,663 @@
 </p:presentation>
 </file>
 
+<file path=ppt/revisionInfo.xml><?xml version="1.0" encoding="utf-8"?>
+<p1510:revInfo xmlns:a="http://schemas.openxmlformats.org/drawingml/2006/main" xmlns:r="http://schemas.openxmlformats.org/officeDocument/2006/relationships" xmlns:p1510="http://schemas.microsoft.com/office/powerpoint/2015/10/main">
+  <p1510:revLst>
+    <p1510:client id="{C328D0A7-DBBE-41F4-ABAA-CBA8355A9525}" v="47" dt="2018-06-17T18:29:56.883"/>
+  </p1510:revLst>
+</p1510:revInfo>
+</file>
+
 <file path=ppt/changesInfos/changesInfo1.xml><?xml version="1.0" encoding="utf-8"?>
 <pc:chgInfo xmlns:a="http://schemas.openxmlformats.org/drawingml/2006/main" xmlns:r="http://schemas.openxmlformats.org/officeDocument/2006/relationships" xmlns:ac="http://schemas.microsoft.com/office/drawing/2013/main/command" xmlns:pc="http://schemas.microsoft.com/office/powerpoint/2013/main/command">
+  <pc:docChgLst>
+    <pc:chgData name="David Leinweber" userId="S::david.leinweber@sqlxpert.de::62d0eb7d-e5f7-4fa2-91e3-2aa827013e69" providerId="AD" clId="Web-{C328D0A7-DBBE-41F4-ABAA-CBA8355A9525}"/>
+    <pc:docChg chg="addSld delSld modSld sldOrd">
+      <pc:chgData name="David Leinweber" userId="S::david.leinweber@sqlxpert.de::62d0eb7d-e5f7-4fa2-91e3-2aa827013e69" providerId="AD" clId="Web-{C328D0A7-DBBE-41F4-ABAA-CBA8355A9525}" dt="2018-06-17T18:47:33.408" v="1215"/>
+      <pc:docMkLst>
+        <pc:docMk/>
+      </pc:docMkLst>
+      <pc:sldChg chg="modSp">
+        <pc:chgData name="David Leinweber" userId="S::david.leinweber@sqlxpert.de::62d0eb7d-e5f7-4fa2-91e3-2aa827013e69" providerId="AD" clId="Web-{C328D0A7-DBBE-41F4-ABAA-CBA8355A9525}" dt="2018-06-17T17:20:16.348" v="6" actId="20577"/>
+        <pc:sldMkLst>
+          <pc:docMk/>
+          <pc:sldMk cId="1686522022" sldId="257"/>
+        </pc:sldMkLst>
+        <pc:spChg chg="mod">
+          <ac:chgData name="David Leinweber" userId="S::david.leinweber@sqlxpert.de::62d0eb7d-e5f7-4fa2-91e3-2aa827013e69" providerId="AD" clId="Web-{C328D0A7-DBBE-41F4-ABAA-CBA8355A9525}" dt="2018-06-17T17:20:16.348" v="6" actId="20577"/>
+          <ac:spMkLst>
+            <pc:docMk/>
+            <pc:sldMk cId="1686522022" sldId="257"/>
+            <ac:spMk id="3" creationId="{16F809BE-8A5B-440A-88AD-CF68681CAE73}"/>
+          </ac:spMkLst>
+        </pc:spChg>
+      </pc:sldChg>
+      <pc:sldChg chg="modSp">
+        <pc:chgData name="David Leinweber" userId="S::david.leinweber@sqlxpert.de::62d0eb7d-e5f7-4fa2-91e3-2aa827013e69" providerId="AD" clId="Web-{C328D0A7-DBBE-41F4-ABAA-CBA8355A9525}" dt="2018-06-17T17:23:02.331" v="30" actId="20577"/>
+        <pc:sldMkLst>
+          <pc:docMk/>
+          <pc:sldMk cId="1462432959" sldId="258"/>
+        </pc:sldMkLst>
+        <pc:spChg chg="mod">
+          <ac:chgData name="David Leinweber" userId="S::david.leinweber@sqlxpert.de::62d0eb7d-e5f7-4fa2-91e3-2aa827013e69" providerId="AD" clId="Web-{C328D0A7-DBBE-41F4-ABAA-CBA8355A9525}" dt="2018-06-17T17:23:02.331" v="30" actId="20577"/>
+          <ac:spMkLst>
+            <pc:docMk/>
+            <pc:sldMk cId="1462432959" sldId="258"/>
+            <ac:spMk id="3" creationId="{D1253B35-71B0-4293-9A1D-C1F5901CAE2F}"/>
+          </ac:spMkLst>
+        </pc:spChg>
+      </pc:sldChg>
+      <pc:sldChg chg="modSp">
+        <pc:chgData name="David Leinweber" userId="S::david.leinweber@sqlxpert.de::62d0eb7d-e5f7-4fa2-91e3-2aa827013e69" providerId="AD" clId="Web-{C328D0A7-DBBE-41F4-ABAA-CBA8355A9525}" dt="2018-06-17T17:23:43.706" v="48" actId="20577"/>
+        <pc:sldMkLst>
+          <pc:docMk/>
+          <pc:sldMk cId="67438302" sldId="259"/>
+        </pc:sldMkLst>
+        <pc:spChg chg="mod">
+          <ac:chgData name="David Leinweber" userId="S::david.leinweber@sqlxpert.de::62d0eb7d-e5f7-4fa2-91e3-2aa827013e69" providerId="AD" clId="Web-{C328D0A7-DBBE-41F4-ABAA-CBA8355A9525}" dt="2018-06-17T17:23:43.706" v="48" actId="20577"/>
+          <ac:spMkLst>
+            <pc:docMk/>
+            <pc:sldMk cId="67438302" sldId="259"/>
+            <ac:spMk id="3" creationId="{D2417510-166D-4ACD-8A98-8B00E6B7EB3D}"/>
+          </ac:spMkLst>
+        </pc:spChg>
+      </pc:sldChg>
+      <pc:sldChg chg="addSp delSp modSp new mod setBg">
+        <pc:chgData name="David Leinweber" userId="S::david.leinweber@sqlxpert.de::62d0eb7d-e5f7-4fa2-91e3-2aa827013e69" providerId="AD" clId="Web-{C328D0A7-DBBE-41F4-ABAA-CBA8355A9525}" dt="2018-06-17T17:44:30.807" v="457" actId="1076"/>
+        <pc:sldMkLst>
+          <pc:docMk/>
+          <pc:sldMk cId="1668074037" sldId="265"/>
+        </pc:sldMkLst>
+        <pc:spChg chg="mod">
+          <ac:chgData name="David Leinweber" userId="S::david.leinweber@sqlxpert.de::62d0eb7d-e5f7-4fa2-91e3-2aa827013e69" providerId="AD" clId="Web-{C328D0A7-DBBE-41F4-ABAA-CBA8355A9525}" dt="2018-06-17T17:42:42.636" v="375" actId="20577"/>
+          <ac:spMkLst>
+            <pc:docMk/>
+            <pc:sldMk cId="1668074037" sldId="265"/>
+            <ac:spMk id="2" creationId="{FB66E8BB-7551-4972-807B-A7BE5F4F7706}"/>
+          </ac:spMkLst>
+        </pc:spChg>
+        <pc:spChg chg="mod">
+          <ac:chgData name="David Leinweber" userId="S::david.leinweber@sqlxpert.de::62d0eb7d-e5f7-4fa2-91e3-2aa827013e69" providerId="AD" clId="Web-{C328D0A7-DBBE-41F4-ABAA-CBA8355A9525}" dt="2018-06-17T17:44:25.948" v="456" actId="1076"/>
+          <ac:spMkLst>
+            <pc:docMk/>
+            <pc:sldMk cId="1668074037" sldId="265"/>
+            <ac:spMk id="3" creationId="{E21419B2-B4E4-4FD7-A75F-B58ECCC7A1C0}"/>
+          </ac:spMkLst>
+        </pc:spChg>
+        <pc:picChg chg="add del mod">
+          <ac:chgData name="David Leinweber" userId="S::david.leinweber@sqlxpert.de::62d0eb7d-e5f7-4fa2-91e3-2aa827013e69" providerId="AD" clId="Web-{C328D0A7-DBBE-41F4-ABAA-CBA8355A9525}" dt="2018-06-17T17:29:15.172" v="85" actId="1076"/>
+          <ac:picMkLst>
+            <pc:docMk/>
+            <pc:sldMk cId="1668074037" sldId="265"/>
+            <ac:picMk id="4" creationId="{594751E1-68D3-49D1-8229-60E8AD5591C3}"/>
+          </ac:picMkLst>
+        </pc:picChg>
+        <pc:picChg chg="add del mod">
+          <ac:chgData name="David Leinweber" userId="S::david.leinweber@sqlxpert.de::62d0eb7d-e5f7-4fa2-91e3-2aa827013e69" providerId="AD" clId="Web-{C328D0A7-DBBE-41F4-ABAA-CBA8355A9525}" dt="2018-06-17T17:30:36.125" v="96" actId="1076"/>
+          <ac:picMkLst>
+            <pc:docMk/>
+            <pc:sldMk cId="1668074037" sldId="265"/>
+            <ac:picMk id="6" creationId="{C22C4175-4F8F-4EFB-98CB-E1A41870FFBF}"/>
+          </ac:picMkLst>
+        </pc:picChg>
+        <pc:picChg chg="add mod">
+          <ac:chgData name="David Leinweber" userId="S::david.leinweber@sqlxpert.de::62d0eb7d-e5f7-4fa2-91e3-2aa827013e69" providerId="AD" clId="Web-{C328D0A7-DBBE-41F4-ABAA-CBA8355A9525}" dt="2018-06-17T17:44:30.807" v="457" actId="1076"/>
+          <ac:picMkLst>
+            <pc:docMk/>
+            <pc:sldMk cId="1668074037" sldId="265"/>
+            <ac:picMk id="8" creationId="{E0AB635C-AC28-4B7B-A8CC-B3DE43B769B8}"/>
+          </ac:picMkLst>
+        </pc:picChg>
+      </pc:sldChg>
+      <pc:sldChg chg="addSp delSp modSp new mod setBg setClrOvrMap">
+        <pc:chgData name="David Leinweber" userId="S::david.leinweber@sqlxpert.de::62d0eb7d-e5f7-4fa2-91e3-2aa827013e69" providerId="AD" clId="Web-{C328D0A7-DBBE-41F4-ABAA-CBA8355A9525}" dt="2018-06-17T17:54:28.506" v="695"/>
+        <pc:sldMkLst>
+          <pc:docMk/>
+          <pc:sldMk cId="753452523" sldId="266"/>
+        </pc:sldMkLst>
+        <pc:spChg chg="mod">
+          <ac:chgData name="David Leinweber" userId="S::david.leinweber@sqlxpert.de::62d0eb7d-e5f7-4fa2-91e3-2aa827013e69" providerId="AD" clId="Web-{C328D0A7-DBBE-41F4-ABAA-CBA8355A9525}" dt="2018-06-17T17:43:59.542" v="436" actId="20577"/>
+          <ac:spMkLst>
+            <pc:docMk/>
+            <pc:sldMk cId="753452523" sldId="266"/>
+            <ac:spMk id="2" creationId="{FFCBC798-DA57-4E73-B3F2-36144C73C414}"/>
+          </ac:spMkLst>
+        </pc:spChg>
+        <pc:spChg chg="mod ord">
+          <ac:chgData name="David Leinweber" userId="S::david.leinweber@sqlxpert.de::62d0eb7d-e5f7-4fa2-91e3-2aa827013e69" providerId="AD" clId="Web-{C328D0A7-DBBE-41F4-ABAA-CBA8355A9525}" dt="2018-06-17T17:44:18.120" v="454" actId="1076"/>
+          <ac:spMkLst>
+            <pc:docMk/>
+            <pc:sldMk cId="753452523" sldId="266"/>
+            <ac:spMk id="3" creationId="{51BFDDEC-8852-454A-805F-D84F31EB8D40}"/>
+          </ac:spMkLst>
+        </pc:spChg>
+        <pc:spChg chg="add del">
+          <ac:chgData name="David Leinweber" userId="S::david.leinweber@sqlxpert.de::62d0eb7d-e5f7-4fa2-91e3-2aa827013e69" providerId="AD" clId="Web-{C328D0A7-DBBE-41F4-ABAA-CBA8355A9525}" dt="2018-06-17T17:39:12.418" v="294"/>
+          <ac:spMkLst>
+            <pc:docMk/>
+            <pc:sldMk cId="753452523" sldId="266"/>
+            <ac:spMk id="6" creationId="{A416E3E5-5186-46A4-AFBD-337387D3163D}"/>
+          </ac:spMkLst>
+        </pc:spChg>
+        <pc:spChg chg="add del">
+          <ac:chgData name="David Leinweber" userId="S::david.leinweber@sqlxpert.de::62d0eb7d-e5f7-4fa2-91e3-2aa827013e69" providerId="AD" clId="Web-{C328D0A7-DBBE-41F4-ABAA-CBA8355A9525}" dt="2018-06-17T17:39:12.418" v="294"/>
+          <ac:spMkLst>
+            <pc:docMk/>
+            <pc:sldMk cId="753452523" sldId="266"/>
+            <ac:spMk id="7" creationId="{7B8FAACC-353E-4F84-BA62-A5514185D9A9}"/>
+          </ac:spMkLst>
+        </pc:spChg>
+        <pc:spChg chg="add del">
+          <ac:chgData name="David Leinweber" userId="S::david.leinweber@sqlxpert.de::62d0eb7d-e5f7-4fa2-91e3-2aa827013e69" providerId="AD" clId="Web-{C328D0A7-DBBE-41F4-ABAA-CBA8355A9525}" dt="2018-06-17T17:39:06.184" v="292"/>
+          <ac:spMkLst>
+            <pc:docMk/>
+            <pc:sldMk cId="753452523" sldId="266"/>
+            <ac:spMk id="9" creationId="{E2264E67-6F59-4D8D-8E5F-8245B0FEAE76}"/>
+          </ac:spMkLst>
+        </pc:spChg>
+        <pc:spChg chg="add del">
+          <ac:chgData name="David Leinweber" userId="S::david.leinweber@sqlxpert.de::62d0eb7d-e5f7-4fa2-91e3-2aa827013e69" providerId="AD" clId="Web-{C328D0A7-DBBE-41F4-ABAA-CBA8355A9525}" dt="2018-06-17T17:39:06.184" v="292"/>
+          <ac:spMkLst>
+            <pc:docMk/>
+            <pc:sldMk cId="753452523" sldId="266"/>
+            <ac:spMk id="11" creationId="{158E1C6E-D299-4F5D-B15B-155EBF7F62FD}"/>
+          </ac:spMkLst>
+        </pc:spChg>
+        <pc:picChg chg="add mod">
+          <ac:chgData name="David Leinweber" userId="S::david.leinweber@sqlxpert.de::62d0eb7d-e5f7-4fa2-91e3-2aa827013e69" providerId="AD" clId="Web-{C328D0A7-DBBE-41F4-ABAA-CBA8355A9525}" dt="2018-06-17T17:54:28.506" v="695"/>
+          <ac:picMkLst>
+            <pc:docMk/>
+            <pc:sldMk cId="753452523" sldId="266"/>
+            <ac:picMk id="4" creationId="{EF18F0C6-64D9-4762-8CCE-13AE590EF4A7}"/>
+          </ac:picMkLst>
+        </pc:picChg>
+      </pc:sldChg>
+      <pc:sldChg chg="addSp delSp modSp new del ord">
+        <pc:chgData name="David Leinweber" userId="S::david.leinweber@sqlxpert.de::62d0eb7d-e5f7-4fa2-91e3-2aa827013e69" providerId="AD" clId="Web-{C328D0A7-DBBE-41F4-ABAA-CBA8355A9525}" dt="2018-06-17T18:02:38.050" v="765"/>
+        <pc:sldMkLst>
+          <pc:docMk/>
+          <pc:sldMk cId="490294086" sldId="267"/>
+        </pc:sldMkLst>
+        <pc:spChg chg="mod">
+          <ac:chgData name="David Leinweber" userId="S::david.leinweber@sqlxpert.de::62d0eb7d-e5f7-4fa2-91e3-2aa827013e69" providerId="AD" clId="Web-{C328D0A7-DBBE-41F4-ABAA-CBA8355A9525}" dt="2018-06-17T17:54:01.475" v="691" actId="20577"/>
+          <ac:spMkLst>
+            <pc:docMk/>
+            <pc:sldMk cId="490294086" sldId="267"/>
+            <ac:spMk id="2" creationId="{FCB4EC85-2715-487B-B68E-497F3DDB38DD}"/>
+          </ac:spMkLst>
+        </pc:spChg>
+        <pc:spChg chg="mod">
+          <ac:chgData name="David Leinweber" userId="S::david.leinweber@sqlxpert.de::62d0eb7d-e5f7-4fa2-91e3-2aa827013e69" providerId="AD" clId="Web-{C328D0A7-DBBE-41F4-ABAA-CBA8355A9525}" dt="2018-06-17T18:02:21.628" v="763" actId="20577"/>
+          <ac:spMkLst>
+            <pc:docMk/>
+            <pc:sldMk cId="490294086" sldId="267"/>
+            <ac:spMk id="3" creationId="{AD0B7C5B-FF2C-4627-9531-548AF1886140}"/>
+          </ac:spMkLst>
+        </pc:spChg>
+        <pc:spChg chg="add del mod ord">
+          <ac:chgData name="David Leinweber" userId="S::david.leinweber@sqlxpert.de::62d0eb7d-e5f7-4fa2-91e3-2aa827013e69" providerId="AD" clId="Web-{C328D0A7-DBBE-41F4-ABAA-CBA8355A9525}" dt="2018-06-17T17:58:49.333" v="738"/>
+          <ac:spMkLst>
+            <pc:docMk/>
+            <pc:sldMk cId="490294086" sldId="267"/>
+            <ac:spMk id="6" creationId="{FA8068AC-F4E7-4303-885D-FA6A260F8004}"/>
+          </ac:spMkLst>
+        </pc:spChg>
+        <pc:spChg chg="add del mod">
+          <ac:chgData name="David Leinweber" userId="S::david.leinweber@sqlxpert.de::62d0eb7d-e5f7-4fa2-91e3-2aa827013e69" providerId="AD" clId="Web-{C328D0A7-DBBE-41F4-ABAA-CBA8355A9525}" dt="2018-06-17T18:01:33.301" v="747"/>
+          <ac:spMkLst>
+            <pc:docMk/>
+            <pc:sldMk cId="490294086" sldId="267"/>
+            <ac:spMk id="7" creationId="{AD8CDD2B-3EC3-4886-B27D-D243875E640D}"/>
+          </ac:spMkLst>
+        </pc:spChg>
+        <pc:picChg chg="add del mod ord">
+          <ac:chgData name="David Leinweber" userId="S::david.leinweber@sqlxpert.de::62d0eb7d-e5f7-4fa2-91e3-2aa827013e69" providerId="AD" clId="Web-{C328D0A7-DBBE-41F4-ABAA-CBA8355A9525}" dt="2018-06-17T18:01:45.629" v="750"/>
+          <ac:picMkLst>
+            <pc:docMk/>
+            <pc:sldMk cId="490294086" sldId="267"/>
+            <ac:picMk id="4" creationId="{EE1444EF-DA28-4C30-9BEC-0CF3B6A18EEC}"/>
+          </ac:picMkLst>
+        </pc:picChg>
+        <pc:picChg chg="add del mod">
+          <ac:chgData name="David Leinweber" userId="S::david.leinweber@sqlxpert.de::62d0eb7d-e5f7-4fa2-91e3-2aa827013e69" providerId="AD" clId="Web-{C328D0A7-DBBE-41F4-ABAA-CBA8355A9525}" dt="2018-06-17T18:02:05.394" v="756"/>
+          <ac:picMkLst>
+            <pc:docMk/>
+            <pc:sldMk cId="490294086" sldId="267"/>
+            <ac:picMk id="8" creationId="{2083ADC5-F4D3-4330-A2E7-648FD583EF7E}"/>
+          </ac:picMkLst>
+        </pc:picChg>
+        <pc:picChg chg="add mod">
+          <ac:chgData name="David Leinweber" userId="S::david.leinweber@sqlxpert.de::62d0eb7d-e5f7-4fa2-91e3-2aa827013e69" providerId="AD" clId="Web-{C328D0A7-DBBE-41F4-ABAA-CBA8355A9525}" dt="2018-06-17T18:02:17.753" v="760" actId="1076"/>
+          <ac:picMkLst>
+            <pc:docMk/>
+            <pc:sldMk cId="490294086" sldId="267"/>
+            <ac:picMk id="10" creationId="{B3958D26-ADEA-4F33-B20A-99D66387C569}"/>
+          </ac:picMkLst>
+        </pc:picChg>
+      </pc:sldChg>
+      <pc:sldChg chg="modSp add replId">
+        <pc:chgData name="David Leinweber" userId="S::david.leinweber@sqlxpert.de::62d0eb7d-e5f7-4fa2-91e3-2aa827013e69" providerId="AD" clId="Web-{C328D0A7-DBBE-41F4-ABAA-CBA8355A9525}" dt="2018-06-17T18:03:33.112" v="784" actId="20577"/>
+        <pc:sldMkLst>
+          <pc:docMk/>
+          <pc:sldMk cId="1658142934" sldId="267"/>
+        </pc:sldMkLst>
+        <pc:spChg chg="mod">
+          <ac:chgData name="David Leinweber" userId="S::david.leinweber@sqlxpert.de::62d0eb7d-e5f7-4fa2-91e3-2aa827013e69" providerId="AD" clId="Web-{C328D0A7-DBBE-41F4-ABAA-CBA8355A9525}" dt="2018-06-17T18:03:16.003" v="773" actId="20577"/>
+          <ac:spMkLst>
+            <pc:docMk/>
+            <pc:sldMk cId="1658142934" sldId="267"/>
+            <ac:spMk id="2" creationId="{FFCBC798-DA57-4E73-B3F2-36144C73C414}"/>
+          </ac:spMkLst>
+        </pc:spChg>
+        <pc:spChg chg="mod">
+          <ac:chgData name="David Leinweber" userId="S::david.leinweber@sqlxpert.de::62d0eb7d-e5f7-4fa2-91e3-2aa827013e69" providerId="AD" clId="Web-{C328D0A7-DBBE-41F4-ABAA-CBA8355A9525}" dt="2018-06-17T18:03:33.112" v="784" actId="20577"/>
+          <ac:spMkLst>
+            <pc:docMk/>
+            <pc:sldMk cId="1658142934" sldId="267"/>
+            <ac:spMk id="3" creationId="{51BFDDEC-8852-454A-805F-D84F31EB8D40}"/>
+          </ac:spMkLst>
+        </pc:spChg>
+        <pc:picChg chg="mod">
+          <ac:chgData name="David Leinweber" userId="S::david.leinweber@sqlxpert.de::62d0eb7d-e5f7-4fa2-91e3-2aa827013e69" providerId="AD" clId="Web-{C328D0A7-DBBE-41F4-ABAA-CBA8355A9525}" dt="2018-06-17T18:03:20.269" v="775" actId="1076"/>
+          <ac:picMkLst>
+            <pc:docMk/>
+            <pc:sldMk cId="1658142934" sldId="267"/>
+            <ac:picMk id="4" creationId="{EF18F0C6-64D9-4762-8CCE-13AE590EF4A7}"/>
+          </ac:picMkLst>
+        </pc:picChg>
+      </pc:sldChg>
+      <pc:sldChg chg="addSp delSp modSp new del mod setBg setClrOvrMap">
+        <pc:chgData name="David Leinweber" userId="S::david.leinweber@sqlxpert.de::62d0eb7d-e5f7-4fa2-91e3-2aa827013e69" providerId="AD" clId="Web-{C328D0A7-DBBE-41F4-ABAA-CBA8355A9525}" dt="2018-06-17T17:47:35.743" v="556"/>
+        <pc:sldMkLst>
+          <pc:docMk/>
+          <pc:sldMk cId="2794624305" sldId="267"/>
+        </pc:sldMkLst>
+        <pc:spChg chg="mod">
+          <ac:chgData name="David Leinweber" userId="S::david.leinweber@sqlxpert.de::62d0eb7d-e5f7-4fa2-91e3-2aa827013e69" providerId="AD" clId="Web-{C328D0A7-DBBE-41F4-ABAA-CBA8355A9525}" dt="2018-06-17T17:45:53.400" v="480"/>
+          <ac:spMkLst>
+            <pc:docMk/>
+            <pc:sldMk cId="2794624305" sldId="267"/>
+            <ac:spMk id="2" creationId="{1460240D-3974-4615-823E-13CCB337A58F}"/>
+          </ac:spMkLst>
+        </pc:spChg>
+        <pc:spChg chg="add del mod">
+          <ac:chgData name="David Leinweber" userId="S::david.leinweber@sqlxpert.de::62d0eb7d-e5f7-4fa2-91e3-2aa827013e69" providerId="AD" clId="Web-{C328D0A7-DBBE-41F4-ABAA-CBA8355A9525}" dt="2018-06-17T17:47:22.243" v="547" actId="20577"/>
+          <ac:spMkLst>
+            <pc:docMk/>
+            <pc:sldMk cId="2794624305" sldId="267"/>
+            <ac:spMk id="3" creationId="{51664D79-5576-4E8F-9914-3E1F52CB0A04}"/>
+          </ac:spMkLst>
+        </pc:spChg>
+        <pc:spChg chg="add del">
+          <ac:chgData name="David Leinweber" userId="S::david.leinweber@sqlxpert.de::62d0eb7d-e5f7-4fa2-91e3-2aa827013e69" providerId="AD" clId="Web-{C328D0A7-DBBE-41F4-ABAA-CBA8355A9525}" dt="2018-06-17T17:45:53.400" v="480"/>
+          <ac:spMkLst>
+            <pc:docMk/>
+            <pc:sldMk cId="2794624305" sldId="267"/>
+            <ac:spMk id="6" creationId="{E446B7E6-8568-417F-959E-DB3D1E70F648}"/>
+          </ac:spMkLst>
+        </pc:spChg>
+        <pc:spChg chg="add del">
+          <ac:chgData name="David Leinweber" userId="S::david.leinweber@sqlxpert.de::62d0eb7d-e5f7-4fa2-91e3-2aa827013e69" providerId="AD" clId="Web-{C328D0A7-DBBE-41F4-ABAA-CBA8355A9525}" dt="2018-06-17T17:45:53.400" v="480"/>
+          <ac:spMkLst>
+            <pc:docMk/>
+            <pc:sldMk cId="2794624305" sldId="267"/>
+            <ac:spMk id="7" creationId="{C9F832F7-01DF-4B61-A3AE-C86DF820A815}"/>
+          </ac:spMkLst>
+        </pc:spChg>
+        <pc:spChg chg="add del">
+          <ac:chgData name="David Leinweber" userId="S::david.leinweber@sqlxpert.de::62d0eb7d-e5f7-4fa2-91e3-2aa827013e69" providerId="AD" clId="Web-{C328D0A7-DBBE-41F4-ABAA-CBA8355A9525}" dt="2018-06-17T17:45:53.400" v="480"/>
+          <ac:spMkLst>
+            <pc:docMk/>
+            <pc:sldMk cId="2794624305" sldId="267"/>
+            <ac:spMk id="8" creationId="{DF04CCCA-6F0F-4FF9-9FB3-61BC8C0DA18A}"/>
+          </ac:spMkLst>
+        </pc:spChg>
+        <pc:spChg chg="add del">
+          <ac:chgData name="David Leinweber" userId="S::david.leinweber@sqlxpert.de::62d0eb7d-e5f7-4fa2-91e3-2aa827013e69" providerId="AD" clId="Web-{C328D0A7-DBBE-41F4-ABAA-CBA8355A9525}" dt="2018-06-17T17:45:50.291" v="478"/>
+          <ac:spMkLst>
+            <pc:docMk/>
+            <pc:sldMk cId="2794624305" sldId="267"/>
+            <ac:spMk id="9" creationId="{133F8CB7-795C-4272-9073-64D8CF97F220}"/>
+          </ac:spMkLst>
+        </pc:spChg>
+        <pc:spChg chg="add del">
+          <ac:chgData name="David Leinweber" userId="S::david.leinweber@sqlxpert.de::62d0eb7d-e5f7-4fa2-91e3-2aa827013e69" providerId="AD" clId="Web-{C328D0A7-DBBE-41F4-ABAA-CBA8355A9525}" dt="2018-06-17T17:45:50.291" v="478"/>
+          <ac:spMkLst>
+            <pc:docMk/>
+            <pc:sldMk cId="2794624305" sldId="267"/>
+            <ac:spMk id="11" creationId="{9610F818-219E-491F-887F-B078103BA2B4}"/>
+          </ac:spMkLst>
+        </pc:spChg>
+        <pc:spChg chg="add del">
+          <ac:chgData name="David Leinweber" userId="S::david.leinweber@sqlxpert.de::62d0eb7d-e5f7-4fa2-91e3-2aa827013e69" providerId="AD" clId="Web-{C328D0A7-DBBE-41F4-ABAA-CBA8355A9525}" dt="2018-06-17T17:45:50.291" v="478"/>
+          <ac:spMkLst>
+            <pc:docMk/>
+            <pc:sldMk cId="2794624305" sldId="267"/>
+            <ac:spMk id="13" creationId="{5A086AAD-1108-41EB-A7C9-5E22CA942EB2}"/>
+          </ac:spMkLst>
+        </pc:spChg>
+        <pc:picChg chg="add del mod ord">
+          <ac:chgData name="David Leinweber" userId="S::david.leinweber@sqlxpert.de::62d0eb7d-e5f7-4fa2-91e3-2aa827013e69" providerId="AD" clId="Web-{C328D0A7-DBBE-41F4-ABAA-CBA8355A9525}" dt="2018-06-17T17:46:09.681" v="485"/>
+          <ac:picMkLst>
+            <pc:docMk/>
+            <pc:sldMk cId="2794624305" sldId="267"/>
+            <ac:picMk id="4" creationId="{E3049327-5CD0-47C0-A000-B0285BFD4187}"/>
+          </ac:picMkLst>
+        </pc:picChg>
+        <pc:picChg chg="add mod">
+          <ac:chgData name="David Leinweber" userId="S::david.leinweber@sqlxpert.de::62d0eb7d-e5f7-4fa2-91e3-2aa827013e69" providerId="AD" clId="Web-{C328D0A7-DBBE-41F4-ABAA-CBA8355A9525}" dt="2018-06-17T17:47:22.993" v="550" actId="1076"/>
+          <ac:picMkLst>
+            <pc:docMk/>
+            <pc:sldMk cId="2794624305" sldId="267"/>
+            <ac:picMk id="10" creationId="{B7D45A1E-E29B-42DA-A125-E6B3535964A7}"/>
+          </ac:picMkLst>
+        </pc:picChg>
+      </pc:sldChg>
+      <pc:sldChg chg="addSp modSp new del">
+        <pc:chgData name="David Leinweber" userId="S::david.leinweber@sqlxpert.de::62d0eb7d-e5f7-4fa2-91e3-2aa827013e69" providerId="AD" clId="Web-{C328D0A7-DBBE-41F4-ABAA-CBA8355A9525}" dt="2018-06-17T18:07:57.220" v="847"/>
+        <pc:sldMkLst>
+          <pc:docMk/>
+          <pc:sldMk cId="860781780" sldId="268"/>
+        </pc:sldMkLst>
+        <pc:spChg chg="mod">
+          <ac:chgData name="David Leinweber" userId="S::david.leinweber@sqlxpert.de::62d0eb7d-e5f7-4fa2-91e3-2aa827013e69" providerId="AD" clId="Web-{C328D0A7-DBBE-41F4-ABAA-CBA8355A9525}" dt="2018-06-17T18:07:46.689" v="846" actId="20577"/>
+          <ac:spMkLst>
+            <pc:docMk/>
+            <pc:sldMk cId="860781780" sldId="268"/>
+            <ac:spMk id="2" creationId="{56BA64B6-E5B2-4F16-B015-EF7C65FB7BB9}"/>
+          </ac:spMkLst>
+        </pc:spChg>
+        <pc:spChg chg="mod">
+          <ac:chgData name="David Leinweber" userId="S::david.leinweber@sqlxpert.de::62d0eb7d-e5f7-4fa2-91e3-2aa827013e69" providerId="AD" clId="Web-{C328D0A7-DBBE-41F4-ABAA-CBA8355A9525}" dt="2018-06-17T18:07:30.439" v="841" actId="14100"/>
+          <ac:spMkLst>
+            <pc:docMk/>
+            <pc:sldMk cId="860781780" sldId="268"/>
+            <ac:spMk id="3" creationId="{B2947401-5F8B-424C-8FB6-C870701B1D9F}"/>
+          </ac:spMkLst>
+        </pc:spChg>
+        <pc:picChg chg="add mod">
+          <ac:chgData name="David Leinweber" userId="S::david.leinweber@sqlxpert.de::62d0eb7d-e5f7-4fa2-91e3-2aa827013e69" providerId="AD" clId="Web-{C328D0A7-DBBE-41F4-ABAA-CBA8355A9525}" dt="2018-06-17T18:07:34.033" v="844" actId="1076"/>
+          <ac:picMkLst>
+            <pc:docMk/>
+            <pc:sldMk cId="860781780" sldId="268"/>
+            <ac:picMk id="4" creationId="{885247EB-A9A8-413A-882F-463F1FD49D9A}"/>
+          </ac:picMkLst>
+        </pc:picChg>
+      </pc:sldChg>
+      <pc:sldChg chg="addSp delSp modSp add del replId">
+        <pc:chgData name="David Leinweber" userId="S::david.leinweber@sqlxpert.de::62d0eb7d-e5f7-4fa2-91e3-2aa827013e69" providerId="AD" clId="Web-{C328D0A7-DBBE-41F4-ABAA-CBA8355A9525}" dt="2018-06-17T17:51:02.148" v="579"/>
+        <pc:sldMkLst>
+          <pc:docMk/>
+          <pc:sldMk cId="2066905342" sldId="268"/>
+        </pc:sldMkLst>
+        <pc:spChg chg="mod">
+          <ac:chgData name="David Leinweber" userId="S::david.leinweber@sqlxpert.de::62d0eb7d-e5f7-4fa2-91e3-2aa827013e69" providerId="AD" clId="Web-{C328D0A7-DBBE-41F4-ABAA-CBA8355A9525}" dt="2018-06-17T17:47:41.712" v="563" actId="20577"/>
+          <ac:spMkLst>
+            <pc:docMk/>
+            <pc:sldMk cId="2066905342" sldId="268"/>
+            <ac:spMk id="2" creationId="{FFCBC798-DA57-4E73-B3F2-36144C73C414}"/>
+          </ac:spMkLst>
+        </pc:spChg>
+        <pc:spChg chg="mod">
+          <ac:chgData name="David Leinweber" userId="S::david.leinweber@sqlxpert.de::62d0eb7d-e5f7-4fa2-91e3-2aa827013e69" providerId="AD" clId="Web-{C328D0A7-DBBE-41F4-ABAA-CBA8355A9525}" dt="2018-06-17T17:48:08.915" v="571" actId="1076"/>
+          <ac:spMkLst>
+            <pc:docMk/>
+            <pc:sldMk cId="2066905342" sldId="268"/>
+            <ac:spMk id="3" creationId="{51BFDDEC-8852-454A-805F-D84F31EB8D40}"/>
+          </ac:spMkLst>
+        </pc:spChg>
+        <pc:picChg chg="del">
+          <ac:chgData name="David Leinweber" userId="S::david.leinweber@sqlxpert.de::62d0eb7d-e5f7-4fa2-91e3-2aa827013e69" providerId="AD" clId="Web-{C328D0A7-DBBE-41F4-ABAA-CBA8355A9525}" dt="2018-06-17T17:47:42.603" v="565"/>
+          <ac:picMkLst>
+            <pc:docMk/>
+            <pc:sldMk cId="2066905342" sldId="268"/>
+            <ac:picMk id="4" creationId="{EF18F0C6-64D9-4762-8CCE-13AE590EF4A7}"/>
+          </ac:picMkLst>
+        </pc:picChg>
+        <pc:picChg chg="add mod">
+          <ac:chgData name="David Leinweber" userId="S::david.leinweber@sqlxpert.de::62d0eb7d-e5f7-4fa2-91e3-2aa827013e69" providerId="AD" clId="Web-{C328D0A7-DBBE-41F4-ABAA-CBA8355A9525}" dt="2018-06-17T17:51:00.023" v="578" actId="1076"/>
+          <ac:picMkLst>
+            <pc:docMk/>
+            <pc:sldMk cId="2066905342" sldId="268"/>
+            <ac:picMk id="5" creationId="{C17CEB07-0D27-46D0-BE79-39A3904C0606}"/>
+          </ac:picMkLst>
+        </pc:picChg>
+      </pc:sldChg>
+      <pc:sldChg chg="modSp add ord replId">
+        <pc:chgData name="David Leinweber" userId="S::david.leinweber@sqlxpert.de::62d0eb7d-e5f7-4fa2-91e3-2aa827013e69" providerId="AD" clId="Web-{C328D0A7-DBBE-41F4-ABAA-CBA8355A9525}" dt="2018-06-17T18:22:06.089" v="1001" actId="20577"/>
+        <pc:sldMkLst>
+          <pc:docMk/>
+          <pc:sldMk cId="2896293400" sldId="268"/>
+        </pc:sldMkLst>
+        <pc:spChg chg="mod">
+          <ac:chgData name="David Leinweber" userId="S::david.leinweber@sqlxpert.de::62d0eb7d-e5f7-4fa2-91e3-2aa827013e69" providerId="AD" clId="Web-{C328D0A7-DBBE-41F4-ABAA-CBA8355A9525}" dt="2018-06-17T18:08:10.407" v="860" actId="20577"/>
+          <ac:spMkLst>
+            <pc:docMk/>
+            <pc:sldMk cId="2896293400" sldId="268"/>
+            <ac:spMk id="2" creationId="{FFCBC798-DA57-4E73-B3F2-36144C73C414}"/>
+          </ac:spMkLst>
+        </pc:spChg>
+        <pc:spChg chg="mod">
+          <ac:chgData name="David Leinweber" userId="S::david.leinweber@sqlxpert.de::62d0eb7d-e5f7-4fa2-91e3-2aa827013e69" providerId="AD" clId="Web-{C328D0A7-DBBE-41F4-ABAA-CBA8355A9525}" dt="2018-06-17T18:22:06.089" v="1001" actId="20577"/>
+          <ac:spMkLst>
+            <pc:docMk/>
+            <pc:sldMk cId="2896293400" sldId="268"/>
+            <ac:spMk id="3" creationId="{51BFDDEC-8852-454A-805F-D84F31EB8D40}"/>
+          </ac:spMkLst>
+        </pc:spChg>
+        <pc:picChg chg="mod">
+          <ac:chgData name="David Leinweber" userId="S::david.leinweber@sqlxpert.de::62d0eb7d-e5f7-4fa2-91e3-2aa827013e69" providerId="AD" clId="Web-{C328D0A7-DBBE-41F4-ABAA-CBA8355A9525}" dt="2018-06-17T18:10:43.438" v="914" actId="14100"/>
+          <ac:picMkLst>
+            <pc:docMk/>
+            <pc:sldMk cId="2896293400" sldId="268"/>
+            <ac:picMk id="4" creationId="{EF18F0C6-64D9-4762-8CCE-13AE590EF4A7}"/>
+          </ac:picMkLst>
+        </pc:picChg>
+      </pc:sldChg>
+      <pc:sldChg chg="addSp delSp modSp new">
+        <pc:chgData name="David Leinweber" userId="S::david.leinweber@sqlxpert.de::62d0eb7d-e5f7-4fa2-91e3-2aa827013e69" providerId="AD" clId="Web-{C328D0A7-DBBE-41F4-ABAA-CBA8355A9525}" dt="2018-06-17T18:30:34.586" v="1171" actId="1076"/>
+        <pc:sldMkLst>
+          <pc:docMk/>
+          <pc:sldMk cId="2253929390" sldId="269"/>
+        </pc:sldMkLst>
+        <pc:spChg chg="mod">
+          <ac:chgData name="David Leinweber" userId="S::david.leinweber@sqlxpert.de::62d0eb7d-e5f7-4fa2-91e3-2aa827013e69" providerId="AD" clId="Web-{C328D0A7-DBBE-41F4-ABAA-CBA8355A9525}" dt="2018-06-17T18:11:21.922" v="923" actId="20577"/>
+          <ac:spMkLst>
+            <pc:docMk/>
+            <pc:sldMk cId="2253929390" sldId="269"/>
+            <ac:spMk id="2" creationId="{47F9B7B1-AB76-4D3A-8A86-595EDEDD6C16}"/>
+          </ac:spMkLst>
+        </pc:spChg>
+        <pc:spChg chg="mod">
+          <ac:chgData name="David Leinweber" userId="S::david.leinweber@sqlxpert.de::62d0eb7d-e5f7-4fa2-91e3-2aa827013e69" providerId="AD" clId="Web-{C328D0A7-DBBE-41F4-ABAA-CBA8355A9525}" dt="2018-06-17T18:30:30.227" v="1168" actId="20577"/>
+          <ac:spMkLst>
+            <pc:docMk/>
+            <pc:sldMk cId="2253929390" sldId="269"/>
+            <ac:spMk id="3" creationId="{E951914A-5E25-42C8-B6AC-C019C65AE4E3}"/>
+          </ac:spMkLst>
+        </pc:spChg>
+        <pc:picChg chg="add mod">
+          <ac:chgData name="David Leinweber" userId="S::david.leinweber@sqlxpert.de::62d0eb7d-e5f7-4fa2-91e3-2aa827013e69" providerId="AD" clId="Web-{C328D0A7-DBBE-41F4-ABAA-CBA8355A9525}" dt="2018-06-17T18:27:47.119" v="1115" actId="1076"/>
+          <ac:picMkLst>
+            <pc:docMk/>
+            <pc:sldMk cId="2253929390" sldId="269"/>
+            <ac:picMk id="4" creationId="{0A9D1A23-AEEB-41EE-8070-00C35482FF2D}"/>
+          </ac:picMkLst>
+        </pc:picChg>
+        <pc:picChg chg="add mod">
+          <ac:chgData name="David Leinweber" userId="S::david.leinweber@sqlxpert.de::62d0eb7d-e5f7-4fa2-91e3-2aa827013e69" providerId="AD" clId="Web-{C328D0A7-DBBE-41F4-ABAA-CBA8355A9525}" dt="2018-06-17T18:29:12.227" v="1135" actId="14100"/>
+          <ac:picMkLst>
+            <pc:docMk/>
+            <pc:sldMk cId="2253929390" sldId="269"/>
+            <ac:picMk id="6" creationId="{A3F32BB6-7DD8-42F4-8F5F-1D20906462BE}"/>
+          </ac:picMkLst>
+        </pc:picChg>
+        <pc:picChg chg="add del mod">
+          <ac:chgData name="David Leinweber" userId="S::david.leinweber@sqlxpert.de::62d0eb7d-e5f7-4fa2-91e3-2aa827013e69" providerId="AD" clId="Web-{C328D0A7-DBBE-41F4-ABAA-CBA8355A9525}" dt="2018-06-17T18:28:40.165" v="1124" actId="1076"/>
+          <ac:picMkLst>
+            <pc:docMk/>
+            <pc:sldMk cId="2253929390" sldId="269"/>
+            <ac:picMk id="8" creationId="{E5C69A95-DC3A-4A43-ADE9-DB9A153F0DDE}"/>
+          </ac:picMkLst>
+        </pc:picChg>
+        <pc:picChg chg="add mod">
+          <ac:chgData name="David Leinweber" userId="S::david.leinweber@sqlxpert.de::62d0eb7d-e5f7-4fa2-91e3-2aa827013e69" providerId="AD" clId="Web-{C328D0A7-DBBE-41F4-ABAA-CBA8355A9525}" dt="2018-06-17T18:30:34.586" v="1171" actId="1076"/>
+          <ac:picMkLst>
+            <pc:docMk/>
+            <pc:sldMk cId="2253929390" sldId="269"/>
+            <ac:picMk id="10" creationId="{FE1B4398-1513-4029-A96B-2473B1285028}"/>
+          </ac:picMkLst>
+        </pc:picChg>
+        <pc:picChg chg="add del mod">
+          <ac:chgData name="David Leinweber" userId="S::david.leinweber@sqlxpert.de::62d0eb7d-e5f7-4fa2-91e3-2aa827013e69" providerId="AD" clId="Web-{C328D0A7-DBBE-41F4-ABAA-CBA8355A9525}" dt="2018-06-17T18:29:55.665" v="1145" actId="1076"/>
+          <ac:picMkLst>
+            <pc:docMk/>
+            <pc:sldMk cId="2253929390" sldId="269"/>
+            <ac:picMk id="12" creationId="{B9D6E47A-F544-4DD1-B47A-7E67DE792516}"/>
+          </ac:picMkLst>
+        </pc:picChg>
+        <pc:picChg chg="add mod">
+          <ac:chgData name="David Leinweber" userId="S::david.leinweber@sqlxpert.de::62d0eb7d-e5f7-4fa2-91e3-2aa827013e69" providerId="AD" clId="Web-{C328D0A7-DBBE-41F4-ABAA-CBA8355A9525}" dt="2018-06-17T18:30:32.039" v="1170" actId="1076"/>
+          <ac:picMkLst>
+            <pc:docMk/>
+            <pc:sldMk cId="2253929390" sldId="269"/>
+            <ac:picMk id="14" creationId="{898931A8-76B1-4B05-82D6-8A7CFE3E4F0F}"/>
+          </ac:picMkLst>
+        </pc:picChg>
+      </pc:sldChg>
+      <pc:sldChg chg="addSp delSp modSp new">
+        <pc:chgData name="David Leinweber" userId="S::david.leinweber@sqlxpert.de::62d0eb7d-e5f7-4fa2-91e3-2aa827013e69" providerId="AD" clId="Web-{C328D0A7-DBBE-41F4-ABAA-CBA8355A9525}" dt="2018-06-17T18:41:19.379" v="1192" actId="14100"/>
+        <pc:sldMkLst>
+          <pc:docMk/>
+          <pc:sldMk cId="694945097" sldId="270"/>
+        </pc:sldMkLst>
+        <pc:spChg chg="mod">
+          <ac:chgData name="David Leinweber" userId="S::david.leinweber@sqlxpert.de::62d0eb7d-e5f7-4fa2-91e3-2aa827013e69" providerId="AD" clId="Web-{C328D0A7-DBBE-41F4-ABAA-CBA8355A9525}" dt="2018-06-17T18:41:03.551" v="1187" actId="20577"/>
+          <ac:spMkLst>
+            <pc:docMk/>
+            <pc:sldMk cId="694945097" sldId="270"/>
+            <ac:spMk id="2" creationId="{D80FB5A0-0799-43CC-AC0A-4FF2D0BCCB11}"/>
+          </ac:spMkLst>
+        </pc:spChg>
+        <pc:spChg chg="del mod">
+          <ac:chgData name="David Leinweber" userId="S::david.leinweber@sqlxpert.de::62d0eb7d-e5f7-4fa2-91e3-2aa827013e69" providerId="AD" clId="Web-{C328D0A7-DBBE-41F4-ABAA-CBA8355A9525}" dt="2018-06-17T18:41:07.192" v="1189" actId="14100"/>
+          <ac:spMkLst>
+            <pc:docMk/>
+            <pc:sldMk cId="694945097" sldId="270"/>
+            <ac:spMk id="3" creationId="{BB7C09CE-2EF8-43F1-941E-8CAD335B2387}"/>
+          </ac:spMkLst>
+        </pc:spChg>
+        <pc:picChg chg="add mod">
+          <ac:chgData name="David Leinweber" userId="S::david.leinweber@sqlxpert.de::62d0eb7d-e5f7-4fa2-91e3-2aa827013e69" providerId="AD" clId="Web-{C328D0A7-DBBE-41F4-ABAA-CBA8355A9525}" dt="2018-06-17T18:41:19.379" v="1192" actId="14100"/>
+          <ac:picMkLst>
+            <pc:docMk/>
+            <pc:sldMk cId="694945097" sldId="270"/>
+            <ac:picMk id="4" creationId="{35FBABBE-2114-40D7-BB03-F6CD8C73EE55}"/>
+          </ac:picMkLst>
+        </pc:picChg>
+      </pc:sldChg>
+      <pc:sldChg chg="addSp delSp modSp add replId">
+        <pc:chgData name="David Leinweber" userId="S::david.leinweber@sqlxpert.de::62d0eb7d-e5f7-4fa2-91e3-2aa827013e69" providerId="AD" clId="Web-{C328D0A7-DBBE-41F4-ABAA-CBA8355A9525}" dt="2018-06-17T18:42:18.332" v="1197" actId="14100"/>
+        <pc:sldMkLst>
+          <pc:docMk/>
+          <pc:sldMk cId="2860393625" sldId="271"/>
+        </pc:sldMkLst>
+        <pc:picChg chg="add mod">
+          <ac:chgData name="David Leinweber" userId="S::david.leinweber@sqlxpert.de::62d0eb7d-e5f7-4fa2-91e3-2aa827013e69" providerId="AD" clId="Web-{C328D0A7-DBBE-41F4-ABAA-CBA8355A9525}" dt="2018-06-17T18:42:18.332" v="1197" actId="14100"/>
+          <ac:picMkLst>
+            <pc:docMk/>
+            <pc:sldMk cId="2860393625" sldId="271"/>
+            <ac:picMk id="3" creationId="{6D71C9E7-88BD-4C03-8E49-B325C84BDF0D}"/>
+          </ac:picMkLst>
+        </pc:picChg>
+        <pc:picChg chg="del">
+          <ac:chgData name="David Leinweber" userId="S::david.leinweber@sqlxpert.de::62d0eb7d-e5f7-4fa2-91e3-2aa827013e69" providerId="AD" clId="Web-{C328D0A7-DBBE-41F4-ABAA-CBA8355A9525}" dt="2018-06-17T18:42:10.019" v="1194" actId="14100"/>
+          <ac:picMkLst>
+            <pc:docMk/>
+            <pc:sldMk cId="2860393625" sldId="271"/>
+            <ac:picMk id="4" creationId="{35FBABBE-2114-40D7-BB03-F6CD8C73EE55}"/>
+          </ac:picMkLst>
+        </pc:picChg>
+      </pc:sldChg>
+      <pc:sldChg chg="addSp delSp modSp add replId">
+        <pc:chgData name="David Leinweber" userId="S::david.leinweber@sqlxpert.de::62d0eb7d-e5f7-4fa2-91e3-2aa827013e69" providerId="AD" clId="Web-{C328D0A7-DBBE-41F4-ABAA-CBA8355A9525}" dt="2018-06-17T18:42:58.300" v="1202" actId="14100"/>
+        <pc:sldMkLst>
+          <pc:docMk/>
+          <pc:sldMk cId="3028493357" sldId="272"/>
+        </pc:sldMkLst>
+        <pc:picChg chg="del">
+          <ac:chgData name="David Leinweber" userId="S::david.leinweber@sqlxpert.de::62d0eb7d-e5f7-4fa2-91e3-2aa827013e69" providerId="AD" clId="Web-{C328D0A7-DBBE-41F4-ABAA-CBA8355A9525}" dt="2018-06-17T18:42:51.113" v="1199" actId="14100"/>
+          <ac:picMkLst>
+            <pc:docMk/>
+            <pc:sldMk cId="3028493357" sldId="272"/>
+            <ac:picMk id="3" creationId="{6D71C9E7-88BD-4C03-8E49-B325C84BDF0D}"/>
+          </ac:picMkLst>
+        </pc:picChg>
+        <pc:picChg chg="add mod">
+          <ac:chgData name="David Leinweber" userId="S::david.leinweber@sqlxpert.de::62d0eb7d-e5f7-4fa2-91e3-2aa827013e69" providerId="AD" clId="Web-{C328D0A7-DBBE-41F4-ABAA-CBA8355A9525}" dt="2018-06-17T18:42:58.300" v="1202" actId="14100"/>
+          <ac:picMkLst>
+            <pc:docMk/>
+            <pc:sldMk cId="3028493357" sldId="272"/>
+            <ac:picMk id="4" creationId="{ABF1B8C0-EA39-416D-8192-4D8C2B242EE0}"/>
+          </ac:picMkLst>
+        </pc:picChg>
+      </pc:sldChg>
+      <pc:sldChg chg="addSp delSp modSp add replId">
+        <pc:chgData name="David Leinweber" userId="S::david.leinweber@sqlxpert.de::62d0eb7d-e5f7-4fa2-91e3-2aa827013e69" providerId="AD" clId="Web-{C328D0A7-DBBE-41F4-ABAA-CBA8355A9525}" dt="2018-06-17T18:45:37.174" v="1207" actId="14100"/>
+        <pc:sldMkLst>
+          <pc:docMk/>
+          <pc:sldMk cId="3959534665" sldId="273"/>
+        </pc:sldMkLst>
+        <pc:picChg chg="add mod">
+          <ac:chgData name="David Leinweber" userId="S::david.leinweber@sqlxpert.de::62d0eb7d-e5f7-4fa2-91e3-2aa827013e69" providerId="AD" clId="Web-{C328D0A7-DBBE-41F4-ABAA-CBA8355A9525}" dt="2018-06-17T18:45:37.174" v="1207" actId="14100"/>
+          <ac:picMkLst>
+            <pc:docMk/>
+            <pc:sldMk cId="3959534665" sldId="273"/>
+            <ac:picMk id="3" creationId="{528B99EA-7A89-482A-99F8-5E814735295E}"/>
+          </ac:picMkLst>
+        </pc:picChg>
+        <pc:picChg chg="del">
+          <ac:chgData name="David Leinweber" userId="S::david.leinweber@sqlxpert.de::62d0eb7d-e5f7-4fa2-91e3-2aa827013e69" providerId="AD" clId="Web-{C328D0A7-DBBE-41F4-ABAA-CBA8355A9525}" dt="2018-06-17T18:45:30.221" v="1204" actId="14100"/>
+          <ac:picMkLst>
+            <pc:docMk/>
+            <pc:sldMk cId="3959534665" sldId="273"/>
+            <ac:picMk id="4" creationId="{ABF1B8C0-EA39-416D-8192-4D8C2B242EE0}"/>
+          </ac:picMkLst>
+        </pc:picChg>
+      </pc:sldChg>
+      <pc:sldChg chg="add del replId">
+        <pc:chgData name="David Leinweber" userId="S::david.leinweber@sqlxpert.de::62d0eb7d-e5f7-4fa2-91e3-2aa827013e69" providerId="AD" clId="Web-{C328D0A7-DBBE-41F4-ABAA-CBA8355A9525}" dt="2018-06-17T18:47:33.408" v="1215"/>
+        <pc:sldMkLst>
+          <pc:docMk/>
+          <pc:sldMk cId="3131663118" sldId="274"/>
+        </pc:sldMkLst>
+      </pc:sldChg>
+      <pc:sldChg chg="addSp delSp modSp add replId">
+        <pc:chgData name="David Leinweber" userId="S::david.leinweber@sqlxpert.de::62d0eb7d-e5f7-4fa2-91e3-2aa827013e69" providerId="AD" clId="Web-{C328D0A7-DBBE-41F4-ABAA-CBA8355A9525}" dt="2018-06-17T18:46:59.596" v="1214" actId="14100"/>
+        <pc:sldMkLst>
+          <pc:docMk/>
+          <pc:sldMk cId="3251830826" sldId="275"/>
+        </pc:sldMkLst>
+        <pc:picChg chg="del">
+          <ac:chgData name="David Leinweber" userId="S::david.leinweber@sqlxpert.de::62d0eb7d-e5f7-4fa2-91e3-2aa827013e69" providerId="AD" clId="Web-{C328D0A7-DBBE-41F4-ABAA-CBA8355A9525}" dt="2018-06-17T18:46:48.752" v="1210" actId="14100"/>
+          <ac:picMkLst>
+            <pc:docMk/>
+            <pc:sldMk cId="3251830826" sldId="275"/>
+            <ac:picMk id="3" creationId="{528B99EA-7A89-482A-99F8-5E814735295E}"/>
+          </ac:picMkLst>
+        </pc:picChg>
+        <pc:picChg chg="add mod">
+          <ac:chgData name="David Leinweber" userId="S::david.leinweber@sqlxpert.de::62d0eb7d-e5f7-4fa2-91e3-2aa827013e69" providerId="AD" clId="Web-{C328D0A7-DBBE-41F4-ABAA-CBA8355A9525}" dt="2018-06-17T18:46:59.596" v="1214" actId="14100"/>
+          <ac:picMkLst>
+            <pc:docMk/>
+            <pc:sldMk cId="3251830826" sldId="275"/>
+            <ac:picMk id="4" creationId="{3CB24BF9-EE2C-4003-AA52-640A368BC197}"/>
+          </ac:picMkLst>
+        </pc:picChg>
+      </pc:sldChg>
+    </pc:docChg>
+  </pc:docChgLst>
   <pc:docChgLst>
     <pc:chgData name="David Leinweber" userId="33d0f7ade9d903eb" providerId="LiveId" clId="{36A8BDAD-CB09-4CAF-8216-BE96C31A7FD9}"/>
     <pc:docChg chg="modSld sldOrd">
@@ -429,7 +1096,7 @@
             <a:fld id="{08B9EBBA-996F-894A-B54A-D6246ED52CEA}" type="datetimeFigureOut">
               <a:rPr lang="en-US" dirty="0"/>
               <a:pPr/>
-              <a:t>6/16/18</a:t>
+              <a:t>6/17/2018</a:t>
             </a:fld>
             <a:endParaRPr lang="en-US" dirty="0"/>
           </a:p>
@@ -472,7 +1139,7 @@
             <a:fld id="{D57F1E4F-1CFF-5643-939E-217C01CDF565}" type="slidenum">
               <a:rPr lang="en-US" dirty="0"/>
               <a:pPr/>
-              <a:t>‹#›</a:t>
+              <a:t>‹Nr.›</a:t>
             </a:fld>
             <a:endParaRPr lang="en-US" dirty="0"/>
           </a:p>
@@ -744,7 +1411,7 @@
             <a:fld id="{18C79C5D-2A6F-F04D-97DA-BEF2467B64E4}" type="datetimeFigureOut">
               <a:rPr lang="en-US" dirty="0"/>
               <a:pPr/>
-              <a:t>6/16/18</a:t>
+              <a:t>6/17/2018</a:t>
             </a:fld>
             <a:endParaRPr lang="en-US" dirty="0"/>
           </a:p>
@@ -787,7 +1454,7 @@
             <a:fld id="{D57F1E4F-1CFF-5643-939E-217C01CDF565}" type="slidenum">
               <a:rPr lang="en-US" dirty="0"/>
               <a:pPr/>
-              <a:t>‹#›</a:t>
+              <a:t>‹Nr.›</a:t>
             </a:fld>
             <a:endParaRPr lang="en-US" dirty="0"/>
           </a:p>
@@ -1229,7 +1896,7 @@
             <a:fld id="{8DFA1846-DA80-1C48-A609-854EA85C59AD}" type="datetimeFigureOut">
               <a:rPr lang="en-US" dirty="0"/>
               <a:pPr/>
-              <a:t>6/16/18</a:t>
+              <a:t>6/17/2018</a:t>
             </a:fld>
             <a:endParaRPr lang="en-US" dirty="0"/>
           </a:p>
@@ -1272,7 +1939,7 @@
             <a:fld id="{D57F1E4F-1CFF-5643-939E-217C01CDF565}" type="slidenum">
               <a:rPr lang="en-US" dirty="0"/>
               <a:pPr/>
-              <a:t>‹#›</a:t>
+              <a:t>‹Nr.›</a:t>
             </a:fld>
             <a:endParaRPr lang="en-US" dirty="0"/>
           </a:p>
@@ -1595,7 +2262,7 @@
             <a:fld id="{FBF54567-0DE4-3F47-BF90-CB84690072F9}" type="datetimeFigureOut">
               <a:rPr lang="en-US" dirty="0"/>
               <a:pPr/>
-              <a:t>6/16/18</a:t>
+              <a:t>6/17/2018</a:t>
             </a:fld>
             <a:endParaRPr lang="en-US" dirty="0"/>
           </a:p>
@@ -1638,7 +2305,7 @@
             <a:fld id="{D57F1E4F-1CFF-5643-939E-217C01CDF565}" type="slidenum">
               <a:rPr lang="en-US" dirty="0"/>
               <a:pPr/>
-              <a:t>‹#›</a:t>
+              <a:t>‹Nr.›</a:t>
             </a:fld>
             <a:endParaRPr lang="en-US" dirty="0"/>
           </a:p>
@@ -1865,7 +2532,7 @@
             <a:fld id="{C6C52C72-DE31-F449-A4ED-4C594FD91407}" type="datetimeFigureOut">
               <a:rPr lang="en-US" dirty="0"/>
               <a:pPr/>
-              <a:t>6/16/18</a:t>
+              <a:t>6/17/2018</a:t>
             </a:fld>
             <a:endParaRPr lang="en-US" dirty="0"/>
           </a:p>
@@ -1908,7 +2575,7 @@
             <a:fld id="{D57F1E4F-1CFF-5643-939E-217C01CDF565}" type="slidenum">
               <a:rPr lang="en-US" dirty="0"/>
               <a:pPr/>
-              <a:t>‹#›</a:t>
+              <a:t>‹Nr.›</a:t>
             </a:fld>
             <a:endParaRPr lang="en-US" dirty="0"/>
           </a:p>
@@ -2147,7 +2814,7 @@
             <a:fld id="{ED62726E-379B-B349-9EED-81ED093FA806}" type="datetimeFigureOut">
               <a:rPr lang="en-US" dirty="0"/>
               <a:pPr/>
-              <a:t>6/16/18</a:t>
+              <a:t>6/17/2018</a:t>
             </a:fld>
             <a:endParaRPr lang="en-US" dirty="0"/>
           </a:p>
@@ -2190,7 +2857,7 @@
             <a:fld id="{D57F1E4F-1CFF-5643-939E-217C01CDF565}" type="slidenum">
               <a:rPr lang="en-US" dirty="0"/>
               <a:pPr/>
-              <a:t>‹#›</a:t>
+              <a:t>‹Nr.›</a:t>
             </a:fld>
             <a:endParaRPr lang="en-US" dirty="0"/>
           </a:p>
@@ -2427,7 +3094,7 @@
             <a:fld id="{9B3A1323-8D79-1946-B0D7-40001CF92E9D}" type="datetimeFigureOut">
               <a:rPr lang="en-US" dirty="0"/>
               <a:pPr/>
-              <a:t>6/16/18</a:t>
+              <a:t>6/17/2018</a:t>
             </a:fld>
             <a:endParaRPr lang="en-US" dirty="0"/>
           </a:p>
@@ -2470,7 +3137,7 @@
             <a:fld id="{D57F1E4F-1CFF-5643-939E-217C01CDF565}" type="slidenum">
               <a:rPr lang="en-US" dirty="0"/>
               <a:pPr/>
-              <a:t>‹#›</a:t>
+              <a:t>‹Nr.›</a:t>
             </a:fld>
             <a:endParaRPr lang="en-US" dirty="0"/>
           </a:p>
@@ -2767,7 +3434,7 @@
             <a:fld id="{8DFA1846-DA80-1C48-A609-854EA85C59AD}" type="datetimeFigureOut">
               <a:rPr lang="en-US" dirty="0"/>
               <a:pPr/>
-              <a:t>6/16/18</a:t>
+              <a:t>6/17/2018</a:t>
             </a:fld>
             <a:endParaRPr lang="en-US" dirty="0"/>
           </a:p>
@@ -2810,7 +3477,7 @@
             <a:fld id="{D57F1E4F-1CFF-5643-939E-217C01CDF565}" type="slidenum">
               <a:rPr lang="en-US" dirty="0"/>
               <a:pPr/>
-              <a:t>‹#›</a:t>
+              <a:t>‹Nr.›</a:t>
             </a:fld>
             <a:endParaRPr lang="en-US" dirty="0"/>
           </a:p>
@@ -3103,7 +3770,7 @@
             <a:fld id="{57302355-E14B-8545-A8F8-0FE83CC9D524}" type="datetimeFigureOut">
               <a:rPr lang="en-US" dirty="0"/>
               <a:pPr/>
-              <a:t>6/16/18</a:t>
+              <a:t>6/17/2018</a:t>
             </a:fld>
             <a:endParaRPr lang="en-US" dirty="0"/>
           </a:p>
@@ -3146,7 +3813,7 @@
             <a:fld id="{D57F1E4F-1CFF-5643-939E-217C01CDF565}" type="slidenum">
               <a:rPr lang="en-US" dirty="0"/>
               <a:pPr/>
-              <a:t>‹#›</a:t>
+              <a:t>‹Nr.›</a:t>
             </a:fld>
             <a:endParaRPr lang="en-US" dirty="0"/>
           </a:p>
@@ -3577,7 +4244,7 @@
             <a:fld id="{02640F58-564D-2B4F-AE67-E407BA4FCF45}" type="datetimeFigureOut">
               <a:rPr lang="en-US" dirty="0"/>
               <a:pPr/>
-              <a:t>6/16/18</a:t>
+              <a:t>6/17/2018</a:t>
             </a:fld>
             <a:endParaRPr lang="en-US" dirty="0"/>
           </a:p>
@@ -3620,7 +4287,7 @@
             <a:fld id="{D57F1E4F-1CFF-5643-939E-217C01CDF565}" type="slidenum">
               <a:rPr lang="en-US" dirty="0"/>
               <a:pPr/>
-              <a:t>‹#›</a:t>
+              <a:t>‹Nr.›</a:t>
             </a:fld>
             <a:endParaRPr lang="en-US" dirty="0"/>
           </a:p>
@@ -3795,7 +4462,7 @@
             <a:fld id="{F13A34C8-038E-2045-AF43-DF7DBB8E0E9E}" type="datetimeFigureOut">
               <a:rPr lang="en-US" dirty="0"/>
               <a:pPr/>
-              <a:t>6/16/18</a:t>
+              <a:t>6/17/2018</a:t>
             </a:fld>
             <a:endParaRPr lang="en-US" dirty="0"/>
           </a:p>
@@ -3838,7 +4505,7 @@
             <a:fld id="{D57F1E4F-1CFF-5643-939E-217C01CDF565}" type="slidenum">
               <a:rPr lang="en-US" dirty="0"/>
               <a:pPr/>
-              <a:t>‹#›</a:t>
+              <a:t>‹Nr.›</a:t>
             </a:fld>
             <a:endParaRPr lang="en-US" dirty="0"/>
           </a:p>
@@ -3887,7 +4554,7 @@
             <a:fld id="{8818C68F-D26B-8F47-958C-23B49CF8A634}" type="datetimeFigureOut">
               <a:rPr lang="en-US" dirty="0"/>
               <a:pPr/>
-              <a:t>6/16/18</a:t>
+              <a:t>6/17/2018</a:t>
             </a:fld>
             <a:endParaRPr lang="en-US" dirty="0"/>
           </a:p>
@@ -3930,7 +4597,7 @@
             <a:fld id="{D57F1E4F-1CFF-5643-939E-217C01CDF565}" type="slidenum">
               <a:rPr lang="en-US" dirty="0"/>
               <a:pPr/>
-              <a:t>‹#›</a:t>
+              <a:t>‹Nr.›</a:t>
             </a:fld>
             <a:endParaRPr lang="en-US" dirty="0"/>
           </a:p>
@@ -4351,7 +5018,7 @@
             <a:fld id="{D0DF5E60-9974-AC48-9591-99C2BB44B7CF}" type="datetimeFigureOut">
               <a:rPr lang="en-US" dirty="0"/>
               <a:pPr/>
-              <a:t>6/16/18</a:t>
+              <a:t>6/17/2018</a:t>
             </a:fld>
             <a:endParaRPr lang="en-US" dirty="0"/>
           </a:p>
@@ -4394,7 +5061,7 @@
             <a:fld id="{D57F1E4F-1CFF-5643-939E-217C01CDF565}" type="slidenum">
               <a:rPr lang="en-US" dirty="0"/>
               <a:pPr/>
-              <a:t>‹#›</a:t>
+              <a:t>‹Nr.›</a:t>
             </a:fld>
             <a:endParaRPr lang="en-US" dirty="0"/>
           </a:p>
@@ -4661,7 +5328,7 @@
             <a:fld id="{18C79C5D-2A6F-F04D-97DA-BEF2467B64E4}" type="datetimeFigureOut">
               <a:rPr lang="en-US" dirty="0"/>
               <a:pPr/>
-              <a:t>6/16/18</a:t>
+              <a:t>6/17/2018</a:t>
             </a:fld>
             <a:endParaRPr lang="en-US" dirty="0"/>
           </a:p>
@@ -4714,7 +5381,7 @@
             <a:fld id="{D57F1E4F-1CFF-5643-939E-217C01CDF565}" type="slidenum">
               <a:rPr lang="en-US" dirty="0"/>
               <a:pPr/>
-              <a:t>‹#›</a:t>
+              <a:t>‹Nr.›</a:t>
             </a:fld>
             <a:endParaRPr lang="en-US" dirty="0"/>
           </a:p>
@@ -4928,7 +5595,7 @@
             <a:fld id="{09B482E8-6E0E-1B4F-B1FD-C69DB9E858D9}" type="datetimeFigureOut">
               <a:rPr lang="en-US" dirty="0"/>
               <a:pPr/>
-              <a:t>6/16/18</a:t>
+              <a:t>6/17/2018</a:t>
             </a:fld>
             <a:endParaRPr lang="en-US" dirty="0"/>
           </a:p>
@@ -4968,7 +5635,7 @@
             <a:fld id="{D57F1E4F-1CFF-5643-939E-217C01CDF565}" type="slidenum">
               <a:rPr lang="en-US" dirty="0"/>
               <a:pPr/>
-              <a:t>‹#›</a:t>
+              <a:t>‹Nr.›</a:t>
             </a:fld>
             <a:endParaRPr lang="en-US" dirty="0"/>
           </a:p>
@@ -5450,6 +6117,1830 @@
 </p:sld>
 </file>
 
+<file path=ppt/slides/slide10.xml><?xml version="1.0" encoding="utf-8"?>
+<p:sld xmlns:a="http://schemas.openxmlformats.org/drawingml/2006/main" xmlns:r="http://schemas.openxmlformats.org/officeDocument/2006/relationships" xmlns:p="http://schemas.openxmlformats.org/presentationml/2006/main">
+  <p:cSld>
+    <p:bg>
+      <p:bgPr>
+        <a:solidFill>
+          <a:schemeClr val="bg2"/>
+        </a:solidFill>
+        <a:effectLst/>
+      </p:bgPr>
+    </p:bg>
+    <p:spTree>
+      <p:nvGrpSpPr>
+        <p:cNvPr id="1" name=""/>
+        <p:cNvGrpSpPr/>
+        <p:nvPr/>
+      </p:nvGrpSpPr>
+      <p:grpSpPr>
+        <a:xfrm>
+          <a:off x="0" y="0"/>
+          <a:ext cx="0" cy="0"/>
+          <a:chOff x="0" y="0"/>
+          <a:chExt cx="0" cy="0"/>
+        </a:xfrm>
+      </p:grpSpPr>
+      <p:sp>
+        <p:nvSpPr>
+          <p:cNvPr id="2" name="Titel 1">
+            <a:extLst>
+              <a:ext uri="{FF2B5EF4-FFF2-40B4-BE49-F238E27FC236}">
+                <a16:creationId xmlns:a16="http://schemas.microsoft.com/office/drawing/2014/main" id="{FFCBC798-DA57-4E73-B3F2-36144C73C414}"/>
+              </a:ext>
+            </a:extLst>
+          </p:cNvPr>
+          <p:cNvSpPr>
+            <a:spLocks noGrp="1"/>
+          </p:cNvSpPr>
+          <p:nvPr>
+            <p:ph type="title"/>
+          </p:nvPr>
+        </p:nvSpPr>
+        <p:spPr>
+          <a:xfrm>
+            <a:off x="810000" y="447188"/>
+            <a:ext cx="10571998" cy="970450"/>
+          </a:xfrm>
+        </p:spPr>
+        <p:txBody>
+          <a:bodyPr>
+            <a:normAutofit fontScale="90000"/>
+          </a:bodyPr>
+          <a:lstStyle/>
+          <a:p>
+            <a:r>
+              <a:rPr lang="de-DE" dirty="0"/>
+              <a:t>EF Core Anwenden (Code First)</a:t>
+            </a:r>
+            <a:br>
+              <a:rPr lang="de-DE" dirty="0"/>
+            </a:br>
+            <a:r>
+              <a:rPr lang="de-DE" sz="2800" dirty="0"/>
+              <a:t>Modelle hinzufügen</a:t>
+            </a:r>
+          </a:p>
+        </p:txBody>
+      </p:sp>
+      <p:sp>
+        <p:nvSpPr>
+          <p:cNvPr id="3" name="Inhaltsplatzhalter 2">
+            <a:extLst>
+              <a:ext uri="{FF2B5EF4-FFF2-40B4-BE49-F238E27FC236}">
+                <a16:creationId xmlns:a16="http://schemas.microsoft.com/office/drawing/2014/main" id="{51BFDDEC-8852-454A-805F-D84F31EB8D40}"/>
+              </a:ext>
+            </a:extLst>
+          </p:cNvPr>
+          <p:cNvSpPr>
+            <a:spLocks noGrp="1"/>
+          </p:cNvSpPr>
+          <p:nvPr>
+            <p:ph idx="1"/>
+          </p:nvPr>
+        </p:nvSpPr>
+        <p:spPr>
+          <a:xfrm>
+            <a:off x="771088" y="2413000"/>
+            <a:ext cx="3835583" cy="3632200"/>
+          </a:xfrm>
+        </p:spPr>
+        <p:txBody>
+          <a:bodyPr>
+            <a:normAutofit/>
+          </a:bodyPr>
+          <a:lstStyle/>
+          <a:p>
+            <a:r>
+              <a:rPr lang="de-DE" dirty="0" err="1"/>
+              <a:t>DbSet</a:t>
+            </a:r>
+            <a:r>
+              <a:rPr lang="de-DE" dirty="0"/>
+              <a:t> ähnlich wie List</a:t>
+            </a:r>
+          </a:p>
+          <a:p>
+            <a:endParaRPr lang="de-DE" dirty="0"/>
+          </a:p>
+          <a:p>
+            <a:endParaRPr lang="de-DE" dirty="0"/>
+          </a:p>
+          <a:p>
+            <a:endParaRPr lang="de-DE" sz="1600"/>
+          </a:p>
+          <a:p>
+            <a:endParaRPr lang="de-DE" sz="1600"/>
+          </a:p>
+          <a:p>
+            <a:endParaRPr lang="de-DE" sz="1600"/>
+          </a:p>
+          <a:p>
+            <a:endParaRPr lang="de-DE" sz="1600"/>
+          </a:p>
+          <a:p>
+            <a:endParaRPr lang="de-DE" sz="1600"/>
+          </a:p>
+          <a:p>
+            <a:endParaRPr lang="de-DE" sz="1600"/>
+          </a:p>
+        </p:txBody>
+      </p:sp>
+      <p:pic>
+        <p:nvPicPr>
+          <p:cNvPr id="4" name="Grafik 4" descr="Ein Bild, das Objekt enthält.&#10;&#10;Mit hoher Zuverlässigkeit generierte Beschreibung">
+            <a:extLst>
+              <a:ext uri="{FF2B5EF4-FFF2-40B4-BE49-F238E27FC236}">
+                <a16:creationId xmlns:a16="http://schemas.microsoft.com/office/drawing/2014/main" id="{EF18F0C6-64D9-4762-8CCE-13AE590EF4A7}"/>
+              </a:ext>
+            </a:extLst>
+          </p:cNvPr>
+          <p:cNvPicPr>
+            <a:picLocks noChangeAspect="1"/>
+          </p:cNvPicPr>
+          <p:nvPr/>
+        </p:nvPicPr>
+        <p:blipFill>
+          <a:blip r:embed="rId2"/>
+          <a:stretch>
+            <a:fillRect/>
+          </a:stretch>
+        </p:blipFill>
+        <p:spPr>
+          <a:xfrm>
+            <a:off x="4606551" y="2410711"/>
+            <a:ext cx="6277349" cy="1187265"/>
+          </a:xfrm>
+          <a:prstGeom prst="roundRect">
+            <a:avLst>
+              <a:gd name="adj" fmla="val 3876"/>
+            </a:avLst>
+          </a:prstGeom>
+          <a:ln>
+            <a:solidFill>
+              <a:schemeClr val="accent1"/>
+            </a:solidFill>
+          </a:ln>
+          <a:effectLst/>
+        </p:spPr>
+      </p:pic>
+    </p:spTree>
+    <p:extLst>
+      <p:ext uri="{BB962C8B-B14F-4D97-AF65-F5344CB8AC3E}">
+        <p14:creationId xmlns:p14="http://schemas.microsoft.com/office/powerpoint/2010/main" val="1658142934"/>
+      </p:ext>
+    </p:extLst>
+  </p:cSld>
+  <p:clrMapOvr>
+    <a:masterClrMapping/>
+  </p:clrMapOvr>
+</p:sld>
+</file>
+
+<file path=ppt/slides/slide11.xml><?xml version="1.0" encoding="utf-8"?>
+<p:sld xmlns:a="http://schemas.openxmlformats.org/drawingml/2006/main" xmlns:r="http://schemas.openxmlformats.org/officeDocument/2006/relationships" xmlns:p="http://schemas.openxmlformats.org/presentationml/2006/main">
+  <p:cSld>
+    <p:bg>
+      <p:bgPr>
+        <a:solidFill>
+          <a:schemeClr val="bg2"/>
+        </a:solidFill>
+        <a:effectLst/>
+      </p:bgPr>
+    </p:bg>
+    <p:spTree>
+      <p:nvGrpSpPr>
+        <p:cNvPr id="1" name=""/>
+        <p:cNvGrpSpPr/>
+        <p:nvPr/>
+      </p:nvGrpSpPr>
+      <p:grpSpPr>
+        <a:xfrm>
+          <a:off x="0" y="0"/>
+          <a:ext cx="0" cy="0"/>
+          <a:chOff x="0" y="0"/>
+          <a:chExt cx="0" cy="0"/>
+        </a:xfrm>
+      </p:grpSpPr>
+      <p:sp>
+        <p:nvSpPr>
+          <p:cNvPr id="2" name="Titel 1">
+            <a:extLst>
+              <a:ext uri="{FF2B5EF4-FFF2-40B4-BE49-F238E27FC236}">
+                <a16:creationId xmlns:a16="http://schemas.microsoft.com/office/drawing/2014/main" id="{FFCBC798-DA57-4E73-B3F2-36144C73C414}"/>
+              </a:ext>
+            </a:extLst>
+          </p:cNvPr>
+          <p:cNvSpPr>
+            <a:spLocks noGrp="1"/>
+          </p:cNvSpPr>
+          <p:nvPr>
+            <p:ph type="title"/>
+          </p:nvPr>
+        </p:nvSpPr>
+        <p:spPr>
+          <a:xfrm>
+            <a:off x="810000" y="447188"/>
+            <a:ext cx="10571998" cy="970450"/>
+          </a:xfrm>
+        </p:spPr>
+        <p:txBody>
+          <a:bodyPr>
+            <a:normAutofit fontScale="90000"/>
+          </a:bodyPr>
+          <a:lstStyle/>
+          <a:p>
+            <a:r>
+              <a:rPr lang="de-DE" dirty="0"/>
+              <a:t>EF Core Anwenden (Code First)</a:t>
+            </a:r>
+            <a:br>
+              <a:rPr lang="de-DE" dirty="0"/>
+            </a:br>
+            <a:r>
+              <a:rPr lang="de-DE" sz="2800" dirty="0"/>
+              <a:t>Kontext konfigurieren</a:t>
+            </a:r>
+          </a:p>
+        </p:txBody>
+      </p:sp>
+      <p:sp>
+        <p:nvSpPr>
+          <p:cNvPr id="3" name="Inhaltsplatzhalter 2">
+            <a:extLst>
+              <a:ext uri="{FF2B5EF4-FFF2-40B4-BE49-F238E27FC236}">
+                <a16:creationId xmlns:a16="http://schemas.microsoft.com/office/drawing/2014/main" id="{51BFDDEC-8852-454A-805F-D84F31EB8D40}"/>
+              </a:ext>
+            </a:extLst>
+          </p:cNvPr>
+          <p:cNvSpPr>
+            <a:spLocks noGrp="1"/>
+          </p:cNvSpPr>
+          <p:nvPr>
+            <p:ph idx="1"/>
+          </p:nvPr>
+        </p:nvSpPr>
+        <p:spPr>
+          <a:xfrm>
+            <a:off x="771088" y="2413000"/>
+            <a:ext cx="3835583" cy="3632200"/>
+          </a:xfrm>
+        </p:spPr>
+        <p:txBody>
+          <a:bodyPr>
+            <a:normAutofit/>
+          </a:bodyPr>
+          <a:lstStyle/>
+          <a:p>
+            <a:r>
+              <a:rPr lang="de-DE" dirty="0" err="1"/>
+              <a:t>UseSqlServer</a:t>
+            </a:r>
+          </a:p>
+          <a:p>
+            <a:r>
+              <a:rPr lang="de-DE" dirty="0"/>
+              <a:t>Connection String</a:t>
+            </a:r>
+          </a:p>
+          <a:p>
+            <a:endParaRPr lang="de-DE" dirty="0"/>
+          </a:p>
+          <a:p>
+            <a:endParaRPr lang="de-DE" sz="1600"/>
+          </a:p>
+          <a:p>
+            <a:endParaRPr lang="de-DE" sz="1600"/>
+          </a:p>
+          <a:p>
+            <a:endParaRPr lang="de-DE" sz="1600"/>
+          </a:p>
+          <a:p>
+            <a:endParaRPr lang="de-DE" sz="1600"/>
+          </a:p>
+          <a:p>
+            <a:endParaRPr lang="de-DE" sz="1600"/>
+          </a:p>
+          <a:p>
+            <a:endParaRPr lang="de-DE" sz="1600"/>
+          </a:p>
+        </p:txBody>
+      </p:sp>
+      <p:pic>
+        <p:nvPicPr>
+          <p:cNvPr id="4" name="Grafik 4">
+            <a:extLst>
+              <a:ext uri="{FF2B5EF4-FFF2-40B4-BE49-F238E27FC236}">
+                <a16:creationId xmlns:a16="http://schemas.microsoft.com/office/drawing/2014/main" id="{EF18F0C6-64D9-4762-8CCE-13AE590EF4A7}"/>
+              </a:ext>
+            </a:extLst>
+          </p:cNvPr>
+          <p:cNvPicPr>
+            <a:picLocks noChangeAspect="1"/>
+          </p:cNvPicPr>
+          <p:nvPr/>
+        </p:nvPicPr>
+        <p:blipFill>
+          <a:blip r:embed="rId2"/>
+          <a:stretch>
+            <a:fillRect/>
+          </a:stretch>
+        </p:blipFill>
+        <p:spPr>
+          <a:xfrm>
+            <a:off x="4610464" y="2415668"/>
+            <a:ext cx="6374293" cy="2082226"/>
+          </a:xfrm>
+          <a:prstGeom prst="roundRect">
+            <a:avLst>
+              <a:gd name="adj" fmla="val 3876"/>
+            </a:avLst>
+          </a:prstGeom>
+          <a:ln>
+            <a:solidFill>
+              <a:schemeClr val="accent1"/>
+            </a:solidFill>
+          </a:ln>
+          <a:effectLst/>
+        </p:spPr>
+      </p:pic>
+    </p:spTree>
+    <p:extLst>
+      <p:ext uri="{BB962C8B-B14F-4D97-AF65-F5344CB8AC3E}">
+        <p14:creationId xmlns:p14="http://schemas.microsoft.com/office/powerpoint/2010/main" val="2896293400"/>
+      </p:ext>
+    </p:extLst>
+  </p:cSld>
+  <p:clrMapOvr>
+    <a:masterClrMapping/>
+  </p:clrMapOvr>
+</p:sld>
+</file>
+
+<file path=ppt/slides/slide12.xml><?xml version="1.0" encoding="utf-8"?>
+<p:sld xmlns:a="http://schemas.openxmlformats.org/drawingml/2006/main" xmlns:r="http://schemas.openxmlformats.org/officeDocument/2006/relationships" xmlns:p="http://schemas.openxmlformats.org/presentationml/2006/main">
+  <p:cSld>
+    <p:spTree>
+      <p:nvGrpSpPr>
+        <p:cNvPr id="1" name=""/>
+        <p:cNvGrpSpPr/>
+        <p:nvPr/>
+      </p:nvGrpSpPr>
+      <p:grpSpPr>
+        <a:xfrm>
+          <a:off x="0" y="0"/>
+          <a:ext cx="0" cy="0"/>
+          <a:chOff x="0" y="0"/>
+          <a:chExt cx="0" cy="0"/>
+        </a:xfrm>
+      </p:grpSpPr>
+      <p:sp>
+        <p:nvSpPr>
+          <p:cNvPr id="2" name="Titel 1">
+            <a:extLst>
+              <a:ext uri="{FF2B5EF4-FFF2-40B4-BE49-F238E27FC236}">
+                <a16:creationId xmlns:a16="http://schemas.microsoft.com/office/drawing/2014/main" id="{47F9B7B1-AB76-4D3A-8A86-595EDEDD6C16}"/>
+              </a:ext>
+            </a:extLst>
+          </p:cNvPr>
+          <p:cNvSpPr>
+            <a:spLocks noGrp="1"/>
+          </p:cNvSpPr>
+          <p:nvPr>
+            <p:ph type="title"/>
+          </p:nvPr>
+        </p:nvSpPr>
+        <p:spPr/>
+        <p:txBody>
+          <a:bodyPr/>
+          <a:lstStyle/>
+          <a:p>
+            <a:r>
+              <a:rPr lang="de-DE" dirty="0"/>
+              <a:t>EF Core Anwenden (Code First)</a:t>
+            </a:r>
+            <a:br>
+              <a:rPr lang="de-DE" dirty="0"/>
+            </a:br>
+            <a:r>
+              <a:rPr lang="de-DE" sz="2800" dirty="0"/>
+              <a:t>Migration</a:t>
+            </a:r>
+            <a:endParaRPr lang="de-DE" dirty="0"/>
+          </a:p>
+        </p:txBody>
+      </p:sp>
+      <p:sp>
+        <p:nvSpPr>
+          <p:cNvPr id="3" name="Inhaltsplatzhalter 2">
+            <a:extLst>
+              <a:ext uri="{FF2B5EF4-FFF2-40B4-BE49-F238E27FC236}">
+                <a16:creationId xmlns:a16="http://schemas.microsoft.com/office/drawing/2014/main" id="{E951914A-5E25-42C8-B6AC-C019C65AE4E3}"/>
+              </a:ext>
+            </a:extLst>
+          </p:cNvPr>
+          <p:cNvSpPr>
+            <a:spLocks noGrp="1"/>
+          </p:cNvSpPr>
+          <p:nvPr>
+            <p:ph idx="1"/>
+          </p:nvPr>
+        </p:nvSpPr>
+        <p:spPr/>
+        <p:txBody>
+          <a:bodyPr>
+            <a:normAutofit/>
+          </a:bodyPr>
+          <a:lstStyle/>
+          <a:p>
+            <a:r>
+              <a:rPr lang="de-DE" dirty="0">
+                <a:solidFill>
+                  <a:srgbClr val="FFFFFF"/>
+                </a:solidFill>
+              </a:rPr>
+              <a:t>Paket Manager Konsole öffnen</a:t>
+            </a:r>
+          </a:p>
+          <a:p>
+            <a:r>
+              <a:rPr lang="de-DE" dirty="0" err="1">
+                <a:solidFill>
+                  <a:srgbClr val="43FEF4"/>
+                </a:solidFill>
+              </a:rPr>
+              <a:t>Get-DbContext</a:t>
+            </a:r>
+            <a:r>
+              <a:rPr lang="de-DE" dirty="0"/>
+              <a:t> prüft korrekten Connection String</a:t>
+            </a:r>
+            <a:endParaRPr lang="de-DE"/>
+          </a:p>
+          <a:p>
+            <a:endParaRPr lang="de-DE" dirty="0">
+              <a:solidFill>
+                <a:srgbClr val="FFFFFF"/>
+              </a:solidFill>
+            </a:endParaRPr>
+          </a:p>
+          <a:p>
+            <a:endParaRPr lang="de-DE" dirty="0">
+              <a:solidFill>
+                <a:srgbClr val="FFFFFF"/>
+              </a:solidFill>
+            </a:endParaRPr>
+          </a:p>
+          <a:p>
+            <a:r>
+              <a:rPr lang="de-DE" dirty="0">
+                <a:solidFill>
+                  <a:srgbClr val="43FEF4"/>
+                </a:solidFill>
+              </a:rPr>
+              <a:t>Add-Migration</a:t>
+            </a:r>
+            <a:r>
+              <a:rPr lang="de-DE" dirty="0"/>
+              <a:t> </a:t>
+            </a:r>
+            <a:r>
+              <a:rPr lang="de-DE" dirty="0">
+                <a:solidFill>
+                  <a:srgbClr val="43FEF4"/>
+                </a:solidFill>
+              </a:rPr>
+              <a:t>"&lt;Migration Name&gt;"</a:t>
+            </a:r>
+            <a:r>
+              <a:rPr lang="de-DE" dirty="0"/>
+              <a:t> fügt Migration hinzu</a:t>
+            </a:r>
+          </a:p>
+          <a:p>
+            <a:endParaRPr lang="de-DE" dirty="0">
+              <a:solidFill>
+                <a:srgbClr val="FFFFFF"/>
+              </a:solidFill>
+            </a:endParaRPr>
+          </a:p>
+          <a:p>
+            <a:endParaRPr lang="de-DE" dirty="0">
+              <a:solidFill>
+                <a:srgbClr val="FFFFFF"/>
+              </a:solidFill>
+            </a:endParaRPr>
+          </a:p>
+          <a:p>
+            <a:r>
+              <a:rPr lang="de-DE" dirty="0">
+                <a:solidFill>
+                  <a:srgbClr val="43FEF4"/>
+                </a:solidFill>
+              </a:rPr>
+              <a:t>Update-Database </a:t>
+            </a:r>
+            <a:r>
+              <a:rPr lang="de-DE" dirty="0">
+                <a:solidFill>
+                  <a:srgbClr val="FFFFFF"/>
+                </a:solidFill>
+              </a:rPr>
+              <a:t>erstellt Datenbank und Tabellen</a:t>
+            </a:r>
+          </a:p>
+          <a:p>
+            <a:endParaRPr lang="de-DE" dirty="0">
+              <a:solidFill>
+                <a:srgbClr val="FFFFFF"/>
+              </a:solidFill>
+            </a:endParaRPr>
+          </a:p>
+        </p:txBody>
+      </p:sp>
+      <p:pic>
+        <p:nvPicPr>
+          <p:cNvPr id="4" name="Grafik 4">
+            <a:extLst>
+              <a:ext uri="{FF2B5EF4-FFF2-40B4-BE49-F238E27FC236}">
+                <a16:creationId xmlns:a16="http://schemas.microsoft.com/office/drawing/2014/main" id="{0A9D1A23-AEEB-41EE-8070-00C35482FF2D}"/>
+              </a:ext>
+            </a:extLst>
+          </p:cNvPr>
+          <p:cNvPicPr>
+            <a:picLocks noChangeAspect="1"/>
+          </p:cNvPicPr>
+          <p:nvPr/>
+        </p:nvPicPr>
+        <p:blipFill>
+          <a:blip r:embed="rId2"/>
+          <a:stretch>
+            <a:fillRect/>
+          </a:stretch>
+        </p:blipFill>
+        <p:spPr>
+          <a:xfrm>
+            <a:off x="1181102" y="3073999"/>
+            <a:ext cx="6000750" cy="757627"/>
+          </a:xfrm>
+          <a:prstGeom prst="rect">
+            <a:avLst/>
+          </a:prstGeom>
+        </p:spPr>
+      </p:pic>
+      <p:pic>
+        <p:nvPicPr>
+          <p:cNvPr id="6" name="Grafik 6">
+            <a:extLst>
+              <a:ext uri="{FF2B5EF4-FFF2-40B4-BE49-F238E27FC236}">
+                <a16:creationId xmlns:a16="http://schemas.microsoft.com/office/drawing/2014/main" id="{A3F32BB6-7DD8-42F4-8F5F-1D20906462BE}"/>
+              </a:ext>
+            </a:extLst>
+          </p:cNvPr>
+          <p:cNvPicPr>
+            <a:picLocks noChangeAspect="1"/>
+          </p:cNvPicPr>
+          <p:nvPr/>
+        </p:nvPicPr>
+        <p:blipFill>
+          <a:blip r:embed="rId3"/>
+          <a:stretch>
+            <a:fillRect/>
+          </a:stretch>
+        </p:blipFill>
+        <p:spPr>
+          <a:xfrm>
+            <a:off x="1295400" y="4319007"/>
+            <a:ext cx="4476750" cy="553612"/>
+          </a:xfrm>
+          <a:prstGeom prst="rect">
+            <a:avLst/>
+          </a:prstGeom>
+        </p:spPr>
+      </p:pic>
+      <p:pic>
+        <p:nvPicPr>
+          <p:cNvPr id="10" name="Grafik 10" descr="Ein Bild, das orange enthält.&#10;&#10;Mit hoher Zuverlässigkeit generierte Beschreibung">
+            <a:extLst>
+              <a:ext uri="{FF2B5EF4-FFF2-40B4-BE49-F238E27FC236}">
+                <a16:creationId xmlns:a16="http://schemas.microsoft.com/office/drawing/2014/main" id="{FE1B4398-1513-4029-A96B-2473B1285028}"/>
+              </a:ext>
+            </a:extLst>
+          </p:cNvPr>
+          <p:cNvPicPr>
+            <a:picLocks noChangeAspect="1"/>
+          </p:cNvPicPr>
+          <p:nvPr/>
+        </p:nvPicPr>
+        <p:blipFill>
+          <a:blip r:embed="rId4"/>
+          <a:stretch>
+            <a:fillRect/>
+          </a:stretch>
+        </p:blipFill>
+        <p:spPr>
+          <a:xfrm>
+            <a:off x="5772150" y="4195764"/>
+            <a:ext cx="3924300" cy="809625"/>
+          </a:xfrm>
+          <a:prstGeom prst="rect">
+            <a:avLst/>
+          </a:prstGeom>
+        </p:spPr>
+      </p:pic>
+      <p:pic>
+        <p:nvPicPr>
+          <p:cNvPr id="14" name="Grafik 14">
+            <a:extLst>
+              <a:ext uri="{FF2B5EF4-FFF2-40B4-BE49-F238E27FC236}">
+                <a16:creationId xmlns:a16="http://schemas.microsoft.com/office/drawing/2014/main" id="{898931A8-76B1-4B05-82D6-8A7CFE3E4F0F}"/>
+              </a:ext>
+            </a:extLst>
+          </p:cNvPr>
+          <p:cNvPicPr>
+            <a:picLocks noChangeAspect="1"/>
+          </p:cNvPicPr>
+          <p:nvPr/>
+        </p:nvPicPr>
+        <p:blipFill>
+          <a:blip r:embed="rId5"/>
+          <a:stretch>
+            <a:fillRect/>
+          </a:stretch>
+        </p:blipFill>
+        <p:spPr>
+          <a:xfrm>
+            <a:off x="1209673" y="5514914"/>
+            <a:ext cx="5486400" cy="800221"/>
+          </a:xfrm>
+          <a:prstGeom prst="rect">
+            <a:avLst/>
+          </a:prstGeom>
+        </p:spPr>
+      </p:pic>
+    </p:spTree>
+    <p:extLst>
+      <p:ext uri="{BB962C8B-B14F-4D97-AF65-F5344CB8AC3E}">
+        <p14:creationId xmlns:p14="http://schemas.microsoft.com/office/powerpoint/2010/main" val="2253929390"/>
+      </p:ext>
+    </p:extLst>
+  </p:cSld>
+  <p:clrMapOvr>
+    <a:masterClrMapping/>
+  </p:clrMapOvr>
+</p:sld>
+</file>
+
+<file path=ppt/slides/slide13.xml><?xml version="1.0" encoding="utf-8"?>
+<p:sld xmlns:a="http://schemas.openxmlformats.org/drawingml/2006/main" xmlns:r="http://schemas.openxmlformats.org/officeDocument/2006/relationships" xmlns:p="http://schemas.openxmlformats.org/presentationml/2006/main">
+  <p:cSld>
+    <p:spTree>
+      <p:nvGrpSpPr>
+        <p:cNvPr id="1" name=""/>
+        <p:cNvGrpSpPr/>
+        <p:nvPr/>
+      </p:nvGrpSpPr>
+      <p:grpSpPr>
+        <a:xfrm>
+          <a:off x="0" y="0"/>
+          <a:ext cx="0" cy="0"/>
+          <a:chOff x="0" y="0"/>
+          <a:chExt cx="0" cy="0"/>
+        </a:xfrm>
+      </p:grpSpPr>
+      <p:sp>
+        <p:nvSpPr>
+          <p:cNvPr id="2" name="Titel 1">
+            <a:extLst>
+              <a:ext uri="{FF2B5EF4-FFF2-40B4-BE49-F238E27FC236}">
+                <a16:creationId xmlns:a16="http://schemas.microsoft.com/office/drawing/2014/main" id="{D80FB5A0-0799-43CC-AC0A-4FF2D0BCCB11}"/>
+              </a:ext>
+            </a:extLst>
+          </p:cNvPr>
+          <p:cNvSpPr>
+            <a:spLocks noGrp="1"/>
+          </p:cNvSpPr>
+          <p:nvPr>
+            <p:ph type="title"/>
+          </p:nvPr>
+        </p:nvSpPr>
+        <p:spPr/>
+        <p:txBody>
+          <a:bodyPr/>
+          <a:lstStyle/>
+          <a:p>
+            <a:r>
+              <a:rPr lang="de-DE" dirty="0"/>
+              <a:t>EF Core Anwenden (Code First)</a:t>
+            </a:r>
+            <a:br>
+              <a:rPr lang="de-DE" dirty="0"/>
+            </a:br>
+            <a:r>
+              <a:rPr lang="de-DE" sz="2800" dirty="0"/>
+              <a:t>Datenbank verwenden</a:t>
+            </a:r>
+            <a:endParaRPr lang="de-DE" dirty="0"/>
+          </a:p>
+        </p:txBody>
+      </p:sp>
+      <p:pic>
+        <p:nvPicPr>
+          <p:cNvPr id="4" name="Grafik 4">
+            <a:extLst>
+              <a:ext uri="{FF2B5EF4-FFF2-40B4-BE49-F238E27FC236}">
+                <a16:creationId xmlns:a16="http://schemas.microsoft.com/office/drawing/2014/main" id="{35FBABBE-2114-40D7-BB03-F6CD8C73EE55}"/>
+              </a:ext>
+            </a:extLst>
+          </p:cNvPr>
+          <p:cNvPicPr>
+            <a:picLocks noChangeAspect="1"/>
+          </p:cNvPicPr>
+          <p:nvPr/>
+        </p:nvPicPr>
+        <p:blipFill>
+          <a:blip r:embed="rId2"/>
+          <a:stretch>
+            <a:fillRect/>
+          </a:stretch>
+        </p:blipFill>
+        <p:spPr>
+          <a:xfrm>
+            <a:off x="809623" y="2567680"/>
+            <a:ext cx="10572750" cy="2722765"/>
+          </a:xfrm>
+          <a:prstGeom prst="rect">
+            <a:avLst/>
+          </a:prstGeom>
+        </p:spPr>
+      </p:pic>
+      <p:sp>
+        <p:nvSpPr>
+          <p:cNvPr id="3" name="Rechteck 2">
+            <a:extLst>
+              <a:ext uri="{FF2B5EF4-FFF2-40B4-BE49-F238E27FC236}">
+                <a16:creationId xmlns:a16="http://schemas.microsoft.com/office/drawing/2014/main" id="{7E1308E8-A7AA-4688-A4BF-B2E805B0A044}"/>
+              </a:ext>
+            </a:extLst>
+          </p:cNvPr>
+          <p:cNvSpPr/>
+          <p:nvPr/>
+        </p:nvSpPr>
+        <p:spPr>
+          <a:xfrm>
+            <a:off x="553672" y="2292291"/>
+            <a:ext cx="10997967" cy="2273417"/>
+          </a:xfrm>
+          <a:prstGeom prst="rect">
+            <a:avLst/>
+          </a:prstGeom>
+          <a:solidFill>
+            <a:srgbClr val="212121">
+              <a:alpha val="69804"/>
+            </a:srgbClr>
+          </a:solidFill>
+          <a:ln>
+            <a:solidFill>
+              <a:schemeClr val="bg2"/>
+            </a:solidFill>
+          </a:ln>
+        </p:spPr>
+        <p:style>
+          <a:lnRef idx="2">
+            <a:schemeClr val="accent1">
+              <a:shade val="50000"/>
+            </a:schemeClr>
+          </a:lnRef>
+          <a:fillRef idx="1">
+            <a:schemeClr val="accent1"/>
+          </a:fillRef>
+          <a:effectRef idx="0">
+            <a:schemeClr val="accent1"/>
+          </a:effectRef>
+          <a:fontRef idx="minor">
+            <a:schemeClr val="lt1"/>
+          </a:fontRef>
+        </p:style>
+        <p:txBody>
+          <a:bodyPr rtlCol="0" anchor="ctr"/>
+          <a:lstStyle/>
+          <a:p>
+            <a:pPr algn="ctr"/>
+            <a:endParaRPr lang="de-DE">
+              <a:ln>
+                <a:solidFill>
+                  <a:schemeClr val="bg2"/>
+                </a:solidFill>
+              </a:ln>
+              <a:solidFill>
+                <a:schemeClr val="bg2"/>
+              </a:solidFill>
+            </a:endParaRPr>
+          </a:p>
+        </p:txBody>
+      </p:sp>
+    </p:spTree>
+    <p:extLst>
+      <p:ext uri="{BB962C8B-B14F-4D97-AF65-F5344CB8AC3E}">
+        <p14:creationId xmlns:p14="http://schemas.microsoft.com/office/powerpoint/2010/main" val="694945097"/>
+      </p:ext>
+    </p:extLst>
+  </p:cSld>
+  <p:clrMapOvr>
+    <a:masterClrMapping/>
+  </p:clrMapOvr>
+</p:sld>
+</file>
+
+<file path=ppt/slides/slide14.xml><?xml version="1.0" encoding="utf-8"?>
+<p:sld xmlns:a="http://schemas.openxmlformats.org/drawingml/2006/main" xmlns:r="http://schemas.openxmlformats.org/officeDocument/2006/relationships" xmlns:p="http://schemas.openxmlformats.org/presentationml/2006/main">
+  <p:cSld>
+    <p:spTree>
+      <p:nvGrpSpPr>
+        <p:cNvPr id="1" name=""/>
+        <p:cNvGrpSpPr/>
+        <p:nvPr/>
+      </p:nvGrpSpPr>
+      <p:grpSpPr>
+        <a:xfrm>
+          <a:off x="0" y="0"/>
+          <a:ext cx="0" cy="0"/>
+          <a:chOff x="0" y="0"/>
+          <a:chExt cx="0" cy="0"/>
+        </a:xfrm>
+      </p:grpSpPr>
+      <p:sp>
+        <p:nvSpPr>
+          <p:cNvPr id="2" name="Titel 1">
+            <a:extLst>
+              <a:ext uri="{FF2B5EF4-FFF2-40B4-BE49-F238E27FC236}">
+                <a16:creationId xmlns:a16="http://schemas.microsoft.com/office/drawing/2014/main" id="{D80FB5A0-0799-43CC-AC0A-4FF2D0BCCB11}"/>
+              </a:ext>
+            </a:extLst>
+          </p:cNvPr>
+          <p:cNvSpPr>
+            <a:spLocks noGrp="1"/>
+          </p:cNvSpPr>
+          <p:nvPr>
+            <p:ph type="title"/>
+          </p:nvPr>
+        </p:nvSpPr>
+        <p:spPr/>
+        <p:txBody>
+          <a:bodyPr/>
+          <a:lstStyle/>
+          <a:p>
+            <a:r>
+              <a:rPr lang="de-DE" dirty="0"/>
+              <a:t>EF Core Anwenden (Code First)</a:t>
+            </a:r>
+            <a:br>
+              <a:rPr lang="de-DE" dirty="0"/>
+            </a:br>
+            <a:r>
+              <a:rPr lang="de-DE" sz="2800" dirty="0"/>
+              <a:t>Datenbank verwenden</a:t>
+            </a:r>
+            <a:endParaRPr lang="de-DE" dirty="0"/>
+          </a:p>
+        </p:txBody>
+      </p:sp>
+      <p:pic>
+        <p:nvPicPr>
+          <p:cNvPr id="3" name="Grafik 4">
+            <a:extLst>
+              <a:ext uri="{FF2B5EF4-FFF2-40B4-BE49-F238E27FC236}">
+                <a16:creationId xmlns:a16="http://schemas.microsoft.com/office/drawing/2014/main" id="{6D71C9E7-88BD-4C03-8E49-B325C84BDF0D}"/>
+              </a:ext>
+            </a:extLst>
+          </p:cNvPr>
+          <p:cNvPicPr>
+            <a:picLocks noChangeAspect="1"/>
+          </p:cNvPicPr>
+          <p:nvPr/>
+        </p:nvPicPr>
+        <p:blipFill>
+          <a:blip r:embed="rId2"/>
+          <a:stretch>
+            <a:fillRect/>
+          </a:stretch>
+        </p:blipFill>
+        <p:spPr>
+          <a:xfrm>
+            <a:off x="809625" y="2485510"/>
+            <a:ext cx="9172575" cy="3887230"/>
+          </a:xfrm>
+          <a:prstGeom prst="rect">
+            <a:avLst/>
+          </a:prstGeom>
+        </p:spPr>
+      </p:pic>
+      <p:sp>
+        <p:nvSpPr>
+          <p:cNvPr id="4" name="Rechteck 3">
+            <a:extLst>
+              <a:ext uri="{FF2B5EF4-FFF2-40B4-BE49-F238E27FC236}">
+                <a16:creationId xmlns:a16="http://schemas.microsoft.com/office/drawing/2014/main" id="{CEF9FC20-9E08-45FA-B971-2E9DB4FAA9CC}"/>
+              </a:ext>
+            </a:extLst>
+          </p:cNvPr>
+          <p:cNvSpPr/>
+          <p:nvPr/>
+        </p:nvSpPr>
+        <p:spPr>
+          <a:xfrm>
+            <a:off x="553672" y="2292292"/>
+            <a:ext cx="10997967" cy="1491144"/>
+          </a:xfrm>
+          <a:prstGeom prst="rect">
+            <a:avLst/>
+          </a:prstGeom>
+          <a:solidFill>
+            <a:srgbClr val="212121">
+              <a:alpha val="69804"/>
+            </a:srgbClr>
+          </a:solidFill>
+          <a:ln>
+            <a:solidFill>
+              <a:schemeClr val="bg2"/>
+            </a:solidFill>
+          </a:ln>
+        </p:spPr>
+        <p:style>
+          <a:lnRef idx="2">
+            <a:schemeClr val="accent1">
+              <a:shade val="50000"/>
+            </a:schemeClr>
+          </a:lnRef>
+          <a:fillRef idx="1">
+            <a:schemeClr val="accent1"/>
+          </a:fillRef>
+          <a:effectRef idx="0">
+            <a:schemeClr val="accent1"/>
+          </a:effectRef>
+          <a:fontRef idx="minor">
+            <a:schemeClr val="lt1"/>
+          </a:fontRef>
+        </p:style>
+        <p:txBody>
+          <a:bodyPr rtlCol="0" anchor="ctr"/>
+          <a:lstStyle/>
+          <a:p>
+            <a:pPr algn="ctr"/>
+            <a:endParaRPr lang="de-DE">
+              <a:ln>
+                <a:solidFill>
+                  <a:schemeClr val="bg2"/>
+                </a:solidFill>
+              </a:ln>
+              <a:solidFill>
+                <a:schemeClr val="bg2"/>
+              </a:solidFill>
+            </a:endParaRPr>
+          </a:p>
+        </p:txBody>
+      </p:sp>
+    </p:spTree>
+    <p:extLst>
+      <p:ext uri="{BB962C8B-B14F-4D97-AF65-F5344CB8AC3E}">
+        <p14:creationId xmlns:p14="http://schemas.microsoft.com/office/powerpoint/2010/main" val="2860393625"/>
+      </p:ext>
+    </p:extLst>
+  </p:cSld>
+  <p:clrMapOvr>
+    <a:masterClrMapping/>
+  </p:clrMapOvr>
+</p:sld>
+</file>
+
+<file path=ppt/slides/slide15.xml><?xml version="1.0" encoding="utf-8"?>
+<p:sld xmlns:a="http://schemas.openxmlformats.org/drawingml/2006/main" xmlns:r="http://schemas.openxmlformats.org/officeDocument/2006/relationships" xmlns:p="http://schemas.openxmlformats.org/presentationml/2006/main">
+  <p:cSld>
+    <p:spTree>
+      <p:nvGrpSpPr>
+        <p:cNvPr id="1" name=""/>
+        <p:cNvGrpSpPr/>
+        <p:nvPr/>
+      </p:nvGrpSpPr>
+      <p:grpSpPr>
+        <a:xfrm>
+          <a:off x="0" y="0"/>
+          <a:ext cx="0" cy="0"/>
+          <a:chOff x="0" y="0"/>
+          <a:chExt cx="0" cy="0"/>
+        </a:xfrm>
+      </p:grpSpPr>
+      <p:sp>
+        <p:nvSpPr>
+          <p:cNvPr id="2" name="Titel 1">
+            <a:extLst>
+              <a:ext uri="{FF2B5EF4-FFF2-40B4-BE49-F238E27FC236}">
+                <a16:creationId xmlns:a16="http://schemas.microsoft.com/office/drawing/2014/main" id="{D80FB5A0-0799-43CC-AC0A-4FF2D0BCCB11}"/>
+              </a:ext>
+            </a:extLst>
+          </p:cNvPr>
+          <p:cNvSpPr>
+            <a:spLocks noGrp="1"/>
+          </p:cNvSpPr>
+          <p:nvPr>
+            <p:ph type="title"/>
+          </p:nvPr>
+        </p:nvSpPr>
+        <p:spPr/>
+        <p:txBody>
+          <a:bodyPr/>
+          <a:lstStyle/>
+          <a:p>
+            <a:r>
+              <a:rPr lang="de-DE" dirty="0"/>
+              <a:t>EF Core Anwenden (Code First)</a:t>
+            </a:r>
+            <a:br>
+              <a:rPr lang="de-DE" dirty="0"/>
+            </a:br>
+            <a:r>
+              <a:rPr lang="de-DE" sz="2800" dirty="0"/>
+              <a:t>Datenbank verwenden</a:t>
+            </a:r>
+            <a:endParaRPr lang="de-DE" dirty="0"/>
+          </a:p>
+        </p:txBody>
+      </p:sp>
+      <p:pic>
+        <p:nvPicPr>
+          <p:cNvPr id="4" name="Grafik 4">
+            <a:extLst>
+              <a:ext uri="{FF2B5EF4-FFF2-40B4-BE49-F238E27FC236}">
+                <a16:creationId xmlns:a16="http://schemas.microsoft.com/office/drawing/2014/main" id="{ABF1B8C0-EA39-416D-8192-4D8C2B242EE0}"/>
+              </a:ext>
+            </a:extLst>
+          </p:cNvPr>
+          <p:cNvPicPr>
+            <a:picLocks noChangeAspect="1"/>
+          </p:cNvPicPr>
+          <p:nvPr/>
+        </p:nvPicPr>
+        <p:blipFill>
+          <a:blip r:embed="rId2"/>
+          <a:stretch>
+            <a:fillRect/>
+          </a:stretch>
+        </p:blipFill>
+        <p:spPr>
+          <a:xfrm>
+            <a:off x="809625" y="2452644"/>
+            <a:ext cx="10182225" cy="3105236"/>
+          </a:xfrm>
+          <a:prstGeom prst="rect">
+            <a:avLst/>
+          </a:prstGeom>
+        </p:spPr>
+      </p:pic>
+      <p:sp>
+        <p:nvSpPr>
+          <p:cNvPr id="5" name="Rechteck 4">
+            <a:extLst>
+              <a:ext uri="{FF2B5EF4-FFF2-40B4-BE49-F238E27FC236}">
+                <a16:creationId xmlns:a16="http://schemas.microsoft.com/office/drawing/2014/main" id="{E4D4B1D3-FB7C-401D-9525-B3328E0F4BB6}"/>
+              </a:ext>
+            </a:extLst>
+          </p:cNvPr>
+          <p:cNvSpPr/>
+          <p:nvPr/>
+        </p:nvSpPr>
+        <p:spPr>
+          <a:xfrm>
+            <a:off x="553672" y="2248250"/>
+            <a:ext cx="10997967" cy="1258348"/>
+          </a:xfrm>
+          <a:prstGeom prst="rect">
+            <a:avLst/>
+          </a:prstGeom>
+          <a:solidFill>
+            <a:srgbClr val="212121">
+              <a:alpha val="69804"/>
+            </a:srgbClr>
+          </a:solidFill>
+          <a:ln>
+            <a:solidFill>
+              <a:schemeClr val="bg2"/>
+            </a:solidFill>
+          </a:ln>
+        </p:spPr>
+        <p:style>
+          <a:lnRef idx="2">
+            <a:schemeClr val="accent1">
+              <a:shade val="50000"/>
+            </a:schemeClr>
+          </a:lnRef>
+          <a:fillRef idx="1">
+            <a:schemeClr val="accent1"/>
+          </a:fillRef>
+          <a:effectRef idx="0">
+            <a:schemeClr val="accent1"/>
+          </a:effectRef>
+          <a:fontRef idx="minor">
+            <a:schemeClr val="lt1"/>
+          </a:fontRef>
+        </p:style>
+        <p:txBody>
+          <a:bodyPr rtlCol="0" anchor="ctr"/>
+          <a:lstStyle/>
+          <a:p>
+            <a:pPr algn="ctr"/>
+            <a:endParaRPr lang="de-DE">
+              <a:ln>
+                <a:solidFill>
+                  <a:schemeClr val="bg2"/>
+                </a:solidFill>
+              </a:ln>
+              <a:solidFill>
+                <a:schemeClr val="bg2"/>
+              </a:solidFill>
+            </a:endParaRPr>
+          </a:p>
+        </p:txBody>
+      </p:sp>
+      <p:sp>
+        <p:nvSpPr>
+          <p:cNvPr id="6" name="Rechteck 5">
+            <a:extLst>
+              <a:ext uri="{FF2B5EF4-FFF2-40B4-BE49-F238E27FC236}">
+                <a16:creationId xmlns:a16="http://schemas.microsoft.com/office/drawing/2014/main" id="{F3A315C4-E99E-4CF3-B013-88702088483E}"/>
+              </a:ext>
+            </a:extLst>
+          </p:cNvPr>
+          <p:cNvSpPr/>
+          <p:nvPr/>
+        </p:nvSpPr>
+        <p:spPr>
+          <a:xfrm>
+            <a:off x="697683" y="3844342"/>
+            <a:ext cx="10997967" cy="1713538"/>
+          </a:xfrm>
+          <a:prstGeom prst="rect">
+            <a:avLst/>
+          </a:prstGeom>
+          <a:solidFill>
+            <a:srgbClr val="212121">
+              <a:alpha val="69804"/>
+            </a:srgbClr>
+          </a:solidFill>
+          <a:ln>
+            <a:solidFill>
+              <a:schemeClr val="bg2"/>
+            </a:solidFill>
+          </a:ln>
+        </p:spPr>
+        <p:style>
+          <a:lnRef idx="2">
+            <a:schemeClr val="accent1">
+              <a:shade val="50000"/>
+            </a:schemeClr>
+          </a:lnRef>
+          <a:fillRef idx="1">
+            <a:schemeClr val="accent1"/>
+          </a:fillRef>
+          <a:effectRef idx="0">
+            <a:schemeClr val="accent1"/>
+          </a:effectRef>
+          <a:fontRef idx="minor">
+            <a:schemeClr val="lt1"/>
+          </a:fontRef>
+        </p:style>
+        <p:txBody>
+          <a:bodyPr rtlCol="0" anchor="ctr"/>
+          <a:lstStyle/>
+          <a:p>
+            <a:pPr algn="ctr"/>
+            <a:endParaRPr lang="de-DE" dirty="0">
+              <a:ln>
+                <a:solidFill>
+                  <a:schemeClr val="bg2"/>
+                </a:solidFill>
+              </a:ln>
+              <a:solidFill>
+                <a:schemeClr val="bg2"/>
+              </a:solidFill>
+            </a:endParaRPr>
+          </a:p>
+        </p:txBody>
+      </p:sp>
+    </p:spTree>
+    <p:extLst>
+      <p:ext uri="{BB962C8B-B14F-4D97-AF65-F5344CB8AC3E}">
+        <p14:creationId xmlns:p14="http://schemas.microsoft.com/office/powerpoint/2010/main" val="3028493357"/>
+      </p:ext>
+    </p:extLst>
+  </p:cSld>
+  <p:clrMapOvr>
+    <a:masterClrMapping/>
+  </p:clrMapOvr>
+</p:sld>
+</file>
+
+<file path=ppt/slides/slide16.xml><?xml version="1.0" encoding="utf-8"?>
+<p:sld xmlns:a="http://schemas.openxmlformats.org/drawingml/2006/main" xmlns:r="http://schemas.openxmlformats.org/officeDocument/2006/relationships" xmlns:p="http://schemas.openxmlformats.org/presentationml/2006/main">
+  <p:cSld>
+    <p:spTree>
+      <p:nvGrpSpPr>
+        <p:cNvPr id="1" name=""/>
+        <p:cNvGrpSpPr/>
+        <p:nvPr/>
+      </p:nvGrpSpPr>
+      <p:grpSpPr>
+        <a:xfrm>
+          <a:off x="0" y="0"/>
+          <a:ext cx="0" cy="0"/>
+          <a:chOff x="0" y="0"/>
+          <a:chExt cx="0" cy="0"/>
+        </a:xfrm>
+      </p:grpSpPr>
+      <p:sp>
+        <p:nvSpPr>
+          <p:cNvPr id="2" name="Titel 1">
+            <a:extLst>
+              <a:ext uri="{FF2B5EF4-FFF2-40B4-BE49-F238E27FC236}">
+                <a16:creationId xmlns:a16="http://schemas.microsoft.com/office/drawing/2014/main" id="{D80FB5A0-0799-43CC-AC0A-4FF2D0BCCB11}"/>
+              </a:ext>
+            </a:extLst>
+          </p:cNvPr>
+          <p:cNvSpPr>
+            <a:spLocks noGrp="1"/>
+          </p:cNvSpPr>
+          <p:nvPr>
+            <p:ph type="title"/>
+          </p:nvPr>
+        </p:nvSpPr>
+        <p:spPr/>
+        <p:txBody>
+          <a:bodyPr/>
+          <a:lstStyle/>
+          <a:p>
+            <a:r>
+              <a:rPr lang="de-DE" dirty="0"/>
+              <a:t>EF Core Anwenden (Code First)</a:t>
+            </a:r>
+            <a:br>
+              <a:rPr lang="de-DE" dirty="0"/>
+            </a:br>
+            <a:r>
+              <a:rPr lang="de-DE" sz="2800" dirty="0"/>
+              <a:t>Datenbank verwenden</a:t>
+            </a:r>
+            <a:endParaRPr lang="de-DE" dirty="0"/>
+          </a:p>
+        </p:txBody>
+      </p:sp>
+      <p:pic>
+        <p:nvPicPr>
+          <p:cNvPr id="3" name="Grafik 4">
+            <a:extLst>
+              <a:ext uri="{FF2B5EF4-FFF2-40B4-BE49-F238E27FC236}">
+                <a16:creationId xmlns:a16="http://schemas.microsoft.com/office/drawing/2014/main" id="{528B99EA-7A89-482A-99F8-5E814735295E}"/>
+              </a:ext>
+            </a:extLst>
+          </p:cNvPr>
+          <p:cNvPicPr>
+            <a:picLocks noChangeAspect="1"/>
+          </p:cNvPicPr>
+          <p:nvPr/>
+        </p:nvPicPr>
+        <p:blipFill>
+          <a:blip r:embed="rId2"/>
+          <a:stretch>
+            <a:fillRect/>
+          </a:stretch>
+        </p:blipFill>
+        <p:spPr>
+          <a:xfrm>
+            <a:off x="809625" y="2460512"/>
+            <a:ext cx="9286875" cy="3480027"/>
+          </a:xfrm>
+          <a:prstGeom prst="rect">
+            <a:avLst/>
+          </a:prstGeom>
+        </p:spPr>
+      </p:pic>
+    </p:spTree>
+    <p:extLst>
+      <p:ext uri="{BB962C8B-B14F-4D97-AF65-F5344CB8AC3E}">
+        <p14:creationId xmlns:p14="http://schemas.microsoft.com/office/powerpoint/2010/main" val="3959534665"/>
+      </p:ext>
+    </p:extLst>
+  </p:cSld>
+  <p:clrMapOvr>
+    <a:masterClrMapping/>
+  </p:clrMapOvr>
+</p:sld>
+</file>
+
+<file path=ppt/slides/slide17.xml><?xml version="1.0" encoding="utf-8"?>
+<p:sld xmlns:a="http://schemas.openxmlformats.org/drawingml/2006/main" xmlns:r="http://schemas.openxmlformats.org/officeDocument/2006/relationships" xmlns:p="http://schemas.openxmlformats.org/presentationml/2006/main">
+  <p:cSld>
+    <p:spTree>
+      <p:nvGrpSpPr>
+        <p:cNvPr id="1" name=""/>
+        <p:cNvGrpSpPr/>
+        <p:nvPr/>
+      </p:nvGrpSpPr>
+      <p:grpSpPr>
+        <a:xfrm>
+          <a:off x="0" y="0"/>
+          <a:ext cx="0" cy="0"/>
+          <a:chOff x="0" y="0"/>
+          <a:chExt cx="0" cy="0"/>
+        </a:xfrm>
+      </p:grpSpPr>
+      <p:sp>
+        <p:nvSpPr>
+          <p:cNvPr id="2" name="Titel 1">
+            <a:extLst>
+              <a:ext uri="{FF2B5EF4-FFF2-40B4-BE49-F238E27FC236}">
+                <a16:creationId xmlns:a16="http://schemas.microsoft.com/office/drawing/2014/main" id="{D80FB5A0-0799-43CC-AC0A-4FF2D0BCCB11}"/>
+              </a:ext>
+            </a:extLst>
+          </p:cNvPr>
+          <p:cNvSpPr>
+            <a:spLocks noGrp="1"/>
+          </p:cNvSpPr>
+          <p:nvPr>
+            <p:ph type="title"/>
+          </p:nvPr>
+        </p:nvSpPr>
+        <p:spPr/>
+        <p:txBody>
+          <a:bodyPr/>
+          <a:lstStyle/>
+          <a:p>
+            <a:r>
+              <a:rPr lang="de-DE" dirty="0"/>
+              <a:t>EF Core Anwenden (Code First)</a:t>
+            </a:r>
+            <a:br>
+              <a:rPr lang="de-DE" dirty="0"/>
+            </a:br>
+            <a:r>
+              <a:rPr lang="de-DE" sz="2800" dirty="0"/>
+              <a:t>Datenbank verwenden</a:t>
+            </a:r>
+            <a:endParaRPr lang="de-DE" dirty="0"/>
+          </a:p>
+        </p:txBody>
+      </p:sp>
+      <p:pic>
+        <p:nvPicPr>
+          <p:cNvPr id="4" name="Grafik 4">
+            <a:extLst>
+              <a:ext uri="{FF2B5EF4-FFF2-40B4-BE49-F238E27FC236}">
+                <a16:creationId xmlns:a16="http://schemas.microsoft.com/office/drawing/2014/main" id="{3CB24BF9-EE2C-4003-AA52-640A368BC197}"/>
+              </a:ext>
+            </a:extLst>
+          </p:cNvPr>
+          <p:cNvPicPr>
+            <a:picLocks noChangeAspect="1"/>
+          </p:cNvPicPr>
+          <p:nvPr/>
+        </p:nvPicPr>
+        <p:blipFill>
+          <a:blip r:embed="rId2"/>
+          <a:stretch>
+            <a:fillRect/>
+          </a:stretch>
+        </p:blipFill>
+        <p:spPr>
+          <a:xfrm>
+            <a:off x="809625" y="2593069"/>
+            <a:ext cx="10515600" cy="3433987"/>
+          </a:xfrm>
+          <a:prstGeom prst="rect">
+            <a:avLst/>
+          </a:prstGeom>
+        </p:spPr>
+      </p:pic>
+      <p:sp>
+        <p:nvSpPr>
+          <p:cNvPr id="5" name="Rechteck 4">
+            <a:extLst>
+              <a:ext uri="{FF2B5EF4-FFF2-40B4-BE49-F238E27FC236}">
+                <a16:creationId xmlns:a16="http://schemas.microsoft.com/office/drawing/2014/main" id="{5B9E0B23-0874-4BB5-9F9F-E19850BBA2FF}"/>
+              </a:ext>
+            </a:extLst>
+          </p:cNvPr>
+          <p:cNvSpPr/>
+          <p:nvPr/>
+        </p:nvSpPr>
+        <p:spPr>
+          <a:xfrm>
+            <a:off x="568441" y="2593069"/>
+            <a:ext cx="10997967" cy="771787"/>
+          </a:xfrm>
+          <a:prstGeom prst="rect">
+            <a:avLst/>
+          </a:prstGeom>
+          <a:solidFill>
+            <a:srgbClr val="212121">
+              <a:alpha val="69804"/>
+            </a:srgbClr>
+          </a:solidFill>
+          <a:ln>
+            <a:solidFill>
+              <a:schemeClr val="bg2"/>
+            </a:solidFill>
+          </a:ln>
+        </p:spPr>
+        <p:style>
+          <a:lnRef idx="2">
+            <a:schemeClr val="accent1">
+              <a:shade val="50000"/>
+            </a:schemeClr>
+          </a:lnRef>
+          <a:fillRef idx="1">
+            <a:schemeClr val="accent1"/>
+          </a:fillRef>
+          <a:effectRef idx="0">
+            <a:schemeClr val="accent1"/>
+          </a:effectRef>
+          <a:fontRef idx="minor">
+            <a:schemeClr val="lt1"/>
+          </a:fontRef>
+        </p:style>
+        <p:txBody>
+          <a:bodyPr rtlCol="0" anchor="ctr"/>
+          <a:lstStyle/>
+          <a:p>
+            <a:pPr algn="ctr"/>
+            <a:endParaRPr lang="de-DE" dirty="0">
+              <a:ln>
+                <a:solidFill>
+                  <a:schemeClr val="bg2"/>
+                </a:solidFill>
+              </a:ln>
+              <a:solidFill>
+                <a:schemeClr val="bg2"/>
+              </a:solidFill>
+            </a:endParaRPr>
+          </a:p>
+        </p:txBody>
+      </p:sp>
+      <p:sp>
+        <p:nvSpPr>
+          <p:cNvPr id="6" name="Rechteck 5">
+            <a:extLst>
+              <a:ext uri="{FF2B5EF4-FFF2-40B4-BE49-F238E27FC236}">
+                <a16:creationId xmlns:a16="http://schemas.microsoft.com/office/drawing/2014/main" id="{8C417DE7-55B1-4AAE-B3EB-D5C6F74B458B}"/>
+              </a:ext>
+            </a:extLst>
+          </p:cNvPr>
+          <p:cNvSpPr/>
+          <p:nvPr/>
+        </p:nvSpPr>
+        <p:spPr>
+          <a:xfrm>
+            <a:off x="625592" y="3680887"/>
+            <a:ext cx="10997967" cy="2493409"/>
+          </a:xfrm>
+          <a:prstGeom prst="rect">
+            <a:avLst/>
+          </a:prstGeom>
+          <a:solidFill>
+            <a:srgbClr val="212121">
+              <a:alpha val="69804"/>
+            </a:srgbClr>
+          </a:solidFill>
+          <a:ln>
+            <a:solidFill>
+              <a:schemeClr val="bg2"/>
+            </a:solidFill>
+          </a:ln>
+        </p:spPr>
+        <p:style>
+          <a:lnRef idx="2">
+            <a:schemeClr val="accent1">
+              <a:shade val="50000"/>
+            </a:schemeClr>
+          </a:lnRef>
+          <a:fillRef idx="1">
+            <a:schemeClr val="accent1"/>
+          </a:fillRef>
+          <a:effectRef idx="0">
+            <a:schemeClr val="accent1"/>
+          </a:effectRef>
+          <a:fontRef idx="minor">
+            <a:schemeClr val="lt1"/>
+          </a:fontRef>
+        </p:style>
+        <p:txBody>
+          <a:bodyPr rtlCol="0" anchor="ctr"/>
+          <a:lstStyle/>
+          <a:p>
+            <a:pPr algn="ctr"/>
+            <a:endParaRPr lang="de-DE">
+              <a:ln>
+                <a:solidFill>
+                  <a:schemeClr val="bg2"/>
+                </a:solidFill>
+              </a:ln>
+              <a:solidFill>
+                <a:schemeClr val="bg2"/>
+              </a:solidFill>
+            </a:endParaRPr>
+          </a:p>
+        </p:txBody>
+      </p:sp>
+    </p:spTree>
+    <p:extLst>
+      <p:ext uri="{BB962C8B-B14F-4D97-AF65-F5344CB8AC3E}">
+        <p14:creationId xmlns:p14="http://schemas.microsoft.com/office/powerpoint/2010/main" val="3251830826"/>
+      </p:ext>
+    </p:extLst>
+  </p:cSld>
+  <p:clrMapOvr>
+    <a:masterClrMapping/>
+  </p:clrMapOvr>
+</p:sld>
+</file>
+
+<file path=ppt/slides/slide18.xml><?xml version="1.0" encoding="utf-8"?>
+<p:sld xmlns:a="http://schemas.openxmlformats.org/drawingml/2006/main" xmlns:r="http://schemas.openxmlformats.org/officeDocument/2006/relationships" xmlns:p="http://schemas.openxmlformats.org/presentationml/2006/main">
+  <p:cSld>
+    <p:spTree>
+      <p:nvGrpSpPr>
+        <p:cNvPr id="1" name=""/>
+        <p:cNvGrpSpPr/>
+        <p:nvPr/>
+      </p:nvGrpSpPr>
+      <p:grpSpPr>
+        <a:xfrm>
+          <a:off x="0" y="0"/>
+          <a:ext cx="0" cy="0"/>
+          <a:chOff x="0" y="0"/>
+          <a:chExt cx="0" cy="0"/>
+        </a:xfrm>
+      </p:grpSpPr>
+      <p:sp>
+        <p:nvSpPr>
+          <p:cNvPr id="2" name="Title 1">
+            <a:extLst>
+              <a:ext uri="{FF2B5EF4-FFF2-40B4-BE49-F238E27FC236}">
+                <a16:creationId xmlns:a16="http://schemas.microsoft.com/office/drawing/2014/main" id="{A2C93448-3742-C745-A1EA-2A4F915A55C9}"/>
+              </a:ext>
+            </a:extLst>
+          </p:cNvPr>
+          <p:cNvSpPr>
+            <a:spLocks noGrp="1"/>
+          </p:cNvSpPr>
+          <p:nvPr>
+            <p:ph type="title"/>
+          </p:nvPr>
+        </p:nvSpPr>
+        <p:spPr/>
+        <p:txBody>
+          <a:bodyPr/>
+          <a:lstStyle/>
+          <a:p>
+            <a:r>
+              <a:rPr lang="de-DE" dirty="0"/>
+              <a:t>Container-/Servicemodell (1)</a:t>
+            </a:r>
+          </a:p>
+        </p:txBody>
+      </p:sp>
+      <p:sp>
+        <p:nvSpPr>
+          <p:cNvPr id="3" name="Content Placeholder 2">
+            <a:extLst>
+              <a:ext uri="{FF2B5EF4-FFF2-40B4-BE49-F238E27FC236}">
+                <a16:creationId xmlns:a16="http://schemas.microsoft.com/office/drawing/2014/main" id="{A3B604BD-E745-574C-857C-07D071B49CB4}"/>
+              </a:ext>
+            </a:extLst>
+          </p:cNvPr>
+          <p:cNvSpPr>
+            <a:spLocks noGrp="1"/>
+          </p:cNvSpPr>
+          <p:nvPr>
+            <p:ph idx="1"/>
+          </p:nvPr>
+        </p:nvSpPr>
+        <p:spPr/>
+        <p:txBody>
+          <a:bodyPr/>
+          <a:lstStyle/>
+          <a:p>
+            <a:r>
+              <a:rPr lang="de-DE" dirty="0"/>
+              <a:t>Frameworks besitzen meist nativen Container</a:t>
+            </a:r>
+          </a:p>
+          <a:p>
+            <a:r>
+              <a:rPr lang="de-DE" dirty="0"/>
+              <a:t>Sinn:</a:t>
+            </a:r>
+          </a:p>
+          <a:p>
+            <a:pPr lvl="1"/>
+            <a:r>
+              <a:rPr lang="de-DE" dirty="0"/>
+              <a:t>Optimierung der Applikationsarchitektur erfordert verteilte Klassen</a:t>
+            </a:r>
+          </a:p>
+          <a:p>
+            <a:pPr lvl="1"/>
+            <a:r>
+              <a:rPr lang="de-DE" dirty="0"/>
+              <a:t>Laden vom </a:t>
+            </a:r>
+            <a:r>
+              <a:rPr lang="de-DE" dirty="0" err="1"/>
+              <a:t>FileSystem</a:t>
+            </a:r>
+            <a:r>
+              <a:rPr lang="de-DE" dirty="0"/>
+              <a:t> verbraucht viele Ressourcen</a:t>
+            </a:r>
+          </a:p>
+          <a:p>
+            <a:pPr lvl="1"/>
+            <a:r>
+              <a:rPr lang="de-DE" dirty="0"/>
+              <a:t>Services müssen zur Laufzeit verfügbar sein</a:t>
+            </a:r>
+          </a:p>
+          <a:p>
+            <a:pPr lvl="1"/>
+            <a:r>
+              <a:rPr lang="de-DE" dirty="0"/>
+              <a:t>Services sollten „</a:t>
+            </a:r>
+            <a:r>
+              <a:rPr lang="de-DE" dirty="0" err="1"/>
+              <a:t>unique</a:t>
+            </a:r>
+            <a:r>
+              <a:rPr lang="de-DE" dirty="0"/>
+              <a:t>“ sein</a:t>
+            </a:r>
+          </a:p>
+        </p:txBody>
+      </p:sp>
+    </p:spTree>
+    <p:extLst>
+      <p:ext uri="{BB962C8B-B14F-4D97-AF65-F5344CB8AC3E}">
+        <p14:creationId xmlns:p14="http://schemas.microsoft.com/office/powerpoint/2010/main" val="1348959206"/>
+      </p:ext>
+    </p:extLst>
+  </p:cSld>
+  <p:clrMapOvr>
+    <a:masterClrMapping/>
+  </p:clrMapOvr>
+</p:sld>
+</file>
+
+<file path=ppt/slides/slide19.xml><?xml version="1.0" encoding="utf-8"?>
+<p:sld xmlns:a="http://schemas.openxmlformats.org/drawingml/2006/main" xmlns:r="http://schemas.openxmlformats.org/officeDocument/2006/relationships" xmlns:p="http://schemas.openxmlformats.org/presentationml/2006/main">
+  <p:cSld>
+    <p:spTree>
+      <p:nvGrpSpPr>
+        <p:cNvPr id="1" name=""/>
+        <p:cNvGrpSpPr/>
+        <p:nvPr/>
+      </p:nvGrpSpPr>
+      <p:grpSpPr>
+        <a:xfrm>
+          <a:off x="0" y="0"/>
+          <a:ext cx="0" cy="0"/>
+          <a:chOff x="0" y="0"/>
+          <a:chExt cx="0" cy="0"/>
+        </a:xfrm>
+      </p:grpSpPr>
+      <p:sp>
+        <p:nvSpPr>
+          <p:cNvPr id="2" name="Title 1">
+            <a:extLst>
+              <a:ext uri="{FF2B5EF4-FFF2-40B4-BE49-F238E27FC236}">
+                <a16:creationId xmlns:a16="http://schemas.microsoft.com/office/drawing/2014/main" id="{A2C93448-3742-C745-A1EA-2A4F915A55C9}"/>
+              </a:ext>
+            </a:extLst>
+          </p:cNvPr>
+          <p:cNvSpPr>
+            <a:spLocks noGrp="1"/>
+          </p:cNvSpPr>
+          <p:nvPr>
+            <p:ph type="title"/>
+          </p:nvPr>
+        </p:nvSpPr>
+        <p:spPr/>
+        <p:txBody>
+          <a:bodyPr/>
+          <a:lstStyle/>
+          <a:p>
+            <a:r>
+              <a:rPr lang="de-DE" dirty="0"/>
+              <a:t>Container-/Servicemodell (2)</a:t>
+            </a:r>
+          </a:p>
+        </p:txBody>
+      </p:sp>
+      <p:sp>
+        <p:nvSpPr>
+          <p:cNvPr id="3" name="Content Placeholder 2">
+            <a:extLst>
+              <a:ext uri="{FF2B5EF4-FFF2-40B4-BE49-F238E27FC236}">
+                <a16:creationId xmlns:a16="http://schemas.microsoft.com/office/drawing/2014/main" id="{A3B604BD-E745-574C-857C-07D071B49CB4}"/>
+              </a:ext>
+            </a:extLst>
+          </p:cNvPr>
+          <p:cNvSpPr>
+            <a:spLocks noGrp="1"/>
+          </p:cNvSpPr>
+          <p:nvPr>
+            <p:ph idx="1"/>
+          </p:nvPr>
+        </p:nvSpPr>
+        <p:spPr/>
+        <p:txBody>
+          <a:bodyPr/>
+          <a:lstStyle/>
+          <a:p>
+            <a:r>
+              <a:rPr lang="de-DE" dirty="0"/>
+              <a:t>Implementation:</a:t>
+            </a:r>
+          </a:p>
+          <a:p>
+            <a:pPr lvl="1"/>
+            <a:r>
+              <a:rPr lang="de-DE" dirty="0"/>
+              <a:t>Simplifiziert:</a:t>
+            </a:r>
+          </a:p>
+          <a:p>
+            <a:pPr lvl="2"/>
+            <a:r>
+              <a:rPr lang="de-DE" dirty="0"/>
+              <a:t>Registry für Objekte</a:t>
+            </a:r>
+          </a:p>
+          <a:p>
+            <a:pPr lvl="1"/>
+            <a:r>
+              <a:rPr lang="de-DE" dirty="0"/>
+              <a:t>Produktive Implementationen:</a:t>
+            </a:r>
+          </a:p>
+          <a:p>
+            <a:pPr lvl="2"/>
+            <a:r>
+              <a:rPr lang="de-DE" dirty="0" err="1"/>
+              <a:t>Symfony</a:t>
+            </a:r>
+            <a:r>
+              <a:rPr lang="de-DE" dirty="0"/>
+              <a:t>, </a:t>
+            </a:r>
+            <a:r>
+              <a:rPr lang="de-DE" dirty="0" err="1"/>
+              <a:t>EntityFrameWork</a:t>
+            </a:r>
+            <a:r>
+              <a:rPr lang="de-DE" dirty="0"/>
+              <a:t>, </a:t>
+            </a:r>
+            <a:r>
+              <a:rPr lang="de-DE" dirty="0" err="1"/>
+              <a:t>Laravel</a:t>
+            </a:r>
+            <a:endParaRPr lang="de-DE" dirty="0"/>
+          </a:p>
+          <a:p>
+            <a:pPr lvl="2"/>
+            <a:endParaRPr lang="de-DE" dirty="0"/>
+          </a:p>
+          <a:p>
+            <a:pPr lvl="2"/>
+            <a:endParaRPr lang="de-DE" dirty="0"/>
+          </a:p>
+          <a:p>
+            <a:pPr lvl="1"/>
+            <a:endParaRPr lang="de-DE" dirty="0"/>
+          </a:p>
+        </p:txBody>
+      </p:sp>
+    </p:spTree>
+    <p:extLst>
+      <p:ext uri="{BB962C8B-B14F-4D97-AF65-F5344CB8AC3E}">
+        <p14:creationId xmlns:p14="http://schemas.microsoft.com/office/powerpoint/2010/main" val="66315171"/>
+      </p:ext>
+    </p:extLst>
+  </p:cSld>
+  <p:clrMapOvr>
+    <a:masterClrMapping/>
+  </p:clrMapOvr>
+</p:sld>
+</file>
+
 <file path=ppt/slides/slide2.xml><?xml version="1.0" encoding="utf-8"?>
 <p:sld xmlns:a="http://schemas.openxmlformats.org/drawingml/2006/main" xmlns:r="http://schemas.openxmlformats.org/officeDocument/2006/relationships" xmlns:p="http://schemas.openxmlformats.org/presentationml/2006/main">
   <p:cSld>
@@ -5532,7 +8023,7 @@
           <a:p>
             <a:r>
               <a:rPr lang="de-DE" dirty="0"/>
-              <a:t>Asp.NET MVC Core</a:t>
+              <a:t>Asp.NET Core MVC</a:t>
             </a:r>
           </a:p>
           <a:p>
@@ -5567,6 +8058,170 @@
     <p:extLst>
       <p:ext uri="{BB962C8B-B14F-4D97-AF65-F5344CB8AC3E}">
         <p14:creationId xmlns:p14="http://schemas.microsoft.com/office/powerpoint/2010/main" val="1686522022"/>
+      </p:ext>
+    </p:extLst>
+  </p:cSld>
+  <p:clrMapOvr>
+    <a:masterClrMapping/>
+  </p:clrMapOvr>
+</p:sld>
+</file>
+
+<file path=ppt/slides/slide20.xml><?xml version="1.0" encoding="utf-8"?>
+<p:sld xmlns:a="http://schemas.openxmlformats.org/drawingml/2006/main" xmlns:r="http://schemas.openxmlformats.org/officeDocument/2006/relationships" xmlns:p="http://schemas.openxmlformats.org/presentationml/2006/main">
+  <p:cSld>
+    <p:spTree>
+      <p:nvGrpSpPr>
+        <p:cNvPr id="1" name=""/>
+        <p:cNvGrpSpPr/>
+        <p:nvPr/>
+      </p:nvGrpSpPr>
+      <p:grpSpPr>
+        <a:xfrm>
+          <a:off x="0" y="0"/>
+          <a:ext cx="0" cy="0"/>
+          <a:chOff x="0" y="0"/>
+          <a:chExt cx="0" cy="0"/>
+        </a:xfrm>
+      </p:grpSpPr>
+      <p:sp>
+        <p:nvSpPr>
+          <p:cNvPr id="2" name="Titel 1">
+            <a:extLst>
+              <a:ext uri="{FF2B5EF4-FFF2-40B4-BE49-F238E27FC236}">
+                <a16:creationId xmlns:a16="http://schemas.microsoft.com/office/drawing/2014/main" id="{A2272352-0CF8-43A1-9DC6-DF2F39DBF801}"/>
+              </a:ext>
+            </a:extLst>
+          </p:cNvPr>
+          <p:cNvSpPr>
+            <a:spLocks noGrp="1"/>
+          </p:cNvSpPr>
+          <p:nvPr>
+            <p:ph type="title"/>
+          </p:nvPr>
+        </p:nvSpPr>
+        <p:spPr/>
+        <p:txBody>
+          <a:bodyPr/>
+          <a:lstStyle/>
+          <a:p>
+            <a:r>
+              <a:rPr lang="de-DE" dirty="0"/>
+              <a:t>Fazit</a:t>
+            </a:r>
+          </a:p>
+        </p:txBody>
+      </p:sp>
+      <p:sp>
+        <p:nvSpPr>
+          <p:cNvPr id="3" name="Inhaltsplatzhalter 2">
+            <a:extLst>
+              <a:ext uri="{FF2B5EF4-FFF2-40B4-BE49-F238E27FC236}">
+                <a16:creationId xmlns:a16="http://schemas.microsoft.com/office/drawing/2014/main" id="{F14CA8AF-4471-4DA5-8F9B-58BF403047FA}"/>
+              </a:ext>
+            </a:extLst>
+          </p:cNvPr>
+          <p:cNvSpPr>
+            <a:spLocks noGrp="1"/>
+          </p:cNvSpPr>
+          <p:nvPr>
+            <p:ph idx="1"/>
+          </p:nvPr>
+        </p:nvSpPr>
+        <p:spPr/>
+        <p:txBody>
+          <a:bodyPr/>
+          <a:lstStyle/>
+          <a:p>
+            <a:r>
+              <a:rPr lang="de-DE" dirty="0"/>
+              <a:t>Was lief gut?</a:t>
+            </a:r>
+          </a:p>
+          <a:p>
+            <a:r>
+              <a:rPr lang="de-DE" dirty="0"/>
+              <a:t>Was lief schlecht?</a:t>
+            </a:r>
+          </a:p>
+          <a:p>
+            <a:r>
+              <a:rPr lang="de-DE" dirty="0"/>
+              <a:t>Probleme?</a:t>
+            </a:r>
+          </a:p>
+        </p:txBody>
+      </p:sp>
+    </p:spTree>
+    <p:extLst>
+      <p:ext uri="{BB962C8B-B14F-4D97-AF65-F5344CB8AC3E}">
+        <p14:creationId xmlns:p14="http://schemas.microsoft.com/office/powerpoint/2010/main" val="1576939315"/>
+      </p:ext>
+    </p:extLst>
+  </p:cSld>
+  <p:clrMapOvr>
+    <a:masterClrMapping/>
+  </p:clrMapOvr>
+</p:sld>
+</file>
+
+<file path=ppt/slides/slide21.xml><?xml version="1.0" encoding="utf-8"?>
+<p:sld xmlns:a="http://schemas.openxmlformats.org/drawingml/2006/main" xmlns:r="http://schemas.openxmlformats.org/officeDocument/2006/relationships" xmlns:p="http://schemas.openxmlformats.org/presentationml/2006/main">
+  <p:cSld>
+    <p:spTree>
+      <p:nvGrpSpPr>
+        <p:cNvPr id="1" name=""/>
+        <p:cNvGrpSpPr/>
+        <p:nvPr/>
+      </p:nvGrpSpPr>
+      <p:grpSpPr>
+        <a:xfrm>
+          <a:off x="0" y="0"/>
+          <a:ext cx="0" cy="0"/>
+          <a:chOff x="0" y="0"/>
+          <a:chExt cx="0" cy="0"/>
+        </a:xfrm>
+      </p:grpSpPr>
+      <p:sp>
+        <p:nvSpPr>
+          <p:cNvPr id="4" name="Textfeld 3">
+            <a:extLst>
+              <a:ext uri="{FF2B5EF4-FFF2-40B4-BE49-F238E27FC236}">
+                <a16:creationId xmlns:a16="http://schemas.microsoft.com/office/drawing/2014/main" id="{DCDEC1BB-779B-4CB1-804F-8946E45076FA}"/>
+              </a:ext>
+            </a:extLst>
+          </p:cNvPr>
+          <p:cNvSpPr txBox="1"/>
+          <p:nvPr/>
+        </p:nvSpPr>
+        <p:spPr>
+          <a:xfrm>
+            <a:off x="3729606" y="1982450"/>
+            <a:ext cx="4732788" cy="1446550"/>
+          </a:xfrm>
+          <a:prstGeom prst="rect">
+            <a:avLst/>
+          </a:prstGeom>
+          <a:noFill/>
+        </p:spPr>
+        <p:txBody>
+          <a:bodyPr wrap="square" rtlCol="0">
+            <a:spAutoFit/>
+          </a:bodyPr>
+          <a:lstStyle/>
+          <a:p>
+            <a:pPr algn="ctr"/>
+            <a:r>
+              <a:rPr lang="de-DE" sz="4400" dirty="0"/>
+              <a:t>Danke für Ihre Aufmerksamkeit!</a:t>
+            </a:r>
+          </a:p>
+        </p:txBody>
+      </p:sp>
+    </p:spTree>
+    <p:extLst>
+      <p:ext uri="{BB962C8B-B14F-4D97-AF65-F5344CB8AC3E}">
+        <p14:creationId xmlns:p14="http://schemas.microsoft.com/office/powerpoint/2010/main" val="959250572"/>
       </p:ext>
     </p:extLst>
   </p:cSld>
@@ -5785,6 +8440,12 @@
             </a:r>
           </a:p>
           <a:p>
+            <a:r>
+              <a:rPr lang="de-DE" dirty="0"/>
+              <a:t>Implementiert die MVC Architektur</a:t>
+            </a:r>
+          </a:p>
+          <a:p>
             <a:endParaRPr lang="de-DE" dirty="0"/>
           </a:p>
         </p:txBody>
@@ -5890,7 +8551,14 @@
           <a:p>
             <a:r>
               <a:rPr lang="de-DE" dirty="0"/>
-              <a:t>.NET Core Version wird hierfür verwendet.</a:t>
+              <a:t>.NET Core Version wird hierfür verwendet</a:t>
+            </a:r>
+          </a:p>
+          <a:p>
+            <a:pPr lvl="1"/>
+            <a:r>
+              <a:rPr lang="de-DE" dirty="0"/>
+              <a:t>Plattformunabhängig</a:t>
             </a:r>
           </a:p>
           <a:p>
@@ -6170,6 +8838,14 @@
 <file path=ppt/slides/slide8.xml><?xml version="1.0" encoding="utf-8"?>
 <p:sld xmlns:a="http://schemas.openxmlformats.org/drawingml/2006/main" xmlns:r="http://schemas.openxmlformats.org/officeDocument/2006/relationships" xmlns:p="http://schemas.openxmlformats.org/presentationml/2006/main">
   <p:cSld>
+    <p:bg>
+      <p:bgPr>
+        <a:solidFill>
+          <a:schemeClr val="bg2"/>
+        </a:solidFill>
+        <a:effectLst/>
+      </p:bgPr>
+    </p:bg>
     <p:spTree>
       <p:nvGrpSpPr>
         <p:cNvPr id="1" name=""/>
@@ -6186,10 +8862,10 @@
       </p:grpSpPr>
       <p:sp>
         <p:nvSpPr>
-          <p:cNvPr id="2" name="Title 1">
+          <p:cNvPr id="2" name="Titel 1">
             <a:extLst>
               <a:ext uri="{FF2B5EF4-FFF2-40B4-BE49-F238E27FC236}">
-                <a16:creationId xmlns:a16="http://schemas.microsoft.com/office/drawing/2014/main" id="{A2C93448-3742-C745-A1EA-2A4F915A55C9}"/>
+                <a16:creationId xmlns:a16="http://schemas.microsoft.com/office/drawing/2014/main" id="{FB66E8BB-7551-4972-807B-A7BE5F4F7706}"/>
               </a:ext>
             </a:extLst>
           </p:cNvPr>
@@ -6200,32 +8876,39 @@
             <p:ph type="title"/>
           </p:nvPr>
         </p:nvSpPr>
-        <p:spPr/>
-        <p:txBody>
-          <a:bodyPr/>
+        <p:spPr>
+          <a:xfrm>
+            <a:off x="810000" y="447188"/>
+            <a:ext cx="10571998" cy="970450"/>
+          </a:xfrm>
+        </p:spPr>
+        <p:txBody>
+          <a:bodyPr>
+            <a:normAutofit fontScale="90000"/>
+          </a:bodyPr>
           <a:lstStyle/>
           <a:p>
             <a:r>
               <a:rPr lang="de-DE" dirty="0"/>
-              <a:t>Container/Service –</a:t>
-            </a:r>
-            <a:r>
-              <a:rPr lang="de-DE" dirty="0" err="1"/>
-              <a:t>modell</a:t>
-            </a:r>
-            <a:r>
+              <a:t>EF Core Anwenden (Code First)</a:t>
+            </a:r>
+            <a:br>
               <a:rPr lang="de-DE" dirty="0"/>
-              <a:t> (1)</a:t>
-            </a:r>
-          </a:p>
-        </p:txBody>
-      </p:sp>
-      <p:sp>
-        <p:nvSpPr>
-          <p:cNvPr id="3" name="Content Placeholder 2">
+            </a:br>
+            <a:r>
+              <a:rPr lang="de-DE" sz="2800" dirty="0"/>
+              <a:t>Kontext erstellen</a:t>
+            </a:r>
+            <a:endParaRPr lang="de-DE" dirty="0"/>
+          </a:p>
+        </p:txBody>
+      </p:sp>
+      <p:sp>
+        <p:nvSpPr>
+          <p:cNvPr id="3" name="Inhaltsplatzhalter 2">
             <a:extLst>
               <a:ext uri="{FF2B5EF4-FFF2-40B4-BE49-F238E27FC236}">
-                <a16:creationId xmlns:a16="http://schemas.microsoft.com/office/drawing/2014/main" id="{A3B604BD-E745-574C-857C-07D071B49CB4}"/>
+                <a16:creationId xmlns:a16="http://schemas.microsoft.com/office/drawing/2014/main" id="{E21419B2-B4E4-4FD7-A75F-B58ECCC7A1C0}"/>
               </a:ext>
             </a:extLst>
           </p:cNvPr>
@@ -6236,72 +8919,137 @@
             <p:ph idx="1"/>
           </p:nvPr>
         </p:nvSpPr>
-        <p:spPr/>
-        <p:txBody>
-          <a:bodyPr/>
-          <a:lstStyle/>
-          <a:p>
+        <p:spPr>
+          <a:xfrm>
+            <a:off x="809188" y="2479675"/>
+            <a:ext cx="3835583" cy="3632200"/>
+          </a:xfrm>
+        </p:spPr>
+        <p:txBody>
+          <a:bodyPr>
+            <a:normAutofit/>
+          </a:bodyPr>
+          <a:lstStyle/>
+          <a:p>
+            <a:pPr>
+              <a:buAutoNum type="arabicPeriod"/>
+            </a:pPr>
             <a:r>
               <a:rPr lang="de-DE" dirty="0"/>
-              <a:t>Frameworks besitzen meist nativen Container</a:t>
-            </a:r>
-          </a:p>
-          <a:p>
+              <a:t>Klasse erstellen</a:t>
+            </a:r>
+          </a:p>
+          <a:p>
+            <a:pPr marL="0" indent="0">
+              <a:buAutoNum type="arabicPeriod"/>
+            </a:pPr>
             <a:r>
               <a:rPr lang="de-DE" dirty="0"/>
-              <a:t>Sinn:</a:t>
-            </a:r>
-          </a:p>
-          <a:p>
-            <a:pPr lvl="1"/>
+              <a:t>  </a:t>
+            </a:r>
+            <a:r>
+              <a:rPr lang="de-DE" dirty="0" err="1"/>
+              <a:t>using</a:t>
+            </a:r>
             <a:r>
               <a:rPr lang="de-DE" dirty="0"/>
-              <a:t>Optimierung der Applikationsarchitektur erfordert verteilte Klassen</a:t>
-            </a:r>
-          </a:p>
-          <a:p>
-            <a:pPr lvl="1"/>
+              <a:t> hinzufügen</a:t>
+            </a:r>
+          </a:p>
+          <a:p>
+            <a:pPr marL="0" indent="0">
+              <a:buAutoNum type="arabicPeriod"/>
+            </a:pPr>
             <a:r>
               <a:rPr lang="de-DE" dirty="0"/>
-              <a:t>Laden vom </a:t>
+              <a:t>  Von </a:t>
             </a:r>
             <a:r>
               <a:rPr lang="de-DE" dirty="0" err="1"/>
-              <a:t>FileSystem</a:t>
+              <a:t>DbContext</a:t>
             </a:r>
             <a:r>
               <a:rPr lang="de-DE" dirty="0"/>
-              <a:t> verbraucht viele Ressourcen</a:t>
-            </a:r>
-          </a:p>
-          <a:p>
-            <a:pPr lvl="1"/>
+              <a:t> erben</a:t>
+            </a:r>
+          </a:p>
+          <a:p>
+            <a:pPr marL="0" indent="0">
+              <a:buAutoNum type="arabicPeriod"/>
+            </a:pPr>
+            <a:endParaRPr lang="de-DE" dirty="0"/>
+          </a:p>
+          <a:p>
             <a:r>
               <a:rPr lang="de-DE" dirty="0"/>
-              <a:t>Services müssen zur Laufzeit verfügbar sein</a:t>
-            </a:r>
-          </a:p>
-          <a:p>
-            <a:pPr lvl="1"/>
-            <a:r>
-              <a:rPr lang="de-DE" dirty="0"/>
-              <a:t>Services sollten „</a:t>
-            </a:r>
-            <a:r>
-              <a:rPr lang="de-DE" dirty="0" err="1"/>
-              <a:t>unique</a:t>
-            </a:r>
-            <a:r>
-              <a:rPr lang="de-DE" dirty="0"/>
-              <a:t>“ sein</a:t>
-            </a:r>
-          </a:p>
-        </p:txBody>
-      </p:sp>
+              <a:t>Entspricht der Datenbank</a:t>
+            </a:r>
+          </a:p>
+          <a:p>
+            <a:pPr marL="800100" lvl="1" indent="-342900">
+              <a:buAutoNum type="arabicPeriod"/>
+            </a:pPr>
+            <a:endParaRPr lang="de-DE" dirty="0"/>
+          </a:p>
+          <a:p>
+            <a:pPr marL="800100" lvl="1" indent="-342900">
+              <a:buAutoNum type="arabicPeriod"/>
+            </a:pPr>
+            <a:endParaRPr lang="de-DE" dirty="0"/>
+          </a:p>
+          <a:p>
+            <a:pPr marL="800100" lvl="1">
+              <a:buAutoNum type="arabicPeriod"/>
+            </a:pPr>
+            <a:endParaRPr lang="de-DE" sz="1600" dirty="0"/>
+          </a:p>
+          <a:p>
+            <a:endParaRPr lang="de-DE" sz="1600"/>
+          </a:p>
+        </p:txBody>
+      </p:sp>
+      <p:pic>
+        <p:nvPicPr>
+          <p:cNvPr id="8" name="Grafik 8">
+            <a:extLst>
+              <a:ext uri="{FF2B5EF4-FFF2-40B4-BE49-F238E27FC236}">
+                <a16:creationId xmlns:a16="http://schemas.microsoft.com/office/drawing/2014/main" id="{E0AB635C-AC28-4B7B-A8CC-B3DE43B769B8}"/>
+              </a:ext>
+            </a:extLst>
+          </p:cNvPr>
+          <p:cNvPicPr>
+            <a:picLocks noChangeAspect="1"/>
+          </p:cNvPicPr>
+          <p:nvPr/>
+        </p:nvPicPr>
+        <p:blipFill>
+          <a:blip r:embed="rId2"/>
+          <a:stretch>
+            <a:fillRect/>
+          </a:stretch>
+        </p:blipFill>
+        <p:spPr>
+          <a:xfrm>
+            <a:off x="4644647" y="2479073"/>
+            <a:ext cx="6277349" cy="2441191"/>
+          </a:xfrm>
+          <a:prstGeom prst="roundRect">
+            <a:avLst>
+              <a:gd name="adj" fmla="val 3876"/>
+            </a:avLst>
+          </a:prstGeom>
+          <a:ln>
+            <a:solidFill>
+              <a:schemeClr val="accent1"/>
+            </a:solidFill>
+          </a:ln>
+          <a:effectLst/>
+        </p:spPr>
+      </p:pic>
     </p:spTree>
     <p:extLst>
       <p:ext uri="{BB962C8B-B14F-4D97-AF65-F5344CB8AC3E}">
-        <p14:creationId xmlns:p14="http://schemas.microsoft.com/office/powerpoint/2010/main" val="1348959206"/>
+        <p14:creationId xmlns:p14="http://schemas.microsoft.com/office/powerpoint/2010/main" val="1668074037"/>
       </p:ext>
     </p:extLst>
   </p:cSld>
@@ -6314,6 +9062,14 @@
 <file path=ppt/slides/slide9.xml><?xml version="1.0" encoding="utf-8"?>
 <p:sld xmlns:a="http://schemas.openxmlformats.org/drawingml/2006/main" xmlns:r="http://schemas.openxmlformats.org/officeDocument/2006/relationships" xmlns:p="http://schemas.openxmlformats.org/presentationml/2006/main">
   <p:cSld>
+    <p:bg>
+      <p:bgPr>
+        <a:solidFill>
+          <a:schemeClr val="bg2"/>
+        </a:solidFill>
+        <a:effectLst/>
+      </p:bgPr>
+    </p:bg>
     <p:spTree>
       <p:nvGrpSpPr>
         <p:cNvPr id="1" name=""/>
@@ -6330,10 +9086,10 @@
       </p:grpSpPr>
       <p:sp>
         <p:nvSpPr>
-          <p:cNvPr id="2" name="Title 1">
+          <p:cNvPr id="2" name="Titel 1">
             <a:extLst>
               <a:ext uri="{FF2B5EF4-FFF2-40B4-BE49-F238E27FC236}">
-                <a16:creationId xmlns:a16="http://schemas.microsoft.com/office/drawing/2014/main" id="{A2C93448-3742-C745-A1EA-2A4F915A55C9}"/>
+                <a16:creationId xmlns:a16="http://schemas.microsoft.com/office/drawing/2014/main" id="{FFCBC798-DA57-4E73-B3F2-36144C73C414}"/>
               </a:ext>
             </a:extLst>
           </p:cNvPr>
@@ -6344,32 +9100,38 @@
             <p:ph type="title"/>
           </p:nvPr>
         </p:nvSpPr>
-        <p:spPr/>
-        <p:txBody>
-          <a:bodyPr/>
+        <p:spPr>
+          <a:xfrm>
+            <a:off x="810000" y="447188"/>
+            <a:ext cx="10571998" cy="970450"/>
+          </a:xfrm>
+        </p:spPr>
+        <p:txBody>
+          <a:bodyPr>
+            <a:normAutofit fontScale="90000"/>
+          </a:bodyPr>
           <a:lstStyle/>
           <a:p>
             <a:r>
               <a:rPr lang="de-DE" dirty="0"/>
-              <a:t>Container/Service –</a:t>
-            </a:r>
-            <a:r>
-              <a:rPr lang="de-DE" dirty="0" err="1"/>
-              <a:t>modell</a:t>
-            </a:r>
-            <a:r>
+              <a:t>EF Core Anwenden (Code First)</a:t>
+            </a:r>
+            <a:br>
               <a:rPr lang="de-DE" dirty="0"/>
-              <a:t> (2)</a:t>
-            </a:r>
-          </a:p>
-        </p:txBody>
-      </p:sp>
-      <p:sp>
-        <p:nvSpPr>
-          <p:cNvPr id="3" name="Content Placeholder 2">
+            </a:br>
+            <a:r>
+              <a:rPr lang="de-DE" sz="2800" dirty="0"/>
+              <a:t>Modelle erstellen</a:t>
+            </a:r>
+          </a:p>
+        </p:txBody>
+      </p:sp>
+      <p:sp>
+        <p:nvSpPr>
+          <p:cNvPr id="3" name="Inhaltsplatzhalter 2">
             <a:extLst>
               <a:ext uri="{FF2B5EF4-FFF2-40B4-BE49-F238E27FC236}">
-                <a16:creationId xmlns:a16="http://schemas.microsoft.com/office/drawing/2014/main" id="{A3B604BD-E745-574C-857C-07D071B49CB4}"/>
+                <a16:creationId xmlns:a16="http://schemas.microsoft.com/office/drawing/2014/main" id="{51BFDDEC-8852-454A-805F-D84F31EB8D40}"/>
               </a:ext>
             </a:extLst>
           </p:cNvPr>
@@ -6380,79 +9142,91 @@
             <p:ph idx="1"/>
           </p:nvPr>
         </p:nvSpPr>
-        <p:spPr/>
-        <p:txBody>
-          <a:bodyPr/>
+        <p:spPr>
+          <a:xfrm>
+            <a:off x="771088" y="2413000"/>
+            <a:ext cx="3835583" cy="3632200"/>
+          </a:xfrm>
+        </p:spPr>
+        <p:txBody>
+          <a:bodyPr>
+            <a:normAutofit/>
+          </a:bodyPr>
           <a:lstStyle/>
           <a:p>
             <a:r>
               <a:rPr lang="de-DE" dirty="0"/>
-              <a:t>Implementation:</a:t>
-            </a:r>
-          </a:p>
-          <a:p>
-            <a:pPr lvl="1"/>
-            <a:r>
-              <a:rPr lang="de-DE" dirty="0"/>
-              <a:t>Simplifiziert:</a:t>
-            </a:r>
-          </a:p>
-          <a:p>
-            <a:pPr lvl="2"/>
-            <a:r>
-              <a:rPr lang="de-DE" dirty="0"/>
-              <a:t>Registry für Objekte</a:t>
-            </a:r>
-          </a:p>
-          <a:p>
-            <a:pPr lvl="1"/>
-            <a:r>
-              <a:rPr lang="de-DE" dirty="0"/>
-              <a:t>Produktive Implementationen:</a:t>
-            </a:r>
-          </a:p>
-          <a:p>
-            <a:pPr lvl="2"/>
-            <a:r>
-              <a:rPr lang="de-DE" dirty="0" err="1"/>
-              <a:t>Symfony</a:t>
-            </a:r>
-            <a:r>
-              <a:rPr lang="de-DE" dirty="0"/>
-              <a:t>, </a:t>
-            </a:r>
-            <a:r>
-              <a:rPr lang="de-DE" dirty="0" err="1"/>
-              <a:t>EntityFrameWork</a:t>
-            </a:r>
-            <a:r>
-              <a:rPr lang="de-DE" dirty="0"/>
-              <a:t>, </a:t>
-            </a:r>
-            <a:r>
-              <a:rPr lang="de-DE" dirty="0" err="1"/>
-              <a:t>Laravel</a:t>
-            </a:r>
+              <a:t>Entsprechen den Tabellen</a:t>
+            </a:r>
+          </a:p>
+          <a:p>
             <a:endParaRPr lang="de-DE" dirty="0"/>
           </a:p>
           <a:p>
-            <a:pPr lvl="2"/>
             <a:endParaRPr lang="de-DE" dirty="0"/>
           </a:p>
           <a:p>
-            <a:pPr lvl="2"/>
-            <a:endParaRPr lang="de-DE" dirty="0"/>
-          </a:p>
-          <a:p>
-            <a:pPr lvl="1"/>
-            <a:endParaRPr lang="de-DE" dirty="0"/>
-          </a:p>
-        </p:txBody>
-      </p:sp>
+            <a:endParaRPr lang="de-DE" sz="1600"/>
+          </a:p>
+          <a:p>
+            <a:endParaRPr lang="de-DE" sz="1600"/>
+          </a:p>
+          <a:p>
+            <a:endParaRPr lang="de-DE" sz="1600"/>
+          </a:p>
+          <a:p>
+            <a:endParaRPr lang="de-DE" sz="1600"/>
+          </a:p>
+          <a:p>
+            <a:endParaRPr lang="de-DE" sz="1600"/>
+          </a:p>
+          <a:p>
+            <a:endParaRPr lang="de-DE" sz="1600"/>
+          </a:p>
+        </p:txBody>
+      </p:sp>
+      <p:pic>
+        <p:nvPicPr>
+          <p:cNvPr id="4" name="Grafik 4" descr="Ein Bild, das drinnen enthält.&#10;&#10;Mit hoher Zuverlässigkeit generierte Beschreibung">
+            <a:extLst>
+              <a:ext uri="{FF2B5EF4-FFF2-40B4-BE49-F238E27FC236}">
+                <a16:creationId xmlns:a16="http://schemas.microsoft.com/office/drawing/2014/main" id="{EF18F0C6-64D9-4762-8CCE-13AE590EF4A7}"/>
+              </a:ext>
+            </a:extLst>
+          </p:cNvPr>
+          <p:cNvPicPr>
+            <a:picLocks noChangeAspect="1"/>
+          </p:cNvPicPr>
+          <p:nvPr/>
+        </p:nvPicPr>
+        <p:blipFill>
+          <a:blip r:embed="rId2"/>
+          <a:stretch>
+            <a:fillRect/>
+          </a:stretch>
+        </p:blipFill>
+        <p:spPr>
+          <a:xfrm>
+            <a:off x="4606549" y="2412383"/>
+            <a:ext cx="6277349" cy="3488972"/>
+          </a:xfrm>
+          <a:prstGeom prst="roundRect">
+            <a:avLst>
+              <a:gd name="adj" fmla="val 3876"/>
+            </a:avLst>
+          </a:prstGeom>
+          <a:ln>
+            <a:solidFill>
+              <a:schemeClr val="accent1"/>
+            </a:solidFill>
+          </a:ln>
+          <a:effectLst/>
+        </p:spPr>
+      </p:pic>
     </p:spTree>
     <p:extLst>
       <p:ext uri="{BB962C8B-B14F-4D97-AF65-F5344CB8AC3E}">
-        <p14:creationId xmlns:p14="http://schemas.microsoft.com/office/powerpoint/2010/main" val="66315171"/>
+        <p14:creationId xmlns:p14="http://schemas.microsoft.com/office/powerpoint/2010/main" val="753452523"/>
       </p:ext>
     </p:extLst>
   </p:cSld>

--- a/Projekt/Präsentation/Cookie Clicker.pptx
+++ b/Projekt/Präsentation/Cookie Clicker.pptx
@@ -903,7 +903,7 @@
           <a:effectLst/>
           <a:extLst>
             <a:ext uri="{91240B29-F687-4f45-9708-019B960494DF}">
-              <a14:hiddenLine xmlns:a14="http://schemas.microsoft.com/office/drawing/2010/main" xmlns="" w="9525">
+              <a14:hiddenLine xmlns="" xmlns:a14="http://schemas.microsoft.com/office/drawing/2010/main" w="9525">
                 <a:solidFill>
                   <a:srgbClr val="000000"/>
                 </a:solidFill>
@@ -1096,7 +1096,7 @@
             <a:fld id="{08B9EBBA-996F-894A-B54A-D6246ED52CEA}" type="datetimeFigureOut">
               <a:rPr lang="en-US" dirty="0"/>
               <a:pPr/>
-              <a:t>6/17/2018</a:t>
+              <a:t>6/18/18</a:t>
             </a:fld>
             <a:endParaRPr lang="en-US" dirty="0"/>
           </a:p>
@@ -1139,7 +1139,7 @@
             <a:fld id="{D57F1E4F-1CFF-5643-939E-217C01CDF565}" type="slidenum">
               <a:rPr lang="en-US" dirty="0"/>
               <a:pPr/>
-              <a:t>‹Nr.›</a:t>
+              <a:t>‹#›</a:t>
             </a:fld>
             <a:endParaRPr lang="en-US" dirty="0"/>
           </a:p>
@@ -1411,7 +1411,7 @@
             <a:fld id="{18C79C5D-2A6F-F04D-97DA-BEF2467B64E4}" type="datetimeFigureOut">
               <a:rPr lang="en-US" dirty="0"/>
               <a:pPr/>
-              <a:t>6/17/2018</a:t>
+              <a:t>6/18/18</a:t>
             </a:fld>
             <a:endParaRPr lang="en-US" dirty="0"/>
           </a:p>
@@ -1454,7 +1454,7 @@
             <a:fld id="{D57F1E4F-1CFF-5643-939E-217C01CDF565}" type="slidenum">
               <a:rPr lang="en-US" dirty="0"/>
               <a:pPr/>
-              <a:t>‹Nr.›</a:t>
+              <a:t>‹#›</a:t>
             </a:fld>
             <a:endParaRPr lang="en-US" dirty="0"/>
           </a:p>
@@ -1896,7 +1896,7 @@
             <a:fld id="{8DFA1846-DA80-1C48-A609-854EA85C59AD}" type="datetimeFigureOut">
               <a:rPr lang="en-US" dirty="0"/>
               <a:pPr/>
-              <a:t>6/17/2018</a:t>
+              <a:t>6/18/18</a:t>
             </a:fld>
             <a:endParaRPr lang="en-US" dirty="0"/>
           </a:p>
@@ -1939,7 +1939,7 @@
             <a:fld id="{D57F1E4F-1CFF-5643-939E-217C01CDF565}" type="slidenum">
               <a:rPr lang="en-US" dirty="0"/>
               <a:pPr/>
-              <a:t>‹Nr.›</a:t>
+              <a:t>‹#›</a:t>
             </a:fld>
             <a:endParaRPr lang="en-US" dirty="0"/>
           </a:p>
@@ -2262,7 +2262,7 @@
             <a:fld id="{FBF54567-0DE4-3F47-BF90-CB84690072F9}" type="datetimeFigureOut">
               <a:rPr lang="en-US" dirty="0"/>
               <a:pPr/>
-              <a:t>6/17/2018</a:t>
+              <a:t>6/18/18</a:t>
             </a:fld>
             <a:endParaRPr lang="en-US" dirty="0"/>
           </a:p>
@@ -2305,7 +2305,7 @@
             <a:fld id="{D57F1E4F-1CFF-5643-939E-217C01CDF565}" type="slidenum">
               <a:rPr lang="en-US" dirty="0"/>
               <a:pPr/>
-              <a:t>‹Nr.›</a:t>
+              <a:t>‹#›</a:t>
             </a:fld>
             <a:endParaRPr lang="en-US" dirty="0"/>
           </a:p>
@@ -2413,7 +2413,7 @@
           <a:ln/>
           <a:extLst>
             <a:ext uri="{91240B29-F687-4f45-9708-019B960494DF}">
-              <a14:hiddenLine xmlns:a14="http://schemas.microsoft.com/office/drawing/2010/main" xmlns="" w="9525">
+              <a14:hiddenLine xmlns="" xmlns:a14="http://schemas.microsoft.com/office/drawing/2010/main" w="9525">
                 <a:solidFill>
                   <a:srgbClr val="000000"/>
                 </a:solidFill>
@@ -2532,7 +2532,7 @@
             <a:fld id="{C6C52C72-DE31-F449-A4ED-4C594FD91407}" type="datetimeFigureOut">
               <a:rPr lang="en-US" dirty="0"/>
               <a:pPr/>
-              <a:t>6/17/2018</a:t>
+              <a:t>6/18/18</a:t>
             </a:fld>
             <a:endParaRPr lang="en-US" dirty="0"/>
           </a:p>
@@ -2575,7 +2575,7 @@
             <a:fld id="{D57F1E4F-1CFF-5643-939E-217C01CDF565}" type="slidenum">
               <a:rPr lang="en-US" dirty="0"/>
               <a:pPr/>
-              <a:t>‹Nr.›</a:t>
+              <a:t>‹#›</a:t>
             </a:fld>
             <a:endParaRPr lang="en-US" dirty="0"/>
           </a:p>
@@ -2685,7 +2685,7 @@
           <a:ln/>
           <a:extLst>
             <a:ext uri="{91240B29-F687-4f45-9708-019B960494DF}">
-              <a14:hiddenLine xmlns:a14="http://schemas.microsoft.com/office/drawing/2010/main" xmlns="" w="9525">
+              <a14:hiddenLine xmlns="" xmlns:a14="http://schemas.microsoft.com/office/drawing/2010/main" w="9525">
                 <a:solidFill>
                   <a:srgbClr val="000000"/>
                 </a:solidFill>
@@ -2814,7 +2814,7 @@
             <a:fld id="{ED62726E-379B-B349-9EED-81ED093FA806}" type="datetimeFigureOut">
               <a:rPr lang="en-US" dirty="0"/>
               <a:pPr/>
-              <a:t>6/17/2018</a:t>
+              <a:t>6/18/18</a:t>
             </a:fld>
             <a:endParaRPr lang="en-US" dirty="0"/>
           </a:p>
@@ -2857,7 +2857,7 @@
             <a:fld id="{D57F1E4F-1CFF-5643-939E-217C01CDF565}" type="slidenum">
               <a:rPr lang="en-US" dirty="0"/>
               <a:pPr/>
-              <a:t>‹Nr.›</a:t>
+              <a:t>‹#›</a:t>
             </a:fld>
             <a:endParaRPr lang="en-US" dirty="0"/>
           </a:p>
@@ -2965,7 +2965,7 @@
           <a:ln/>
           <a:extLst>
             <a:ext uri="{91240B29-F687-4f45-9708-019B960494DF}">
-              <a14:hiddenLine xmlns:a14="http://schemas.microsoft.com/office/drawing/2010/main" xmlns="" w="9525">
+              <a14:hiddenLine xmlns="" xmlns:a14="http://schemas.microsoft.com/office/drawing/2010/main" w="9525">
                 <a:solidFill>
                   <a:srgbClr val="000000"/>
                 </a:solidFill>
@@ -3094,7 +3094,7 @@
             <a:fld id="{9B3A1323-8D79-1946-B0D7-40001CF92E9D}" type="datetimeFigureOut">
               <a:rPr lang="en-US" dirty="0"/>
               <a:pPr/>
-              <a:t>6/17/2018</a:t>
+              <a:t>6/18/18</a:t>
             </a:fld>
             <a:endParaRPr lang="en-US" dirty="0"/>
           </a:p>
@@ -3137,7 +3137,7 @@
             <a:fld id="{D57F1E4F-1CFF-5643-939E-217C01CDF565}" type="slidenum">
               <a:rPr lang="en-US" dirty="0"/>
               <a:pPr/>
-              <a:t>‹Nr.›</a:t>
+              <a:t>‹#›</a:t>
             </a:fld>
             <a:endParaRPr lang="en-US" dirty="0"/>
           </a:p>
@@ -3434,7 +3434,7 @@
             <a:fld id="{8DFA1846-DA80-1C48-A609-854EA85C59AD}" type="datetimeFigureOut">
               <a:rPr lang="en-US" dirty="0"/>
               <a:pPr/>
-              <a:t>6/17/2018</a:t>
+              <a:t>6/18/18</a:t>
             </a:fld>
             <a:endParaRPr lang="en-US" dirty="0"/>
           </a:p>
@@ -3477,7 +3477,7 @@
             <a:fld id="{D57F1E4F-1CFF-5643-939E-217C01CDF565}" type="slidenum">
               <a:rPr lang="en-US" dirty="0"/>
               <a:pPr/>
-              <a:t>‹Nr.›</a:t>
+              <a:t>‹#›</a:t>
             </a:fld>
             <a:endParaRPr lang="en-US" dirty="0"/>
           </a:p>
@@ -3585,7 +3585,7 @@
           <a:ln/>
           <a:extLst>
             <a:ext uri="{91240B29-F687-4f45-9708-019B960494DF}">
-              <a14:hiddenLine xmlns:a14="http://schemas.microsoft.com/office/drawing/2010/main" xmlns="" w="9525">
+              <a14:hiddenLine xmlns="" xmlns:a14="http://schemas.microsoft.com/office/drawing/2010/main" w="9525">
                 <a:solidFill>
                   <a:srgbClr val="000000"/>
                 </a:solidFill>
@@ -3770,7 +3770,7 @@
             <a:fld id="{57302355-E14B-8545-A8F8-0FE83CC9D524}" type="datetimeFigureOut">
               <a:rPr lang="en-US" dirty="0"/>
               <a:pPr/>
-              <a:t>6/17/2018</a:t>
+              <a:t>6/18/18</a:t>
             </a:fld>
             <a:endParaRPr lang="en-US" dirty="0"/>
           </a:p>
@@ -3813,7 +3813,7 @@
             <a:fld id="{D57F1E4F-1CFF-5643-939E-217C01CDF565}" type="slidenum">
               <a:rPr lang="en-US" dirty="0"/>
               <a:pPr/>
-              <a:t>‹Nr.›</a:t>
+              <a:t>‹#›</a:t>
             </a:fld>
             <a:endParaRPr lang="en-US" dirty="0"/>
           </a:p>
@@ -3921,7 +3921,7 @@
           <a:ln/>
           <a:extLst>
             <a:ext uri="{91240B29-F687-4f45-9708-019B960494DF}">
-              <a14:hiddenLine xmlns:a14="http://schemas.microsoft.com/office/drawing/2010/main" xmlns="" w="9525">
+              <a14:hiddenLine xmlns="" xmlns:a14="http://schemas.microsoft.com/office/drawing/2010/main" w="9525">
                 <a:solidFill>
                   <a:srgbClr val="000000"/>
                 </a:solidFill>
@@ -4244,7 +4244,7 @@
             <a:fld id="{02640F58-564D-2B4F-AE67-E407BA4FCF45}" type="datetimeFigureOut">
               <a:rPr lang="en-US" dirty="0"/>
               <a:pPr/>
-              <a:t>6/17/2018</a:t>
+              <a:t>6/18/18</a:t>
             </a:fld>
             <a:endParaRPr lang="en-US" dirty="0"/>
           </a:p>
@@ -4287,7 +4287,7 @@
             <a:fld id="{D57F1E4F-1CFF-5643-939E-217C01CDF565}" type="slidenum">
               <a:rPr lang="en-US" dirty="0"/>
               <a:pPr/>
-              <a:t>‹Nr.›</a:t>
+              <a:t>‹#›</a:t>
             </a:fld>
             <a:endParaRPr lang="en-US" dirty="0"/>
           </a:p>
@@ -4395,7 +4395,7 @@
           <a:ln/>
           <a:extLst>
             <a:ext uri="{91240B29-F687-4f45-9708-019B960494DF}">
-              <a14:hiddenLine xmlns:a14="http://schemas.microsoft.com/office/drawing/2010/main" xmlns="" w="9525">
+              <a14:hiddenLine xmlns="" xmlns:a14="http://schemas.microsoft.com/office/drawing/2010/main" w="9525">
                 <a:solidFill>
                   <a:srgbClr val="000000"/>
                 </a:solidFill>
@@ -4462,7 +4462,7 @@
             <a:fld id="{F13A34C8-038E-2045-AF43-DF7DBB8E0E9E}" type="datetimeFigureOut">
               <a:rPr lang="en-US" dirty="0"/>
               <a:pPr/>
-              <a:t>6/17/2018</a:t>
+              <a:t>6/18/18</a:t>
             </a:fld>
             <a:endParaRPr lang="en-US" dirty="0"/>
           </a:p>
@@ -4505,7 +4505,7 @@
             <a:fld id="{D57F1E4F-1CFF-5643-939E-217C01CDF565}" type="slidenum">
               <a:rPr lang="en-US" dirty="0"/>
               <a:pPr/>
-              <a:t>‹Nr.›</a:t>
+              <a:t>‹#›</a:t>
             </a:fld>
             <a:endParaRPr lang="en-US" dirty="0"/>
           </a:p>
@@ -4554,7 +4554,7 @@
             <a:fld id="{8818C68F-D26B-8F47-958C-23B49CF8A634}" type="datetimeFigureOut">
               <a:rPr lang="en-US" dirty="0"/>
               <a:pPr/>
-              <a:t>6/17/2018</a:t>
+              <a:t>6/18/18</a:t>
             </a:fld>
             <a:endParaRPr lang="en-US" dirty="0"/>
           </a:p>
@@ -4597,7 +4597,7 @@
             <a:fld id="{D57F1E4F-1CFF-5643-939E-217C01CDF565}" type="slidenum">
               <a:rPr lang="en-US" dirty="0"/>
               <a:pPr/>
-              <a:t>‹Nr.›</a:t>
+              <a:t>‹#›</a:t>
             </a:fld>
             <a:endParaRPr lang="en-US" dirty="0"/>
           </a:p>
@@ -4818,7 +4818,7 @@
           <a:ln/>
           <a:extLst>
             <a:ext uri="{91240B29-F687-4f45-9708-019B960494DF}">
-              <a14:hiddenLine xmlns:a14="http://schemas.microsoft.com/office/drawing/2010/main" xmlns="" w="9525">
+              <a14:hiddenLine xmlns="" xmlns:a14="http://schemas.microsoft.com/office/drawing/2010/main" w="9525">
                 <a:solidFill>
                   <a:srgbClr val="000000"/>
                 </a:solidFill>
@@ -5018,7 +5018,7 @@
             <a:fld id="{D0DF5E60-9974-AC48-9591-99C2BB44B7CF}" type="datetimeFigureOut">
               <a:rPr lang="en-US" dirty="0"/>
               <a:pPr/>
-              <a:t>6/17/2018</a:t>
+              <a:t>6/18/18</a:t>
             </a:fld>
             <a:endParaRPr lang="en-US" dirty="0"/>
           </a:p>
@@ -5061,7 +5061,7 @@
             <a:fld id="{D57F1E4F-1CFF-5643-939E-217C01CDF565}" type="slidenum">
               <a:rPr lang="en-US" dirty="0"/>
               <a:pPr/>
-              <a:t>‹Nr.›</a:t>
+              <a:t>‹#›</a:t>
             </a:fld>
             <a:endParaRPr lang="en-US" dirty="0"/>
           </a:p>
@@ -5328,7 +5328,7 @@
             <a:fld id="{18C79C5D-2A6F-F04D-97DA-BEF2467B64E4}" type="datetimeFigureOut">
               <a:rPr lang="en-US" dirty="0"/>
               <a:pPr/>
-              <a:t>6/17/2018</a:t>
+              <a:t>6/18/18</a:t>
             </a:fld>
             <a:endParaRPr lang="en-US" dirty="0"/>
           </a:p>
@@ -5381,7 +5381,7 @@
             <a:fld id="{D57F1E4F-1CFF-5643-939E-217C01CDF565}" type="slidenum">
               <a:rPr lang="en-US" dirty="0"/>
               <a:pPr/>
-              <a:t>‹Nr.›</a:t>
+              <a:t>‹#›</a:t>
             </a:fld>
             <a:endParaRPr lang="en-US" dirty="0"/>
           </a:p>
@@ -5595,7 +5595,7 @@
             <a:fld id="{09B482E8-6E0E-1B4F-B1FD-C69DB9E858D9}" type="datetimeFigureOut">
               <a:rPr lang="en-US" dirty="0"/>
               <a:pPr/>
-              <a:t>6/17/2018</a:t>
+              <a:t>6/18/18</a:t>
             </a:fld>
             <a:endParaRPr lang="en-US" dirty="0"/>
           </a:p>
@@ -5635,7 +5635,7 @@
             <a:fld id="{D57F1E4F-1CFF-5643-939E-217C01CDF565}" type="slidenum">
               <a:rPr lang="en-US" dirty="0"/>
               <a:pPr/>
-              <a:t>‹Nr.›</a:t>
+              <a:t>‹#›</a:t>
             </a:fld>
             <a:endParaRPr lang="en-US" dirty="0"/>
           </a:p>
@@ -6397,6 +6397,7 @@
               <a:rPr lang="de-DE" dirty="0" err="1"/>
               <a:t>UseSqlServer</a:t>
             </a:r>
+            <a:endParaRPr lang="de-DE" dirty="0"/>
           </a:p>
           <a:p>
             <a:r>
@@ -6408,22 +6409,22 @@
             <a:endParaRPr lang="de-DE" dirty="0"/>
           </a:p>
           <a:p>
-            <a:endParaRPr lang="de-DE" sz="1600"/>
-          </a:p>
-          <a:p>
-            <a:endParaRPr lang="de-DE" sz="1600"/>
-          </a:p>
-          <a:p>
-            <a:endParaRPr lang="de-DE" sz="1600"/>
-          </a:p>
-          <a:p>
-            <a:endParaRPr lang="de-DE" sz="1600"/>
-          </a:p>
-          <a:p>
-            <a:endParaRPr lang="de-DE" sz="1600"/>
-          </a:p>
-          <a:p>
-            <a:endParaRPr lang="de-DE" sz="1600"/>
+            <a:endParaRPr lang="de-DE" sz="1600" dirty="0"/>
+          </a:p>
+          <a:p>
+            <a:endParaRPr lang="de-DE" sz="1600" dirty="0"/>
+          </a:p>
+          <a:p>
+            <a:endParaRPr lang="de-DE" sz="1600" dirty="0"/>
+          </a:p>
+          <a:p>
+            <a:endParaRPr lang="de-DE" sz="1600" dirty="0"/>
+          </a:p>
+          <a:p>
+            <a:endParaRPr lang="de-DE" sz="1600" dirty="0"/>
+          </a:p>
+          <a:p>
+            <a:endParaRPr lang="de-DE" sz="1600" dirty="0"/>
           </a:p>
         </p:txBody>
       </p:sp>
@@ -6576,7 +6577,6 @@
               <a:rPr lang="de-DE" dirty="0"/>
               <a:t> prüft korrekten Connection String</a:t>
             </a:r>
-            <a:endParaRPr lang="de-DE"/>
           </a:p>
           <a:p>
             <a:endParaRPr lang="de-DE" dirty="0">
@@ -8052,6 +8052,12 @@
               <a:t>Container-Services Modell</a:t>
             </a:r>
           </a:p>
+          <a:p>
+            <a:r>
+              <a:rPr lang="de-DE" dirty="0"/>
+              <a:t>Fazit</a:t>
+            </a:r>
+          </a:p>
         </p:txBody>
       </p:sp>
     </p:spTree>
@@ -8328,15 +8334,7 @@
           <a:p>
             <a:r>
               <a:rPr lang="de-DE" dirty="0"/>
-              <a:t>Erreichen einer </a:t>
-            </a:r>
-            <a:r>
-              <a:rPr lang="de-DE" dirty="0" err="1"/>
-              <a:t>hochen</a:t>
-            </a:r>
-            <a:r>
-              <a:rPr lang="de-DE" dirty="0"/>
-              <a:t> Punktzahl (Cookies)</a:t>
+              <a:t>Erreichen einer hohen Punktzahl (Cookies)</a:t>
             </a:r>
           </a:p>
           <a:p>
@@ -9004,7 +9002,7 @@
             <a:endParaRPr lang="de-DE" sz="1600" dirty="0"/>
           </a:p>
           <a:p>
-            <a:endParaRPr lang="de-DE" sz="1600"/>
+            <a:endParaRPr lang="de-DE" sz="1600" dirty="0"/>
           </a:p>
         </p:txBody>
       </p:sp>
